--- a/Vincent_Ying_Rohan_Fray_Partha_Banerjee_slides.pptx
+++ b/Vincent_Ying_Rohan_Fray_Partha_Banerjee_slides.pptx
@@ -1,11 +1,11 @@
 
 <file path=ppt/presentation.xml><?xml version="1.0" encoding="utf-8"?>
-<p:presentation xmlns:a="http://schemas.openxmlformats.org/drawingml/2006/main" xmlns:r="http://schemas.openxmlformats.org/officeDocument/2006/relationships" xmlns:mc="http://schemas.openxmlformats.org/markup-compatibility/2006" xmlns:mv="urn:schemas-microsoft-com:mac:vml" xmlns:p="http://schemas.openxmlformats.org/presentationml/2006/main" mc:Ignorable="mv" mc:PreserveAttributes="mv:*" saveSubsetFonts="1">
+<p:presentation xmlns:a="http://schemas.openxmlformats.org/drawingml/2006/main" xmlns:r="http://schemas.openxmlformats.org/officeDocument/2006/relationships" xmlns:p="http://schemas.openxmlformats.org/presentationml/2006/main" saveSubsetFonts="1">
   <p:sldMasterIdLst>
     <p:sldMasterId id="2147483660" r:id="rId1"/>
   </p:sldMasterIdLst>
   <p:notesMasterIdLst>
-    <p:notesMasterId r:id="rId28"/>
+    <p:notesMasterId r:id="rId29"/>
   </p:notesMasterIdLst>
   <p:sldIdLst>
     <p:sldId id="256" r:id="rId2"/>
@@ -19,21 +19,22 @@
     <p:sldId id="284" r:id="rId10"/>
     <p:sldId id="285" r:id="rId11"/>
     <p:sldId id="286" r:id="rId12"/>
-    <p:sldId id="287" r:id="rId13"/>
-    <p:sldId id="274" r:id="rId14"/>
-    <p:sldId id="279" r:id="rId15"/>
-    <p:sldId id="280" r:id="rId16"/>
-    <p:sldId id="288" r:id="rId17"/>
-    <p:sldId id="289" r:id="rId18"/>
-    <p:sldId id="290" r:id="rId19"/>
-    <p:sldId id="291" r:id="rId20"/>
-    <p:sldId id="292" r:id="rId21"/>
-    <p:sldId id="294" r:id="rId22"/>
-    <p:sldId id="295" r:id="rId23"/>
-    <p:sldId id="296" r:id="rId24"/>
-    <p:sldId id="293" r:id="rId25"/>
-    <p:sldId id="278" r:id="rId26"/>
-    <p:sldId id="261" r:id="rId27"/>
+    <p:sldId id="297" r:id="rId13"/>
+    <p:sldId id="287" r:id="rId14"/>
+    <p:sldId id="274" r:id="rId15"/>
+    <p:sldId id="279" r:id="rId16"/>
+    <p:sldId id="280" r:id="rId17"/>
+    <p:sldId id="288" r:id="rId18"/>
+    <p:sldId id="289" r:id="rId19"/>
+    <p:sldId id="290" r:id="rId20"/>
+    <p:sldId id="291" r:id="rId21"/>
+    <p:sldId id="292" r:id="rId22"/>
+    <p:sldId id="294" r:id="rId23"/>
+    <p:sldId id="295" r:id="rId24"/>
+    <p:sldId id="296" r:id="rId25"/>
+    <p:sldId id="293" r:id="rId26"/>
+    <p:sldId id="278" r:id="rId27"/>
+    <p:sldId id="261" r:id="rId28"/>
   </p:sldIdLst>
   <p:sldSz cx="9144000" cy="6858000" type="screen4x3"/>
   <p:notesSz cx="6858000" cy="9144000"/>
@@ -189,31 +190,31 @@
                 <c:formatCode>General</c:formatCode>
                 <c:ptCount val="9"/>
                 <c:pt idx="0">
-                  <c:v>62.0</c:v>
+                  <c:v>62</c:v>
                 </c:pt>
                 <c:pt idx="1">
-                  <c:v>63.0</c:v>
+                  <c:v>63</c:v>
                 </c:pt>
                 <c:pt idx="2">
-                  <c:v>64.0</c:v>
+                  <c:v>64</c:v>
                 </c:pt>
                 <c:pt idx="3">
-                  <c:v>65.0</c:v>
+                  <c:v>65</c:v>
                 </c:pt>
                 <c:pt idx="4">
-                  <c:v>66.0</c:v>
+                  <c:v>66</c:v>
                 </c:pt>
                 <c:pt idx="5">
-                  <c:v>67.0</c:v>
+                  <c:v>67</c:v>
                 </c:pt>
                 <c:pt idx="6">
-                  <c:v>68.0</c:v>
+                  <c:v>68</c:v>
                 </c:pt>
                 <c:pt idx="7">
-                  <c:v>69.0</c:v>
+                  <c:v>69</c:v>
                 </c:pt>
                 <c:pt idx="8">
-                  <c:v>70.0</c:v>
+                  <c:v>70</c:v>
                 </c:pt>
               </c:numCache>
             </c:numRef>
@@ -234,10 +235,10 @@
                   <c:v>4386.53</c:v>
                 </c:pt>
                 <c:pt idx="3">
-                  <c:v>4698.85</c:v>
+                  <c:v>4698.8500000000004</c:v>
                 </c:pt>
                 <c:pt idx="4">
-                  <c:v>5029.89</c:v>
+                  <c:v>5029.8900000000003</c:v>
                 </c:pt>
                 <c:pt idx="5">
                   <c:v>5381.09</c:v>
@@ -256,11 +257,11 @@
           </c:yVal>
           <c:smooth val="1"/>
         </c:ser>
-        <c:axId val="328806664"/>
-        <c:axId val="329048968"/>
+        <c:axId val="50617728"/>
+        <c:axId val="50628096"/>
       </c:scatterChart>
       <c:valAx>
-        <c:axId val="328806664"/>
+        <c:axId val="50617728"/>
         <c:scaling>
           <c:orientation val="minMax"/>
         </c:scaling>
@@ -286,12 +287,12 @@
         </c:title>
         <c:numFmt formatCode="General" sourceLinked="1"/>
         <c:tickLblPos val="nextTo"/>
-        <c:crossAx val="329048968"/>
+        <c:crossAx val="50628096"/>
         <c:crosses val="autoZero"/>
         <c:crossBetween val="midCat"/>
       </c:valAx>
       <c:valAx>
-        <c:axId val="329048968"/>
+        <c:axId val="50628096"/>
         <c:scaling>
           <c:orientation val="minMax"/>
         </c:scaling>
@@ -318,14 +319,14 @@
             <c:manualLayout>
               <c:xMode val="edge"/>
               <c:yMode val="edge"/>
-              <c:x val="0.025"/>
-              <c:y val="0.147242372047244"/>
+              <c:x val="2.5000000000000005E-2"/>
+              <c:y val="0.14724237204724405"/>
             </c:manualLayout>
           </c:layout>
         </c:title>
         <c:numFmt formatCode="General" sourceLinked="1"/>
         <c:tickLblPos val="nextTo"/>
-        <c:crossAx val="328806664"/>
+        <c:crossAx val="50617728"/>
         <c:crosses val="autoZero"/>
         <c:crossBetween val="midCat"/>
       </c:valAx>
@@ -347,7 +348,7 @@
 </file>
 
 <file path=ppt/notesMasters/notesMaster1.xml><?xml version="1.0" encoding="utf-8"?>
-<p:notesMaster xmlns:a="http://schemas.openxmlformats.org/drawingml/2006/main" xmlns:r="http://schemas.openxmlformats.org/officeDocument/2006/relationships" xmlns:mc="http://schemas.openxmlformats.org/markup-compatibility/2006" xmlns:mv="urn:schemas-microsoft-com:mac:vml" xmlns:p="http://schemas.openxmlformats.org/presentationml/2006/main" mc:Ignorable="mv" mc:PreserveAttributes="mv:*">
+<p:notesMaster xmlns:a="http://schemas.openxmlformats.org/drawingml/2006/main" xmlns:r="http://schemas.openxmlformats.org/officeDocument/2006/relationships" xmlns:p="http://schemas.openxmlformats.org/presentationml/2006/main">
   <p:cSld>
     <p:bg>
       <p:bgRef idx="1001">
@@ -429,7 +430,7 @@
             <a:fld id="{5366060A-A662-4D88-B619-9F8057711CC3}" type="datetimeFigureOut">
               <a:rPr lang="en-US" smtClean="0"/>
               <a:pPr/>
-              <a:t>12/10/14</a:t>
+              <a:t>12/10/2014</a:t>
             </a:fld>
             <a:endParaRPr lang="en-US"/>
           </a:p>
@@ -598,7 +599,7 @@
     </p:spTree>
     <p:extLst>
       <p:ext uri="{BB962C8B-B14F-4D97-AF65-F5344CB8AC3E}">
-        <p14:creationId xmlns="" xmlns:p14="http://schemas.microsoft.com/office/powerpoint/2010/main" xmlns:p="http://schemas.openxmlformats.org/presentationml/2006/main" xmlns:r="http://schemas.openxmlformats.org/officeDocument/2006/relationships" xmlns:a="http://schemas.openxmlformats.org/drawingml/2006/main" val="2527889712"/>
+        <p14:creationId xmlns:p14="http://schemas.microsoft.com/office/powerpoint/2010/main" xmlns="" xmlns:mv="urn:schemas-microsoft-com:mac:vml" xmlns:mc="http://schemas.openxmlformats.org/markup-compatibility/2006" val="2527889712"/>
       </p:ext>
     </p:extLst>
   </p:cSld>
@@ -699,7 +700,7 @@
 </file>
 
 <file path=ppt/notesSlides/notesSlide1.xml><?xml version="1.0" encoding="utf-8"?>
-<p:notes xmlns:a="http://schemas.openxmlformats.org/drawingml/2006/main" xmlns:r="http://schemas.openxmlformats.org/officeDocument/2006/relationships" xmlns:mc="http://schemas.openxmlformats.org/markup-compatibility/2006" xmlns:mv="urn:schemas-microsoft-com:mac:vml" xmlns:p="http://schemas.openxmlformats.org/presentationml/2006/main" mc:Ignorable="mv" mc:PreserveAttributes="mv:*">
+<p:notes xmlns:a="http://schemas.openxmlformats.org/drawingml/2006/main" xmlns:r="http://schemas.openxmlformats.org/officeDocument/2006/relationships" xmlns:p="http://schemas.openxmlformats.org/presentationml/2006/main">
   <p:cSld>
     <p:spTree>
       <p:nvGrpSpPr>
@@ -781,7 +782,7 @@
             <a:fld id="{D37AA700-87F8-4AE1-A789-4DB7CEE45CE5}" type="slidenum">
               <a:rPr lang="en-US" smtClean="0"/>
               <a:pPr/>
-              <a:t>26</a:t>
+              <a:t>27</a:t>
             </a:fld>
             <a:endParaRPr lang="en-US"/>
           </a:p>
@@ -790,7 +791,7 @@
     </p:spTree>
     <p:extLst>
       <p:ext uri="{BB962C8B-B14F-4D97-AF65-F5344CB8AC3E}">
-        <p14:creationId xmlns="" xmlns:p14="http://schemas.microsoft.com/office/powerpoint/2010/main" xmlns:p="http://schemas.openxmlformats.org/presentationml/2006/main" xmlns:r="http://schemas.openxmlformats.org/officeDocument/2006/relationships" xmlns:a="http://schemas.openxmlformats.org/drawingml/2006/main" val="1360679347"/>
+        <p14:creationId xmlns:p14="http://schemas.microsoft.com/office/powerpoint/2010/main" xmlns="" xmlns:mv="urn:schemas-microsoft-com:mac:vml" xmlns:mc="http://schemas.openxmlformats.org/markup-compatibility/2006" val="1360679347"/>
       </p:ext>
     </p:extLst>
   </p:cSld>
@@ -801,7 +802,7 @@
 </file>
 
 <file path=ppt/slideLayouts/slideLayout1.xml><?xml version="1.0" encoding="utf-8"?>
-<p:sldLayout xmlns:a="http://schemas.openxmlformats.org/drawingml/2006/main" xmlns:r="http://schemas.openxmlformats.org/officeDocument/2006/relationships" xmlns:mc="http://schemas.openxmlformats.org/markup-compatibility/2006" xmlns:mv="urn:schemas-microsoft-com:mac:vml" xmlns:p="http://schemas.openxmlformats.org/presentationml/2006/main" mc:Ignorable="mv" mc:PreserveAttributes="mv:*" showMasterSp="0" type="title" preserve="1">
+<p:sldLayout xmlns:a="http://schemas.openxmlformats.org/drawingml/2006/main" xmlns:r="http://schemas.openxmlformats.org/officeDocument/2006/relationships" xmlns:p="http://schemas.openxmlformats.org/presentationml/2006/main" showMasterSp="0" type="title" preserve="1">
   <p:cSld name="Title Slide">
     <p:spTree>
       <p:nvGrpSpPr>
@@ -852,15 +853,24 @@
             <p:ph type="dt" sz="half" idx="10"/>
           </p:nvPr>
         </p:nvSpPr>
-        <p:spPr/>
+        <p:spPr>
+          <a:xfrm>
+            <a:off x="3886200" y="6324600"/>
+            <a:ext cx="1524000" cy="365125"/>
+          </a:xfrm>
+        </p:spPr>
         <p:txBody>
           <a:bodyPr/>
-          <a:lstStyle/>
-          <a:p>
-            <a:fld id="{5A80D7FB-1A3C-43A4-B50F-8E68A3F36CAF}" type="datetimeFigureOut">
+          <a:lstStyle>
+            <a:lvl1pPr algn="ctr">
+              <a:defRPr/>
+            </a:lvl1pPr>
+          </a:lstStyle>
+          <a:p>
+            <a:fld id="{19A761A3-5A4A-4980-99DA-7ED2A0F284DA}" type="datetime1">
               <a:rPr lang="en-US" smtClean="0"/>
               <a:pPr/>
-              <a:t>12/10/14</a:t>
+              <a:t>12/10/2014</a:t>
             </a:fld>
             <a:endParaRPr lang="en-US"/>
           </a:p>
@@ -881,6 +891,10 @@
           <a:bodyPr/>
           <a:lstStyle/>
           <a:p>
+            <a:r>
+              <a:rPr lang="en-US" smtClean="0"/>
+              <a:t>IS609 MSDA CUNY</a:t>
+            </a:r>
             <a:endParaRPr lang="en-US"/>
           </a:p>
         </p:txBody>
@@ -1069,7 +1083,7 @@
 </file>
 
 <file path=ppt/slideLayouts/slideLayout10.xml><?xml version="1.0" encoding="utf-8"?>
-<p:sldLayout xmlns:a="http://schemas.openxmlformats.org/drawingml/2006/main" xmlns:r="http://schemas.openxmlformats.org/officeDocument/2006/relationships" xmlns:mc="http://schemas.openxmlformats.org/markup-compatibility/2006" xmlns:mv="urn:schemas-microsoft-com:mac:vml" xmlns:p="http://schemas.openxmlformats.org/presentationml/2006/main" mc:Ignorable="mv" mc:PreserveAttributes="mv:*" type="vertTx" preserve="1">
+<p:sldLayout xmlns:a="http://schemas.openxmlformats.org/drawingml/2006/main" xmlns:r="http://schemas.openxmlformats.org/officeDocument/2006/relationships" xmlns:p="http://schemas.openxmlformats.org/presentationml/2006/main" type="vertTx" preserve="1">
   <p:cSld name="Title and Vertical Text">
     <p:spTree>
       <p:nvGrpSpPr>
@@ -1175,10 +1189,9 @@
           <a:bodyPr/>
           <a:lstStyle/>
           <a:p>
-            <a:fld id="{5A80D7FB-1A3C-43A4-B50F-8E68A3F36CAF}" type="datetimeFigureOut">
-              <a:rPr lang="en-US" smtClean="0"/>
-              <a:pPr/>
-              <a:t>12/10/14</a:t>
+            <a:fld id="{C7DB0E60-E226-4782-8633-D3DB74AF73E4}" type="datetime1">
+              <a:rPr lang="en-US" smtClean="0"/>
+              <a:t>12/10/2014</a:t>
             </a:fld>
             <a:endParaRPr lang="en-US"/>
           </a:p>
@@ -1199,6 +1212,10 @@
           <a:bodyPr/>
           <a:lstStyle/>
           <a:p>
+            <a:r>
+              <a:rPr lang="en-US" smtClean="0"/>
+              <a:t>IS609 MSDA CUNY</a:t>
+            </a:r>
             <a:endParaRPr lang="en-US"/>
           </a:p>
         </p:txBody>
@@ -1236,7 +1253,7 @@
 </file>
 
 <file path=ppt/slideLayouts/slideLayout11.xml><?xml version="1.0" encoding="utf-8"?>
-<p:sldLayout xmlns:a="http://schemas.openxmlformats.org/drawingml/2006/main" xmlns:r="http://schemas.openxmlformats.org/officeDocument/2006/relationships" xmlns:mc="http://schemas.openxmlformats.org/markup-compatibility/2006" xmlns:mv="urn:schemas-microsoft-com:mac:vml" xmlns:p="http://schemas.openxmlformats.org/presentationml/2006/main" mc:Ignorable="mv" mc:PreserveAttributes="mv:*" type="vertTitleAndTx" preserve="1">
+<p:sldLayout xmlns:a="http://schemas.openxmlformats.org/drawingml/2006/main" xmlns:r="http://schemas.openxmlformats.org/officeDocument/2006/relationships" xmlns:p="http://schemas.openxmlformats.org/presentationml/2006/main" type="vertTitleAndTx" preserve="1">
   <p:cSld name="Vertical Title and Text">
     <p:spTree>
       <p:nvGrpSpPr>
@@ -1352,10 +1369,9 @@
           <a:bodyPr/>
           <a:lstStyle/>
           <a:p>
-            <a:fld id="{5A80D7FB-1A3C-43A4-B50F-8E68A3F36CAF}" type="datetimeFigureOut">
-              <a:rPr lang="en-US" smtClean="0"/>
-              <a:pPr/>
-              <a:t>12/10/14</a:t>
+            <a:fld id="{C8281849-7BBF-4DC2-92B8-DF0FE7685351}" type="datetime1">
+              <a:rPr lang="en-US" smtClean="0"/>
+              <a:t>12/10/2014</a:t>
             </a:fld>
             <a:endParaRPr lang="en-US"/>
           </a:p>
@@ -1376,6 +1392,10 @@
           <a:bodyPr/>
           <a:lstStyle/>
           <a:p>
+            <a:r>
+              <a:rPr lang="en-US" smtClean="0"/>
+              <a:t>IS609 MSDA CUNY</a:t>
+            </a:r>
             <a:endParaRPr lang="en-US"/>
           </a:p>
         </p:txBody>
@@ -1413,7 +1433,7 @@
 </file>
 
 <file path=ppt/slideLayouts/slideLayout2.xml><?xml version="1.0" encoding="utf-8"?>
-<p:sldLayout xmlns:a="http://schemas.openxmlformats.org/drawingml/2006/main" xmlns:r="http://schemas.openxmlformats.org/officeDocument/2006/relationships" xmlns:mc="http://schemas.openxmlformats.org/markup-compatibility/2006" xmlns:mv="urn:schemas-microsoft-com:mac:vml" xmlns:p="http://schemas.openxmlformats.org/presentationml/2006/main" mc:Ignorable="mv" mc:PreserveAttributes="mv:*" type="obj" preserve="1">
+<p:sldLayout xmlns:a="http://schemas.openxmlformats.org/drawingml/2006/main" xmlns:r="http://schemas.openxmlformats.org/officeDocument/2006/relationships" xmlns:p="http://schemas.openxmlformats.org/presentationml/2006/main" type="obj" preserve="1">
   <p:cSld name="Title and Content">
     <p:spTree>
       <p:nvGrpSpPr>
@@ -1467,15 +1487,24 @@
             <p:ph type="dt" sz="half" idx="10"/>
           </p:nvPr>
         </p:nvSpPr>
-        <p:spPr/>
+        <p:spPr>
+          <a:xfrm>
+            <a:off x="4038600" y="6340475"/>
+            <a:ext cx="1524000" cy="365125"/>
+          </a:xfrm>
+        </p:spPr>
         <p:txBody>
           <a:bodyPr/>
-          <a:lstStyle/>
-          <a:p>
-            <a:fld id="{5A80D7FB-1A3C-43A4-B50F-8E68A3F36CAF}" type="datetimeFigureOut">
+          <a:lstStyle>
+            <a:lvl1pPr algn="ctr">
+              <a:defRPr/>
+            </a:lvl1pPr>
+          </a:lstStyle>
+          <a:p>
+            <a:fld id="{F80D1446-CE4D-430B-95D2-FCC162C9C322}" type="datetime1">
               <a:rPr lang="en-US" smtClean="0"/>
               <a:pPr/>
-              <a:t>12/10/14</a:t>
+              <a:t>12/10/2014</a:t>
             </a:fld>
             <a:endParaRPr lang="en-US"/>
           </a:p>
@@ -1496,6 +1525,10 @@
           <a:bodyPr/>
           <a:lstStyle/>
           <a:p>
+            <a:r>
+              <a:rPr lang="en-US" smtClean="0"/>
+              <a:t>IS609 MSDA CUNY</a:t>
+            </a:r>
             <a:endParaRPr lang="en-US"/>
           </a:p>
         </p:txBody>
@@ -1590,7 +1623,7 @@
 </file>
 
 <file path=ppt/slideLayouts/slideLayout3.xml><?xml version="1.0" encoding="utf-8"?>
-<p:sldLayout xmlns:a="http://schemas.openxmlformats.org/drawingml/2006/main" xmlns:r="http://schemas.openxmlformats.org/officeDocument/2006/relationships" xmlns:mc="http://schemas.openxmlformats.org/markup-compatibility/2006" xmlns:mv="urn:schemas-microsoft-com:mac:vml" xmlns:p="http://schemas.openxmlformats.org/presentationml/2006/main" mc:Ignorable="mv" mc:PreserveAttributes="mv:*" showMasterSp="0" type="secHead" preserve="1">
+<p:sldLayout xmlns:a="http://schemas.openxmlformats.org/drawingml/2006/main" xmlns:r="http://schemas.openxmlformats.org/officeDocument/2006/relationships" xmlns:p="http://schemas.openxmlformats.org/presentationml/2006/main" showMasterSp="0" type="secHead" preserve="1">
   <p:cSld name="Section Header">
     <p:spTree>
       <p:nvGrpSpPr>
@@ -1772,10 +1805,9 @@
           <a:bodyPr/>
           <a:lstStyle/>
           <a:p>
-            <a:fld id="{5A80D7FB-1A3C-43A4-B50F-8E68A3F36CAF}" type="datetimeFigureOut">
-              <a:rPr lang="en-US" smtClean="0"/>
-              <a:pPr/>
-              <a:t>12/10/14</a:t>
+            <a:fld id="{05BFACBC-2AFA-4B11-92C4-BE00EC2FCB51}" type="datetime1">
+              <a:rPr lang="en-US" smtClean="0"/>
+              <a:t>12/10/2014</a:t>
             </a:fld>
             <a:endParaRPr lang="en-US"/>
           </a:p>
@@ -1796,6 +1828,10 @@
           <a:bodyPr/>
           <a:lstStyle/>
           <a:p>
+            <a:r>
+              <a:rPr lang="en-US" smtClean="0"/>
+              <a:t>IS609 MSDA CUNY</a:t>
+            </a:r>
             <a:endParaRPr lang="en-US"/>
           </a:p>
         </p:txBody>
@@ -1833,7 +1869,7 @@
 </file>
 
 <file path=ppt/slideLayouts/slideLayout4.xml><?xml version="1.0" encoding="utf-8"?>
-<p:sldLayout xmlns:a="http://schemas.openxmlformats.org/drawingml/2006/main" xmlns:r="http://schemas.openxmlformats.org/officeDocument/2006/relationships" xmlns:mc="http://schemas.openxmlformats.org/markup-compatibility/2006" xmlns:mv="urn:schemas-microsoft-com:mac:vml" xmlns:p="http://schemas.openxmlformats.org/presentationml/2006/main" mc:Ignorable="mv" mc:PreserveAttributes="mv:*" type="twoObj" preserve="1">
+<p:sldLayout xmlns:a="http://schemas.openxmlformats.org/drawingml/2006/main" xmlns:r="http://schemas.openxmlformats.org/officeDocument/2006/relationships" xmlns:p="http://schemas.openxmlformats.org/presentationml/2006/main" type="twoObj" preserve="1">
   <p:cSld name="Two Content">
     <p:spTree>
       <p:nvGrpSpPr>
@@ -2062,15 +2098,24 @@
             <p:ph type="dt" sz="half" idx="10"/>
           </p:nvPr>
         </p:nvSpPr>
-        <p:spPr/>
+        <p:spPr>
+          <a:xfrm>
+            <a:off x="4114800" y="6324600"/>
+            <a:ext cx="1524000" cy="365125"/>
+          </a:xfrm>
+        </p:spPr>
         <p:txBody>
           <a:bodyPr/>
-          <a:lstStyle/>
-          <a:p>
-            <a:fld id="{5A80D7FB-1A3C-43A4-B50F-8E68A3F36CAF}" type="datetimeFigureOut">
+          <a:lstStyle>
+            <a:lvl1pPr algn="ctr">
+              <a:defRPr/>
+            </a:lvl1pPr>
+          </a:lstStyle>
+          <a:p>
+            <a:fld id="{93EB8B2F-A659-43B1-9917-F1102A6792C5}" type="datetime1">
               <a:rPr lang="en-US" smtClean="0"/>
               <a:pPr/>
-              <a:t>12/10/14</a:t>
+              <a:t>12/10/2014</a:t>
             </a:fld>
             <a:endParaRPr lang="en-US"/>
           </a:p>
@@ -2091,6 +2136,10 @@
           <a:bodyPr/>
           <a:lstStyle/>
           <a:p>
+            <a:r>
+              <a:rPr lang="en-US" smtClean="0"/>
+              <a:t>IS609 MSDA CUNY</a:t>
+            </a:r>
             <a:endParaRPr lang="en-US"/>
           </a:p>
         </p:txBody>
@@ -2128,7 +2177,7 @@
 </file>
 
 <file path=ppt/slideLayouts/slideLayout5.xml><?xml version="1.0" encoding="utf-8"?>
-<p:sldLayout xmlns:a="http://schemas.openxmlformats.org/drawingml/2006/main" xmlns:r="http://schemas.openxmlformats.org/officeDocument/2006/relationships" xmlns:mc="http://schemas.openxmlformats.org/markup-compatibility/2006" xmlns:mv="urn:schemas-microsoft-com:mac:vml" xmlns:p="http://schemas.openxmlformats.org/presentationml/2006/main" mc:Ignorable="mv" mc:PreserveAttributes="mv:*" type="twoTxTwoObj" preserve="1">
+<p:sldLayout xmlns:a="http://schemas.openxmlformats.org/drawingml/2006/main" xmlns:r="http://schemas.openxmlformats.org/officeDocument/2006/relationships" xmlns:p="http://schemas.openxmlformats.org/presentationml/2006/main" type="twoTxTwoObj" preserve="1">
   <p:cSld name="Comparison">
     <p:spTree>
       <p:nvGrpSpPr>
@@ -2497,10 +2546,9 @@
           <a:bodyPr/>
           <a:lstStyle/>
           <a:p>
-            <a:fld id="{5A80D7FB-1A3C-43A4-B50F-8E68A3F36CAF}" type="datetimeFigureOut">
-              <a:rPr lang="en-US" smtClean="0"/>
-              <a:pPr/>
-              <a:t>12/10/14</a:t>
+            <a:fld id="{0280D67D-B05E-43AB-B8CB-C1D2438BBECA}" type="datetime1">
+              <a:rPr lang="en-US" smtClean="0"/>
+              <a:t>12/10/2014</a:t>
             </a:fld>
             <a:endParaRPr lang="en-US"/>
           </a:p>
@@ -2521,6 +2569,10 @@
           <a:bodyPr/>
           <a:lstStyle/>
           <a:p>
+            <a:r>
+              <a:rPr lang="en-US" smtClean="0"/>
+              <a:t>IS609 MSDA CUNY</a:t>
+            </a:r>
             <a:endParaRPr lang="en-US"/>
           </a:p>
         </p:txBody>
@@ -2558,7 +2610,7 @@
 </file>
 
 <file path=ppt/slideLayouts/slideLayout6.xml><?xml version="1.0" encoding="utf-8"?>
-<p:sldLayout xmlns:a="http://schemas.openxmlformats.org/drawingml/2006/main" xmlns:r="http://schemas.openxmlformats.org/officeDocument/2006/relationships" xmlns:mc="http://schemas.openxmlformats.org/markup-compatibility/2006" xmlns:mv="urn:schemas-microsoft-com:mac:vml" xmlns:p="http://schemas.openxmlformats.org/presentationml/2006/main" mc:Ignorable="mv" mc:PreserveAttributes="mv:*" type="titleOnly" preserve="1">
+<p:sldLayout xmlns:a="http://schemas.openxmlformats.org/drawingml/2006/main" xmlns:r="http://schemas.openxmlformats.org/officeDocument/2006/relationships" xmlns:p="http://schemas.openxmlformats.org/presentationml/2006/main" type="titleOnly" preserve="1">
   <p:cSld name="Title Only">
     <p:spTree>
       <p:nvGrpSpPr>
@@ -2617,10 +2669,9 @@
           <a:bodyPr/>
           <a:lstStyle/>
           <a:p>
-            <a:fld id="{5A80D7FB-1A3C-43A4-B50F-8E68A3F36CAF}" type="datetimeFigureOut">
-              <a:rPr lang="en-US" smtClean="0"/>
-              <a:pPr/>
-              <a:t>12/10/14</a:t>
+            <a:fld id="{3B256333-1D98-4FA2-A638-FBED4570A8E2}" type="datetime1">
+              <a:rPr lang="en-US" smtClean="0"/>
+              <a:t>12/10/2014</a:t>
             </a:fld>
             <a:endParaRPr lang="en-US"/>
           </a:p>
@@ -2641,6 +2692,10 @@
           <a:bodyPr/>
           <a:lstStyle/>
           <a:p>
+            <a:r>
+              <a:rPr lang="en-US" smtClean="0"/>
+              <a:t>IS609 MSDA CUNY</a:t>
+            </a:r>
             <a:endParaRPr lang="en-US"/>
           </a:p>
         </p:txBody>
@@ -2678,7 +2733,7 @@
 </file>
 
 <file path=ppt/slideLayouts/slideLayout7.xml><?xml version="1.0" encoding="utf-8"?>
-<p:sldLayout xmlns:a="http://schemas.openxmlformats.org/drawingml/2006/main" xmlns:r="http://schemas.openxmlformats.org/officeDocument/2006/relationships" xmlns:mc="http://schemas.openxmlformats.org/markup-compatibility/2006" xmlns:mv="urn:schemas-microsoft-com:mac:vml" xmlns:p="http://schemas.openxmlformats.org/presentationml/2006/main" mc:Ignorable="mv" mc:PreserveAttributes="mv:*" type="blank" preserve="1">
+<p:sldLayout xmlns:a="http://schemas.openxmlformats.org/drawingml/2006/main" xmlns:r="http://schemas.openxmlformats.org/officeDocument/2006/relationships" xmlns:p="http://schemas.openxmlformats.org/presentationml/2006/main" type="blank" preserve="1">
   <p:cSld name="Blank">
     <p:spTree>
       <p:nvGrpSpPr>
@@ -2709,10 +2764,9 @@
           <a:bodyPr/>
           <a:lstStyle/>
           <a:p>
-            <a:fld id="{5A80D7FB-1A3C-43A4-B50F-8E68A3F36CAF}" type="datetimeFigureOut">
-              <a:rPr lang="en-US" smtClean="0"/>
-              <a:pPr/>
-              <a:t>12/10/14</a:t>
+            <a:fld id="{083260BB-A0ED-4DAE-BF0C-7A19A1531C75}" type="datetime1">
+              <a:rPr lang="en-US" smtClean="0"/>
+              <a:t>12/10/2014</a:t>
             </a:fld>
             <a:endParaRPr lang="en-US"/>
           </a:p>
@@ -2733,6 +2787,10 @@
           <a:bodyPr/>
           <a:lstStyle/>
           <a:p>
+            <a:r>
+              <a:rPr lang="en-US" smtClean="0"/>
+              <a:t>IS609 MSDA CUNY</a:t>
+            </a:r>
             <a:endParaRPr lang="en-US"/>
           </a:p>
         </p:txBody>
@@ -2770,7 +2828,7 @@
 </file>
 
 <file path=ppt/slideLayouts/slideLayout8.xml><?xml version="1.0" encoding="utf-8"?>
-<p:sldLayout xmlns:a="http://schemas.openxmlformats.org/drawingml/2006/main" xmlns:r="http://schemas.openxmlformats.org/officeDocument/2006/relationships" xmlns:mc="http://schemas.openxmlformats.org/markup-compatibility/2006" xmlns:mv="urn:schemas-microsoft-com:mac:vml" xmlns:p="http://schemas.openxmlformats.org/presentationml/2006/main" mc:Ignorable="mv" mc:PreserveAttributes="mv:*" type="objTx" preserve="1">
+<p:sldLayout xmlns:a="http://schemas.openxmlformats.org/drawingml/2006/main" xmlns:r="http://schemas.openxmlformats.org/officeDocument/2006/relationships" xmlns:p="http://schemas.openxmlformats.org/presentationml/2006/main" type="objTx" preserve="1">
   <p:cSld name="Content with Caption">
     <p:spTree>
       <p:nvGrpSpPr>
@@ -2961,10 +3019,9 @@
           <a:bodyPr/>
           <a:lstStyle/>
           <a:p>
-            <a:fld id="{5A80D7FB-1A3C-43A4-B50F-8E68A3F36CAF}" type="datetimeFigureOut">
-              <a:rPr lang="en-US" smtClean="0"/>
-              <a:pPr/>
-              <a:t>12/10/14</a:t>
+            <a:fld id="{F0F7A5DD-B0A5-4B8C-9D8E-3ECD676BCBA5}" type="datetime1">
+              <a:rPr lang="en-US" smtClean="0"/>
+              <a:t>12/10/2014</a:t>
             </a:fld>
             <a:endParaRPr lang="en-US"/>
           </a:p>
@@ -2985,6 +3042,10 @@
           <a:bodyPr/>
           <a:lstStyle/>
           <a:p>
+            <a:r>
+              <a:rPr lang="en-US" smtClean="0"/>
+              <a:t>IS609 MSDA CUNY</a:t>
+            </a:r>
             <a:endParaRPr lang="en-US"/>
           </a:p>
         </p:txBody>
@@ -3022,7 +3083,7 @@
 </file>
 
 <file path=ppt/slideLayouts/slideLayout9.xml><?xml version="1.0" encoding="utf-8"?>
-<p:sldLayout xmlns:a="http://schemas.openxmlformats.org/drawingml/2006/main" xmlns:r="http://schemas.openxmlformats.org/officeDocument/2006/relationships" xmlns:mc="http://schemas.openxmlformats.org/markup-compatibility/2006" xmlns:mv="urn:schemas-microsoft-com:mac:vml" xmlns:p="http://schemas.openxmlformats.org/presentationml/2006/main" mc:Ignorable="mv" mc:PreserveAttributes="mv:*" showMasterSp="0" type="picTx" preserve="1">
+<p:sldLayout xmlns:a="http://schemas.openxmlformats.org/drawingml/2006/main" xmlns:r="http://schemas.openxmlformats.org/officeDocument/2006/relationships" xmlns:p="http://schemas.openxmlformats.org/presentationml/2006/main" showMasterSp="0" type="picTx" preserve="1">
   <p:cSld name="Picture with Caption">
     <p:spTree>
       <p:nvGrpSpPr>
@@ -3479,10 +3540,9 @@
           <a:bodyPr/>
           <a:lstStyle/>
           <a:p>
-            <a:fld id="{5A80D7FB-1A3C-43A4-B50F-8E68A3F36CAF}" type="datetimeFigureOut">
-              <a:rPr lang="en-US" smtClean="0"/>
-              <a:pPr/>
-              <a:t>12/10/14</a:t>
+            <a:fld id="{EAE9F649-268E-4BEF-9F5A-9420C9DB108E}" type="datetime1">
+              <a:rPr lang="en-US" smtClean="0"/>
+              <a:t>12/10/2014</a:t>
             </a:fld>
             <a:endParaRPr lang="en-US"/>
           </a:p>
@@ -3503,6 +3563,10 @@
           <a:bodyPr/>
           <a:lstStyle/>
           <a:p>
+            <a:r>
+              <a:rPr lang="en-US" smtClean="0"/>
+              <a:t>IS609 MSDA CUNY</a:t>
+            </a:r>
             <a:endParaRPr lang="en-US"/>
           </a:p>
         </p:txBody>
@@ -3540,7 +3604,7 @@
 </file>
 
 <file path=ppt/slideMasters/slideMaster1.xml><?xml version="1.0" encoding="utf-8"?>
-<p:sldMaster xmlns:a="http://schemas.openxmlformats.org/drawingml/2006/main" xmlns:r="http://schemas.openxmlformats.org/officeDocument/2006/relationships" xmlns:mc="http://schemas.openxmlformats.org/markup-compatibility/2006" xmlns:mv="urn:schemas-microsoft-com:mac:vml" xmlns:p="http://schemas.openxmlformats.org/presentationml/2006/main" mc:Ignorable="mv" mc:PreserveAttributes="mv:*">
+<p:sldMaster xmlns:a="http://schemas.openxmlformats.org/drawingml/2006/main" xmlns:r="http://schemas.openxmlformats.org/officeDocument/2006/relationships" xmlns:p="http://schemas.openxmlformats.org/presentationml/2006/main">
   <p:cSld>
     <p:bg>
       <p:bgRef idx="1002">
@@ -3711,10 +3775,9 @@
             </a:lvl1pPr>
           </a:lstStyle>
           <a:p>
-            <a:fld id="{5A80D7FB-1A3C-43A4-B50F-8E68A3F36CAF}" type="datetimeFigureOut">
-              <a:rPr lang="en-US" smtClean="0"/>
-              <a:pPr/>
-              <a:t>12/10/14</a:t>
+            <a:fld id="{3440216B-79C5-46F9-85B3-F88E6126A7D4}" type="datetime1">
+              <a:rPr lang="en-US" smtClean="0"/>
+              <a:t>12/10/2014</a:t>
             </a:fld>
             <a:endParaRPr lang="en-US"/>
           </a:p>
@@ -3751,6 +3814,10 @@
             </a:lvl1pPr>
           </a:lstStyle>
           <a:p>
+            <a:r>
+              <a:rPr lang="en-US" smtClean="0"/>
+              <a:t>IS609 MSDA CUNY</a:t>
+            </a:r>
             <a:endParaRPr lang="en-US"/>
           </a:p>
         </p:txBody>
@@ -3811,6 +3878,7 @@
     <p:sldLayoutId id="2147483670" r:id="rId10"/>
     <p:sldLayoutId id="2147483671" r:id="rId11"/>
   </p:sldLayoutIdLst>
+  <p:hf hdr="0"/>
   <p:txStyles>
     <p:titleStyle>
       <a:lvl1pPr algn="l" defTabSz="914400" rtl="0" eaLnBrk="1" latinLnBrk="0" hangingPunct="1">
@@ -4202,7 +4270,7 @@
 </file>
 
 <file path=ppt/slides/slide1.xml><?xml version="1.0" encoding="utf-8"?>
-<p:sld xmlns:a="http://schemas.openxmlformats.org/drawingml/2006/main" xmlns:r="http://schemas.openxmlformats.org/officeDocument/2006/relationships" xmlns:mc="http://schemas.openxmlformats.org/markup-compatibility/2006" xmlns:mv="urn:schemas-microsoft-com:mac:vml" xmlns:p="http://schemas.openxmlformats.org/presentationml/2006/main" mc:Ignorable="mv" mc:PreserveAttributes="mv:*">
+<p:sld xmlns:a="http://schemas.openxmlformats.org/drawingml/2006/main" xmlns:r="http://schemas.openxmlformats.org/officeDocument/2006/relationships" xmlns:p="http://schemas.openxmlformats.org/presentationml/2006/main">
   <p:cSld>
     <p:spTree>
       <p:nvGrpSpPr>
@@ -4303,7 +4371,7 @@
     </p:spTree>
     <p:extLst>
       <p:ext uri="{BB962C8B-B14F-4D97-AF65-F5344CB8AC3E}">
-        <p14:creationId xmlns="" xmlns:p14="http://schemas.microsoft.com/office/powerpoint/2010/main" xmlns:p="http://schemas.openxmlformats.org/presentationml/2006/main" xmlns:r="http://schemas.openxmlformats.org/officeDocument/2006/relationships" xmlns:a="http://schemas.openxmlformats.org/drawingml/2006/main" val="3338547658"/>
+        <p14:creationId xmlns:p14="http://schemas.microsoft.com/office/powerpoint/2010/main" xmlns="" xmlns:mv="urn:schemas-microsoft-com:mac:vml" xmlns:mc="http://schemas.openxmlformats.org/markup-compatibility/2006" val="3338547658"/>
       </p:ext>
     </p:extLst>
   </p:cSld>
@@ -4321,7 +4389,7 @@
 </file>
 
 <file path=ppt/slides/slide10.xml><?xml version="1.0" encoding="utf-8"?>
-<p:sld xmlns:a="http://schemas.openxmlformats.org/drawingml/2006/main" xmlns:r="http://schemas.openxmlformats.org/officeDocument/2006/relationships" xmlns:mc="http://schemas.openxmlformats.org/markup-compatibility/2006" xmlns:mv="urn:schemas-microsoft-com:mac:vml" xmlns:p="http://schemas.openxmlformats.org/presentationml/2006/main" mc:Ignorable="mv" mc:PreserveAttributes="mv:*">
+<p:sld xmlns:a="http://schemas.openxmlformats.org/drawingml/2006/main" xmlns:r="http://schemas.openxmlformats.org/officeDocument/2006/relationships" xmlns:p="http://schemas.openxmlformats.org/presentationml/2006/main">
   <p:cSld>
     <p:spTree>
       <p:nvGrpSpPr>
@@ -4729,6 +4797,76 @@
           </a:graphicData>
         </a:graphic>
       </p:graphicFrame>
+      <p:sp>
+        <p:nvSpPr>
+          <p:cNvPr id="7" name="Date Placeholder 6"/>
+          <p:cNvSpPr>
+            <a:spLocks noGrp="1"/>
+          </p:cNvSpPr>
+          <p:nvPr>
+            <p:ph type="dt" sz="half" idx="10"/>
+          </p:nvPr>
+        </p:nvSpPr>
+        <p:spPr/>
+        <p:txBody>
+          <a:bodyPr/>
+          <a:lstStyle/>
+          <a:p>
+            <a:fld id="{9A0C8D3B-96C6-47DF-9AF2-AAC6D5AF4A21}" type="datetime1">
+              <a:rPr lang="en-US" smtClean="0"/>
+              <a:t>12/10/2014</a:t>
+            </a:fld>
+            <a:endParaRPr lang="en-US"/>
+          </a:p>
+        </p:txBody>
+      </p:sp>
+      <p:sp>
+        <p:nvSpPr>
+          <p:cNvPr id="8" name="Slide Number Placeholder 7"/>
+          <p:cNvSpPr>
+            <a:spLocks noGrp="1"/>
+          </p:cNvSpPr>
+          <p:nvPr>
+            <p:ph type="sldNum" sz="quarter" idx="12"/>
+          </p:nvPr>
+        </p:nvSpPr>
+        <p:spPr/>
+        <p:txBody>
+          <a:bodyPr/>
+          <a:lstStyle/>
+          <a:p>
+            <a:fld id="{61A8A087-BDC4-42FE-8768-63148BB52561}" type="slidenum">
+              <a:rPr lang="en-US" smtClean="0"/>
+              <a:pPr/>
+              <a:t>10</a:t>
+            </a:fld>
+            <a:endParaRPr lang="en-US"/>
+          </a:p>
+        </p:txBody>
+      </p:sp>
+      <p:sp>
+        <p:nvSpPr>
+          <p:cNvPr id="10" name="Footer Placeholder 9"/>
+          <p:cNvSpPr>
+            <a:spLocks noGrp="1"/>
+          </p:cNvSpPr>
+          <p:nvPr>
+            <p:ph type="ftr" sz="quarter" idx="11"/>
+          </p:nvPr>
+        </p:nvSpPr>
+        <p:spPr/>
+        <p:txBody>
+          <a:bodyPr/>
+          <a:lstStyle/>
+          <a:p>
+            <a:r>
+              <a:rPr lang="en-US" smtClean="0"/>
+              <a:t>IS609 MSDA CUNY</a:t>
+            </a:r>
+            <a:endParaRPr lang="en-US"/>
+          </a:p>
+        </p:txBody>
+      </p:sp>
     </p:spTree>
   </p:cSld>
   <p:clrMapOvr>
@@ -4745,7 +4883,7 @@
 </file>
 
 <file path=ppt/slides/slide11.xml><?xml version="1.0" encoding="utf-8"?>
-<p:sld xmlns:a="http://schemas.openxmlformats.org/drawingml/2006/main" xmlns:r="http://schemas.openxmlformats.org/officeDocument/2006/relationships" xmlns:mc="http://schemas.openxmlformats.org/markup-compatibility/2006" xmlns:mv="urn:schemas-microsoft-com:mac:vml" xmlns:p="http://schemas.openxmlformats.org/presentationml/2006/main" mc:Ignorable="mv" mc:PreserveAttributes="mv:*">
+<p:sld xmlns:a="http://schemas.openxmlformats.org/drawingml/2006/main" xmlns:r="http://schemas.openxmlformats.org/officeDocument/2006/relationships" xmlns:p="http://schemas.openxmlformats.org/presentationml/2006/main">
   <p:cSld>
     <p:spTree>
       <p:nvGrpSpPr>
@@ -4956,6 +5094,76 @@
           </a:ln>
         </p:spPr>
       </p:pic>
+      <p:sp>
+        <p:nvSpPr>
+          <p:cNvPr id="7" name="Date Placeholder 6"/>
+          <p:cNvSpPr>
+            <a:spLocks noGrp="1"/>
+          </p:cNvSpPr>
+          <p:nvPr>
+            <p:ph type="dt" sz="half" idx="10"/>
+          </p:nvPr>
+        </p:nvSpPr>
+        <p:spPr/>
+        <p:txBody>
+          <a:bodyPr/>
+          <a:lstStyle/>
+          <a:p>
+            <a:fld id="{0E2616DD-BBEC-4DB6-A471-E494C61D77AA}" type="datetime1">
+              <a:rPr lang="en-US" smtClean="0"/>
+              <a:t>12/10/2014</a:t>
+            </a:fld>
+            <a:endParaRPr lang="en-US"/>
+          </a:p>
+        </p:txBody>
+      </p:sp>
+      <p:sp>
+        <p:nvSpPr>
+          <p:cNvPr id="8" name="Slide Number Placeholder 7"/>
+          <p:cNvSpPr>
+            <a:spLocks noGrp="1"/>
+          </p:cNvSpPr>
+          <p:nvPr>
+            <p:ph type="sldNum" sz="quarter" idx="12"/>
+          </p:nvPr>
+        </p:nvSpPr>
+        <p:spPr/>
+        <p:txBody>
+          <a:bodyPr/>
+          <a:lstStyle/>
+          <a:p>
+            <a:fld id="{61A8A087-BDC4-42FE-8768-63148BB52561}" type="slidenum">
+              <a:rPr lang="en-US" smtClean="0"/>
+              <a:pPr/>
+              <a:t>11</a:t>
+            </a:fld>
+            <a:endParaRPr lang="en-US"/>
+          </a:p>
+        </p:txBody>
+      </p:sp>
+      <p:sp>
+        <p:nvSpPr>
+          <p:cNvPr id="9" name="Footer Placeholder 8"/>
+          <p:cNvSpPr>
+            <a:spLocks noGrp="1"/>
+          </p:cNvSpPr>
+          <p:nvPr>
+            <p:ph type="ftr" sz="quarter" idx="11"/>
+          </p:nvPr>
+        </p:nvSpPr>
+        <p:spPr/>
+        <p:txBody>
+          <a:bodyPr/>
+          <a:lstStyle/>
+          <a:p>
+            <a:r>
+              <a:rPr lang="en-US" smtClean="0"/>
+              <a:t>IS609 MSDA CUNY</a:t>
+            </a:r>
+            <a:endParaRPr lang="en-US"/>
+          </a:p>
+        </p:txBody>
+      </p:sp>
     </p:spTree>
   </p:cSld>
   <p:clrMapOvr>
@@ -4972,7 +5180,543 @@
 </file>
 
 <file path=ppt/slides/slide12.xml><?xml version="1.0" encoding="utf-8"?>
-<p:sld xmlns:a="http://schemas.openxmlformats.org/drawingml/2006/main" xmlns:r="http://schemas.openxmlformats.org/officeDocument/2006/relationships" xmlns:mc="http://schemas.openxmlformats.org/markup-compatibility/2006" xmlns:mv="urn:schemas-microsoft-com:mac:vml" xmlns:p="http://schemas.openxmlformats.org/presentationml/2006/main" mc:Ignorable="mv" mc:PreserveAttributes="mv:*">
+<p:sld xmlns:a="http://schemas.openxmlformats.org/drawingml/2006/main" xmlns:r="http://schemas.openxmlformats.org/officeDocument/2006/relationships" xmlns:p="http://schemas.openxmlformats.org/presentationml/2006/main">
+  <p:cSld>
+    <p:spTree>
+      <p:nvGrpSpPr>
+        <p:cNvPr id="1" name=""/>
+        <p:cNvGrpSpPr/>
+        <p:nvPr/>
+      </p:nvGrpSpPr>
+      <p:grpSpPr>
+        <a:xfrm>
+          <a:off x="0" y="0"/>
+          <a:ext cx="0" cy="0"/>
+          <a:chOff x="0" y="0"/>
+          <a:chExt cx="0" cy="0"/>
+        </a:xfrm>
+      </p:grpSpPr>
+      <p:sp>
+        <p:nvSpPr>
+          <p:cNvPr id="2" name="Title 1"/>
+          <p:cNvSpPr>
+            <a:spLocks noGrp="1"/>
+          </p:cNvSpPr>
+          <p:nvPr>
+            <p:ph type="title"/>
+          </p:nvPr>
+        </p:nvSpPr>
+        <p:spPr/>
+        <p:txBody>
+          <a:bodyPr/>
+          <a:lstStyle/>
+          <a:p>
+            <a:r>
+              <a:rPr lang="en-US" dirty="0" smtClean="0"/>
+              <a:t>Solution: Decision Tree</a:t>
+            </a:r>
+            <a:endParaRPr lang="en-US" sz="1800" dirty="0"/>
+          </a:p>
+        </p:txBody>
+      </p:sp>
+      <p:sp>
+        <p:nvSpPr>
+          <p:cNvPr id="1026" name="Rectangle 2"/>
+          <p:cNvSpPr>
+            <a:spLocks noChangeArrowheads="1"/>
+          </p:cNvSpPr>
+          <p:nvPr/>
+        </p:nvSpPr>
+        <p:spPr bwMode="auto">
+          <a:xfrm>
+            <a:off x="0" y="0"/>
+            <a:ext cx="9144000" cy="0"/>
+          </a:xfrm>
+          <a:prstGeom prst="rect">
+            <a:avLst/>
+          </a:prstGeom>
+          <a:noFill/>
+          <a:ln w="9525">
+            <a:noFill/>
+            <a:miter lim="800000"/>
+            <a:headEnd/>
+            <a:tailEnd/>
+          </a:ln>
+          <a:effectLst/>
+        </p:spPr>
+        <p:txBody>
+          <a:bodyPr vert="horz" wrap="none" lIns="91440" tIns="45720" rIns="91440" bIns="45720" numCol="1" anchor="ctr" anchorCtr="0" compatLnSpc="1">
+            <a:prstTxWarp prst="textNoShape">
+              <a:avLst/>
+            </a:prstTxWarp>
+            <a:spAutoFit/>
+          </a:bodyPr>
+          <a:lstStyle/>
+          <a:p>
+            <a:endParaRPr lang="en-US"/>
+          </a:p>
+        </p:txBody>
+      </p:sp>
+      <p:sp>
+        <p:nvSpPr>
+          <p:cNvPr id="1028" name="Rectangle 4"/>
+          <p:cNvSpPr>
+            <a:spLocks noChangeArrowheads="1"/>
+          </p:cNvSpPr>
+          <p:nvPr/>
+        </p:nvSpPr>
+        <p:spPr bwMode="auto">
+          <a:xfrm>
+            <a:off x="0" y="0"/>
+            <a:ext cx="9144000" cy="0"/>
+          </a:xfrm>
+          <a:prstGeom prst="rect">
+            <a:avLst/>
+          </a:prstGeom>
+          <a:noFill/>
+          <a:ln w="9525">
+            <a:noFill/>
+            <a:miter lim="800000"/>
+            <a:headEnd/>
+            <a:tailEnd/>
+          </a:ln>
+          <a:effectLst/>
+        </p:spPr>
+        <p:txBody>
+          <a:bodyPr vert="horz" wrap="none" lIns="91440" tIns="45720" rIns="91440" bIns="45720" numCol="1" anchor="ctr" anchorCtr="0" compatLnSpc="1">
+            <a:prstTxWarp prst="textNoShape">
+              <a:avLst/>
+            </a:prstTxWarp>
+            <a:spAutoFit/>
+          </a:bodyPr>
+          <a:lstStyle/>
+          <a:p>
+            <a:endParaRPr lang="en-US"/>
+          </a:p>
+        </p:txBody>
+      </p:sp>
+      <p:pic>
+        <p:nvPicPr>
+          <p:cNvPr id="4" name="Picture 2"/>
+          <p:cNvPicPr>
+            <a:picLocks noGrp="1" noChangeAspect="1" noChangeArrowheads="1"/>
+          </p:cNvPicPr>
+          <p:nvPr>
+            <p:ph sz="quarter" idx="13"/>
+          </p:nvPr>
+        </p:nvPicPr>
+        <p:blipFill>
+          <a:blip r:embed="rId2" cstate="print"/>
+          <a:srcRect l="17708" t="29197" r="53665" b="10000"/>
+          <a:stretch>
+            <a:fillRect/>
+          </a:stretch>
+        </p:blipFill>
+        <p:spPr bwMode="auto">
+          <a:xfrm>
+            <a:off x="4648200" y="914400"/>
+            <a:ext cx="4038600" cy="5361214"/>
+          </a:xfrm>
+          <a:prstGeom prst="rect">
+            <a:avLst/>
+          </a:prstGeom>
+          <a:noFill/>
+          <a:ln w="9525">
+            <a:noFill/>
+            <a:miter lim="800000"/>
+            <a:headEnd/>
+            <a:tailEnd/>
+          </a:ln>
+        </p:spPr>
+      </p:pic>
+      <p:sp>
+        <p:nvSpPr>
+          <p:cNvPr id="8" name="Content Placeholder 2"/>
+          <p:cNvSpPr txBox="1">
+            <a:spLocks/>
+          </p:cNvSpPr>
+          <p:nvPr/>
+        </p:nvSpPr>
+        <p:spPr>
+          <a:xfrm>
+            <a:off x="609600" y="1143000"/>
+            <a:ext cx="3886200" cy="4572000"/>
+          </a:xfrm>
+          <a:prstGeom prst="rect">
+            <a:avLst/>
+          </a:prstGeom>
+        </p:spPr>
+        <p:txBody>
+          <a:bodyPr vert="horz" lIns="91440" tIns="45720" rIns="91440" bIns="45720" rtlCol="0">
+            <a:normAutofit lnSpcReduction="10000"/>
+          </a:bodyPr>
+          <a:lstStyle/>
+          <a:p>
+            <a:pPr marR="0" lvl="0" algn="l" defTabSz="914400" rtl="0" eaLnBrk="1" fontAlgn="auto" latinLnBrk="0" hangingPunct="1">
+              <a:lnSpc>
+                <a:spcPct val="100000"/>
+              </a:lnSpc>
+              <a:spcBef>
+                <a:spcPct val="20000"/>
+              </a:spcBef>
+              <a:spcAft>
+                <a:spcPts val="600"/>
+              </a:spcAft>
+              <a:buClr>
+                <a:schemeClr val="tx2"/>
+              </a:buClr>
+              <a:buSzTx/>
+              <a:buFont typeface="Arial" pitchFamily="34" charset="0"/>
+              <a:buNone/>
+              <a:tabLst/>
+              <a:defRPr/>
+            </a:pPr>
+            <a:r>
+              <a:rPr kumimoji="0" lang="en-US" sz="2000" b="0" i="0" u="none" strike="noStrike" kern="1200" cap="none" spc="30" normalizeH="0" baseline="0" noProof="0" dirty="0" smtClean="0">
+                <a:ln>
+                  <a:noFill/>
+                </a:ln>
+                <a:solidFill>
+                  <a:schemeClr val="tx1"/>
+                </a:solidFill>
+                <a:effectLst/>
+                <a:uLnTx/>
+                <a:uFillTx/>
+                <a:latin typeface="+mn-lt"/>
+                <a:ea typeface="+mn-ea"/>
+                <a:cs typeface="+mn-cs"/>
+              </a:rPr>
+              <a:t>The result received for Pass bet using Decision</a:t>
+            </a:r>
+            <a:r>
+              <a:rPr kumimoji="0" lang="en-US" sz="2000" b="0" i="0" u="none" strike="noStrike" kern="1200" cap="none" spc="30" normalizeH="0" noProof="0" dirty="0" smtClean="0">
+                <a:ln>
+                  <a:noFill/>
+                </a:ln>
+                <a:solidFill>
+                  <a:schemeClr val="tx1"/>
+                </a:solidFill>
+                <a:effectLst/>
+                <a:uLnTx/>
+                <a:uFillTx/>
+                <a:latin typeface="+mn-lt"/>
+                <a:ea typeface="+mn-ea"/>
+                <a:cs typeface="+mn-cs"/>
+              </a:rPr>
+              <a:t> Tree  is:</a:t>
+            </a:r>
+            <a:endParaRPr kumimoji="0" lang="en-US" sz="2000" b="0" i="0" u="none" strike="noStrike" kern="1200" cap="none" spc="30" normalizeH="0" baseline="0" noProof="0" dirty="0" smtClean="0">
+              <a:ln>
+                <a:noFill/>
+              </a:ln>
+              <a:solidFill>
+                <a:schemeClr val="tx1"/>
+              </a:solidFill>
+              <a:effectLst/>
+              <a:uLnTx/>
+              <a:uFillTx/>
+              <a:latin typeface="+mn-lt"/>
+              <a:ea typeface="+mn-ea"/>
+              <a:cs typeface="+mn-cs"/>
+            </a:endParaRPr>
+          </a:p>
+          <a:p>
+            <a:pPr marL="342900" marR="0" lvl="0" indent="-342900" algn="l" defTabSz="914400" rtl="0" eaLnBrk="1" fontAlgn="auto" latinLnBrk="0" hangingPunct="1">
+              <a:lnSpc>
+                <a:spcPct val="100000"/>
+              </a:lnSpc>
+              <a:spcBef>
+                <a:spcPct val="20000"/>
+              </a:spcBef>
+              <a:spcAft>
+                <a:spcPts val="600"/>
+              </a:spcAft>
+              <a:buClr>
+                <a:schemeClr val="tx2"/>
+              </a:buClr>
+              <a:buSzTx/>
+              <a:buFont typeface="Arial" pitchFamily="34" charset="0"/>
+              <a:buChar char="•"/>
+              <a:tabLst/>
+              <a:defRPr/>
+            </a:pPr>
+            <a:r>
+              <a:rPr kumimoji="0" lang="en-US" sz="2000" b="0" i="0" u="none" strike="noStrike" kern="1200" cap="none" spc="30" normalizeH="0" baseline="0" noProof="0" dirty="0" smtClean="0">
+                <a:ln>
+                  <a:noFill/>
+                </a:ln>
+                <a:solidFill>
+                  <a:schemeClr val="tx1"/>
+                </a:solidFill>
+                <a:effectLst/>
+                <a:uLnTx/>
+                <a:uFillTx/>
+                <a:latin typeface="+mn-lt"/>
+                <a:ea typeface="+mn-ea"/>
+                <a:cs typeface="+mn-cs"/>
+              </a:rPr>
+              <a:t>Pass bets: 49.29%</a:t>
+            </a:r>
+          </a:p>
+          <a:p>
+            <a:pPr lvl="0">
+              <a:spcBef>
+                <a:spcPct val="20000"/>
+              </a:spcBef>
+              <a:spcAft>
+                <a:spcPts val="600"/>
+              </a:spcAft>
+              <a:buClr>
+                <a:schemeClr val="tx2"/>
+              </a:buClr>
+              <a:defRPr/>
+            </a:pPr>
+            <a:r>
+              <a:rPr lang="en-US" sz="2000" spc="30" dirty="0" smtClean="0"/>
+              <a:t>This is </a:t>
+            </a:r>
+            <a:r>
+              <a:rPr lang="en-US" sz="2000" spc="30" dirty="0" smtClean="0"/>
+              <a:t>exactly the same we </a:t>
+            </a:r>
+            <a:r>
+              <a:rPr lang="en-US" sz="2000" spc="30" dirty="0" smtClean="0"/>
+              <a:t>derived for Pass bet </a:t>
+            </a:r>
+            <a:r>
+              <a:rPr lang="en-US" sz="2000" spc="30" dirty="0" smtClean="0"/>
+              <a:t>in the previous </a:t>
+            </a:r>
+            <a:r>
+              <a:rPr lang="en-US" sz="2000" spc="30" dirty="0" smtClean="0"/>
+              <a:t>slides.</a:t>
+            </a:r>
+          </a:p>
+          <a:p>
+            <a:pPr lvl="0">
+              <a:spcBef>
+                <a:spcPct val="20000"/>
+              </a:spcBef>
+              <a:spcAft>
+                <a:spcPts val="600"/>
+              </a:spcAft>
+              <a:buClr>
+                <a:schemeClr val="tx2"/>
+              </a:buClr>
+              <a:defRPr/>
+            </a:pPr>
+            <a:endParaRPr kumimoji="0" lang="en-US" sz="2000" b="0" i="0" u="none" strike="noStrike" kern="1200" cap="none" spc="30" normalizeH="0" baseline="0" noProof="0" dirty="0" smtClean="0">
+              <a:ln>
+                <a:noFill/>
+              </a:ln>
+              <a:solidFill>
+                <a:schemeClr val="tx1"/>
+              </a:solidFill>
+              <a:effectLst/>
+              <a:uLnTx/>
+              <a:uFillTx/>
+              <a:latin typeface="+mn-lt"/>
+              <a:ea typeface="+mn-ea"/>
+              <a:cs typeface="+mn-cs"/>
+            </a:endParaRPr>
+          </a:p>
+          <a:p>
+            <a:pPr lvl="0">
+              <a:spcBef>
+                <a:spcPct val="20000"/>
+              </a:spcBef>
+              <a:spcAft>
+                <a:spcPts val="600"/>
+              </a:spcAft>
+              <a:buClr>
+                <a:schemeClr val="tx2"/>
+              </a:buClr>
+              <a:defRPr/>
+            </a:pPr>
+            <a:r>
+              <a:rPr lang="en-US" sz="2000" spc="30" dirty="0" smtClean="0"/>
+              <a:t>This proves that our calculations for Don’t Pass bet and Boxcars will also match the results derived in previous slides.</a:t>
+            </a:r>
+            <a:endParaRPr kumimoji="0" lang="en-US" sz="2000" b="0" i="0" u="none" strike="noStrike" kern="1200" cap="none" spc="30" normalizeH="0" baseline="0" noProof="0" dirty="0" smtClean="0">
+              <a:ln>
+                <a:noFill/>
+              </a:ln>
+              <a:solidFill>
+                <a:schemeClr val="tx1"/>
+              </a:solidFill>
+              <a:effectLst/>
+              <a:uLnTx/>
+              <a:uFillTx/>
+              <a:latin typeface="+mn-lt"/>
+              <a:ea typeface="+mn-ea"/>
+              <a:cs typeface="+mn-cs"/>
+            </a:endParaRPr>
+          </a:p>
+          <a:p>
+            <a:pPr marL="342900" marR="0" lvl="0" indent="-342900" algn="l" defTabSz="914400" rtl="0" eaLnBrk="1" fontAlgn="auto" latinLnBrk="0" hangingPunct="1">
+              <a:lnSpc>
+                <a:spcPct val="100000"/>
+              </a:lnSpc>
+              <a:spcBef>
+                <a:spcPct val="20000"/>
+              </a:spcBef>
+              <a:spcAft>
+                <a:spcPts val="600"/>
+              </a:spcAft>
+              <a:buClr>
+                <a:schemeClr val="tx2"/>
+              </a:buClr>
+              <a:buSzTx/>
+              <a:buFont typeface="Arial" pitchFamily="34" charset="0"/>
+              <a:buChar char="•"/>
+              <a:tabLst/>
+              <a:defRPr/>
+            </a:pPr>
+            <a:r>
+              <a:rPr kumimoji="0" lang="en-US" sz="2000" b="0" i="0" u="none" strike="noStrike" kern="1200" cap="none" spc="30" normalizeH="0" baseline="0" noProof="0" dirty="0" smtClean="0">
+                <a:ln>
+                  <a:noFill/>
+                </a:ln>
+                <a:solidFill>
+                  <a:schemeClr val="tx1"/>
+                </a:solidFill>
+                <a:effectLst/>
+                <a:uLnTx/>
+                <a:uFillTx/>
+                <a:latin typeface="+mn-lt"/>
+                <a:ea typeface="+mn-ea"/>
+                <a:cs typeface="+mn-cs"/>
+              </a:rPr>
+              <a:t>Don't Pass bets: 47.93%</a:t>
+            </a:r>
+          </a:p>
+          <a:p>
+            <a:pPr marL="342900" marR="0" lvl="0" indent="-342900" algn="l" defTabSz="914400" rtl="0" eaLnBrk="1" fontAlgn="auto" latinLnBrk="0" hangingPunct="1">
+              <a:lnSpc>
+                <a:spcPct val="100000"/>
+              </a:lnSpc>
+              <a:spcBef>
+                <a:spcPct val="20000"/>
+              </a:spcBef>
+              <a:spcAft>
+                <a:spcPts val="600"/>
+              </a:spcAft>
+              <a:buClr>
+                <a:schemeClr val="tx2"/>
+              </a:buClr>
+              <a:buSzTx/>
+              <a:buFont typeface="Arial" pitchFamily="34" charset="0"/>
+              <a:buChar char="•"/>
+              <a:tabLst/>
+              <a:defRPr/>
+            </a:pPr>
+            <a:r>
+              <a:rPr kumimoji="0" lang="en-US" sz="2000" b="0" i="0" u="none" strike="noStrike" kern="1200" cap="none" spc="30" normalizeH="0" baseline="0" noProof="0" dirty="0" smtClean="0">
+                <a:ln>
+                  <a:noFill/>
+                </a:ln>
+                <a:solidFill>
+                  <a:schemeClr val="tx1"/>
+                </a:solidFill>
+                <a:effectLst/>
+                <a:uLnTx/>
+                <a:uFillTx/>
+                <a:latin typeface="+mn-lt"/>
+                <a:ea typeface="+mn-ea"/>
+                <a:cs typeface="+mn-cs"/>
+              </a:rPr>
+              <a:t>Boxcars (both Pass and Don't Pass bets lose): 2.78%</a:t>
+            </a:r>
+          </a:p>
+        </p:txBody>
+      </p:sp>
+      <p:sp>
+        <p:nvSpPr>
+          <p:cNvPr id="9" name="Date Placeholder 8"/>
+          <p:cNvSpPr>
+            <a:spLocks noGrp="1"/>
+          </p:cNvSpPr>
+          <p:nvPr>
+            <p:ph type="dt" sz="half" idx="10"/>
+          </p:nvPr>
+        </p:nvSpPr>
+        <p:spPr/>
+        <p:txBody>
+          <a:bodyPr/>
+          <a:lstStyle/>
+          <a:p>
+            <a:fld id="{7C9810E8-4981-4BE5-9046-378D23F01787}" type="datetime1">
+              <a:rPr lang="en-US" smtClean="0"/>
+              <a:t>12/10/2014</a:t>
+            </a:fld>
+            <a:endParaRPr lang="en-US"/>
+          </a:p>
+        </p:txBody>
+      </p:sp>
+      <p:sp>
+        <p:nvSpPr>
+          <p:cNvPr id="10" name="Slide Number Placeholder 9"/>
+          <p:cNvSpPr>
+            <a:spLocks noGrp="1"/>
+          </p:cNvSpPr>
+          <p:nvPr>
+            <p:ph type="sldNum" sz="quarter" idx="12"/>
+          </p:nvPr>
+        </p:nvSpPr>
+        <p:spPr/>
+        <p:txBody>
+          <a:bodyPr/>
+          <a:lstStyle/>
+          <a:p>
+            <a:fld id="{61A8A087-BDC4-42FE-8768-63148BB52561}" type="slidenum">
+              <a:rPr lang="en-US" smtClean="0"/>
+              <a:pPr/>
+              <a:t>12</a:t>
+            </a:fld>
+            <a:endParaRPr lang="en-US"/>
+          </a:p>
+        </p:txBody>
+      </p:sp>
+      <p:sp>
+        <p:nvSpPr>
+          <p:cNvPr id="11" name="Footer Placeholder 10"/>
+          <p:cNvSpPr>
+            <a:spLocks noGrp="1"/>
+          </p:cNvSpPr>
+          <p:nvPr>
+            <p:ph type="ftr" sz="quarter" idx="11"/>
+          </p:nvPr>
+        </p:nvSpPr>
+        <p:spPr/>
+        <p:txBody>
+          <a:bodyPr/>
+          <a:lstStyle/>
+          <a:p>
+            <a:r>
+              <a:rPr lang="en-US" smtClean="0"/>
+              <a:t>IS609 MSDA CUNY</a:t>
+            </a:r>
+            <a:endParaRPr lang="en-US"/>
+          </a:p>
+        </p:txBody>
+      </p:sp>
+    </p:spTree>
+  </p:cSld>
+  <p:clrMapOvr>
+    <a:masterClrMapping/>
+  </p:clrMapOvr>
+  <p:timing>
+    <p:tnLst>
+      <p:par>
+        <p:cTn id="1" dur="indefinite" restart="never" nodeType="tmRoot"/>
+      </p:par>
+    </p:tnLst>
+  </p:timing>
+</p:sld>
+</file>
+
+<file path=ppt/slides/slide13.xml><?xml version="1.0" encoding="utf-8"?>
+<p:sld xmlns:a="http://schemas.openxmlformats.org/drawingml/2006/main" xmlns:r="http://schemas.openxmlformats.org/officeDocument/2006/relationships" xmlns:p="http://schemas.openxmlformats.org/presentationml/2006/main">
   <p:cSld>
     <p:spTree>
       <p:nvGrpSpPr>
@@ -5244,46 +5988,14 @@
           </a:p>
         </p:txBody>
       </p:sp>
-    </p:spTree>
-  </p:cSld>
-  <p:clrMapOvr>
-    <a:masterClrMapping/>
-  </p:clrMapOvr>
-  <p:timing>
-    <p:tnLst>
-      <p:par>
-        <p:cTn id="1" dur="indefinite" restart="never" nodeType="tmRoot"/>
-      </p:par>
-    </p:tnLst>
-  </p:timing>
-</p:sld>
-</file>
-
-<file path=ppt/slides/slide13.xml><?xml version="1.0" encoding="utf-8"?>
-<p:sld xmlns:a="http://schemas.openxmlformats.org/drawingml/2006/main" xmlns:r="http://schemas.openxmlformats.org/officeDocument/2006/relationships" xmlns:mc="http://schemas.openxmlformats.org/markup-compatibility/2006" xmlns:mv="urn:schemas-microsoft-com:mac:vml" xmlns:p="http://schemas.openxmlformats.org/presentationml/2006/main" mc:Ignorable="mv" mc:PreserveAttributes="mv:*">
-  <p:cSld>
-    <p:spTree>
-      <p:nvGrpSpPr>
-        <p:cNvPr id="1" name=""/>
-        <p:cNvGrpSpPr/>
-        <p:nvPr/>
-      </p:nvGrpSpPr>
-      <p:grpSpPr>
-        <a:xfrm>
-          <a:off x="0" y="0"/>
-          <a:ext cx="0" cy="0"/>
-          <a:chOff x="0" y="0"/>
-          <a:chExt cx="0" cy="0"/>
-        </a:xfrm>
-      </p:grpSpPr>
-      <p:sp>
-        <p:nvSpPr>
-          <p:cNvPr id="2" name="Title 1"/>
-          <p:cNvSpPr>
-            <a:spLocks noGrp="1"/>
-          </p:cNvSpPr>
-          <p:nvPr>
-            <p:ph type="title"/>
+      <p:sp>
+        <p:nvSpPr>
+          <p:cNvPr id="8" name="Date Placeholder 7"/>
+          <p:cNvSpPr>
+            <a:spLocks noGrp="1"/>
+          </p:cNvSpPr>
+          <p:nvPr>
+            <p:ph type="dt" sz="half" idx="10"/>
           </p:nvPr>
         </p:nvSpPr>
         <p:spPr/>
@@ -5291,37 +6003,61 @@
           <a:bodyPr/>
           <a:lstStyle/>
           <a:p>
-            <a:r>
-              <a:rPr lang="en-US" dirty="0" smtClean="0"/>
-              <a:t>Project 1: Q &amp; A</a:t>
-            </a:r>
-            <a:endParaRPr lang="en-US" dirty="0"/>
-          </a:p>
-        </p:txBody>
-      </p:sp>
-      <p:pic>
-        <p:nvPicPr>
-          <p:cNvPr id="8" name="Content Placeholder 7" descr="how many.png"/>
-          <p:cNvPicPr>
-            <a:picLocks noGrp="1" noChangeAspect="1"/>
-          </p:cNvPicPr>
-          <p:nvPr>
-            <p:ph sz="quarter" idx="13"/>
-          </p:nvPr>
-        </p:nvPicPr>
-        <p:blipFill>
-          <a:blip r:embed="rId2" cstate="print"/>
-          <a:stretch>
-            <a:fillRect/>
-          </a:stretch>
-        </p:blipFill>
-        <p:spPr>
-          <a:xfrm>
-            <a:off x="1714857" y="1416301"/>
-            <a:ext cx="5714286" cy="4025397"/>
-          </a:xfrm>
-        </p:spPr>
-      </p:pic>
+            <a:fld id="{C53893B9-CC70-4C1F-9E32-379110453057}" type="datetime1">
+              <a:rPr lang="en-US" smtClean="0"/>
+              <a:t>12/10/2014</a:t>
+            </a:fld>
+            <a:endParaRPr lang="en-US"/>
+          </a:p>
+        </p:txBody>
+      </p:sp>
+      <p:sp>
+        <p:nvSpPr>
+          <p:cNvPr id="9" name="Slide Number Placeholder 8"/>
+          <p:cNvSpPr>
+            <a:spLocks noGrp="1"/>
+          </p:cNvSpPr>
+          <p:nvPr>
+            <p:ph type="sldNum" sz="quarter" idx="12"/>
+          </p:nvPr>
+        </p:nvSpPr>
+        <p:spPr/>
+        <p:txBody>
+          <a:bodyPr/>
+          <a:lstStyle/>
+          <a:p>
+            <a:fld id="{61A8A087-BDC4-42FE-8768-63148BB52561}" type="slidenum">
+              <a:rPr lang="en-US" smtClean="0"/>
+              <a:pPr/>
+              <a:t>13</a:t>
+            </a:fld>
+            <a:endParaRPr lang="en-US"/>
+          </a:p>
+        </p:txBody>
+      </p:sp>
+      <p:sp>
+        <p:nvSpPr>
+          <p:cNvPr id="10" name="Footer Placeholder 9"/>
+          <p:cNvSpPr>
+            <a:spLocks noGrp="1"/>
+          </p:cNvSpPr>
+          <p:nvPr>
+            <p:ph type="ftr" sz="quarter" idx="11"/>
+          </p:nvPr>
+        </p:nvSpPr>
+        <p:spPr/>
+        <p:txBody>
+          <a:bodyPr/>
+          <a:lstStyle/>
+          <a:p>
+            <a:r>
+              <a:rPr lang="en-US" smtClean="0"/>
+              <a:t>IS609 MSDA CUNY</a:t>
+            </a:r>
+            <a:endParaRPr lang="en-US"/>
+          </a:p>
+        </p:txBody>
+      </p:sp>
     </p:spTree>
   </p:cSld>
   <p:clrMapOvr>
@@ -5338,7 +6074,7 @@
 </file>
 
 <file path=ppt/slides/slide14.xml><?xml version="1.0" encoding="utf-8"?>
-<p:sld xmlns:a="http://schemas.openxmlformats.org/drawingml/2006/main" xmlns:r="http://schemas.openxmlformats.org/officeDocument/2006/relationships" xmlns:mc="http://schemas.openxmlformats.org/markup-compatibility/2006" xmlns:mv="urn:schemas-microsoft-com:mac:vml" xmlns:p="http://schemas.openxmlformats.org/presentationml/2006/main" mc:Ignorable="mv" mc:PreserveAttributes="mv:*">
+<p:sld xmlns:a="http://schemas.openxmlformats.org/drawingml/2006/main" xmlns:r="http://schemas.openxmlformats.org/officeDocument/2006/relationships" xmlns:p="http://schemas.openxmlformats.org/presentationml/2006/main">
   <p:cSld>
     <p:spTree>
       <p:nvGrpSpPr>
@@ -5356,6 +6092,154 @@
       </p:grpSpPr>
       <p:sp>
         <p:nvSpPr>
+          <p:cNvPr id="2" name="Title 1"/>
+          <p:cNvSpPr>
+            <a:spLocks noGrp="1"/>
+          </p:cNvSpPr>
+          <p:nvPr>
+            <p:ph type="title"/>
+          </p:nvPr>
+        </p:nvSpPr>
+        <p:spPr/>
+        <p:txBody>
+          <a:bodyPr/>
+          <a:lstStyle/>
+          <a:p>
+            <a:r>
+              <a:rPr lang="en-US" dirty="0" smtClean="0"/>
+              <a:t>Project 1: Q &amp; A</a:t>
+            </a:r>
+            <a:endParaRPr lang="en-US" dirty="0"/>
+          </a:p>
+        </p:txBody>
+      </p:sp>
+      <p:pic>
+        <p:nvPicPr>
+          <p:cNvPr id="8" name="Content Placeholder 7" descr="how many.png"/>
+          <p:cNvPicPr>
+            <a:picLocks noGrp="1" noChangeAspect="1"/>
+          </p:cNvPicPr>
+          <p:nvPr>
+            <p:ph sz="quarter" idx="13"/>
+          </p:nvPr>
+        </p:nvPicPr>
+        <p:blipFill>
+          <a:blip r:embed="rId2" cstate="print"/>
+          <a:stretch>
+            <a:fillRect/>
+          </a:stretch>
+        </p:blipFill>
+        <p:spPr>
+          <a:xfrm>
+            <a:off x="1714857" y="1416301"/>
+            <a:ext cx="5714286" cy="4025397"/>
+          </a:xfrm>
+        </p:spPr>
+      </p:pic>
+      <p:sp>
+        <p:nvSpPr>
+          <p:cNvPr id="4" name="Date Placeholder 3"/>
+          <p:cNvSpPr>
+            <a:spLocks noGrp="1"/>
+          </p:cNvSpPr>
+          <p:nvPr>
+            <p:ph type="dt" sz="half" idx="10"/>
+          </p:nvPr>
+        </p:nvSpPr>
+        <p:spPr/>
+        <p:txBody>
+          <a:bodyPr/>
+          <a:lstStyle/>
+          <a:p>
+            <a:fld id="{6A5CA614-5C1B-4D0D-86BF-33167B79F22B}" type="datetime1">
+              <a:rPr lang="en-US" smtClean="0"/>
+              <a:t>12/10/2014</a:t>
+            </a:fld>
+            <a:endParaRPr lang="en-US"/>
+          </a:p>
+        </p:txBody>
+      </p:sp>
+      <p:sp>
+        <p:nvSpPr>
+          <p:cNvPr id="5" name="Slide Number Placeholder 4"/>
+          <p:cNvSpPr>
+            <a:spLocks noGrp="1"/>
+          </p:cNvSpPr>
+          <p:nvPr>
+            <p:ph type="sldNum" sz="quarter" idx="12"/>
+          </p:nvPr>
+        </p:nvSpPr>
+        <p:spPr/>
+        <p:txBody>
+          <a:bodyPr/>
+          <a:lstStyle/>
+          <a:p>
+            <a:fld id="{61A8A087-BDC4-42FE-8768-63148BB52561}" type="slidenum">
+              <a:rPr lang="en-US" smtClean="0"/>
+              <a:pPr/>
+              <a:t>14</a:t>
+            </a:fld>
+            <a:endParaRPr lang="en-US"/>
+          </a:p>
+        </p:txBody>
+      </p:sp>
+      <p:sp>
+        <p:nvSpPr>
+          <p:cNvPr id="6" name="Footer Placeholder 5"/>
+          <p:cNvSpPr>
+            <a:spLocks noGrp="1"/>
+          </p:cNvSpPr>
+          <p:nvPr>
+            <p:ph type="ftr" sz="quarter" idx="11"/>
+          </p:nvPr>
+        </p:nvSpPr>
+        <p:spPr/>
+        <p:txBody>
+          <a:bodyPr/>
+          <a:lstStyle/>
+          <a:p>
+            <a:r>
+              <a:rPr lang="en-US" smtClean="0"/>
+              <a:t>IS609 MSDA CUNY</a:t>
+            </a:r>
+            <a:endParaRPr lang="en-US"/>
+          </a:p>
+        </p:txBody>
+      </p:sp>
+    </p:spTree>
+  </p:cSld>
+  <p:clrMapOvr>
+    <a:masterClrMapping/>
+  </p:clrMapOvr>
+  <p:timing>
+    <p:tnLst>
+      <p:par>
+        <p:cTn id="1" dur="indefinite" restart="never" nodeType="tmRoot"/>
+      </p:par>
+    </p:tnLst>
+  </p:timing>
+</p:sld>
+</file>
+
+<file path=ppt/slides/slide15.xml><?xml version="1.0" encoding="utf-8"?>
+<p:sld xmlns:a="http://schemas.openxmlformats.org/drawingml/2006/main" xmlns:r="http://schemas.openxmlformats.org/officeDocument/2006/relationships" xmlns:p="http://schemas.openxmlformats.org/presentationml/2006/main">
+  <p:cSld>
+    <p:spTree>
+      <p:nvGrpSpPr>
+        <p:cNvPr id="1" name=""/>
+        <p:cNvGrpSpPr/>
+        <p:nvPr/>
+      </p:nvGrpSpPr>
+      <p:grpSpPr>
+        <a:xfrm>
+          <a:off x="0" y="0"/>
+          <a:ext cx="0" cy="0"/>
+          <a:chOff x="0" y="0"/>
+          <a:chExt cx="0" cy="0"/>
+        </a:xfrm>
+      </p:grpSpPr>
+      <p:sp>
+        <p:nvSpPr>
           <p:cNvPr id="3" name="Subtitle 2"/>
           <p:cNvSpPr>
             <a:spLocks noGrp="1"/>
@@ -5417,10 +6301,87 @@
           </a:p>
         </p:txBody>
       </p:sp>
+      <p:sp>
+        <p:nvSpPr>
+          <p:cNvPr id="4" name="Date Placeholder 3"/>
+          <p:cNvSpPr>
+            <a:spLocks noGrp="1"/>
+          </p:cNvSpPr>
+          <p:nvPr>
+            <p:ph type="dt" sz="half" idx="10"/>
+          </p:nvPr>
+        </p:nvSpPr>
+        <p:spPr>
+          <a:xfrm>
+            <a:off x="3810000" y="6324600"/>
+            <a:ext cx="1524000" cy="365125"/>
+          </a:xfrm>
+        </p:spPr>
+        <p:txBody>
+          <a:bodyPr/>
+          <a:lstStyle/>
+          <a:p>
+            <a:pPr algn="ctr"/>
+            <a:fld id="{3D0F5CCA-4B85-443B-8871-AA6EDA830251}" type="datetime1">
+              <a:rPr lang="en-US" smtClean="0"/>
+              <a:pPr algn="ctr"/>
+              <a:t>12/10/2014</a:t>
+            </a:fld>
+            <a:endParaRPr lang="en-US" dirty="0"/>
+          </a:p>
+        </p:txBody>
+      </p:sp>
+      <p:sp>
+        <p:nvSpPr>
+          <p:cNvPr id="5" name="Slide Number Placeholder 4"/>
+          <p:cNvSpPr>
+            <a:spLocks noGrp="1"/>
+          </p:cNvSpPr>
+          <p:nvPr>
+            <p:ph type="sldNum" sz="quarter" idx="12"/>
+          </p:nvPr>
+        </p:nvSpPr>
+        <p:spPr/>
+        <p:txBody>
+          <a:bodyPr/>
+          <a:lstStyle/>
+          <a:p>
+            <a:fld id="{61A8A087-BDC4-42FE-8768-63148BB52561}" type="slidenum">
+              <a:rPr lang="en-US" smtClean="0"/>
+              <a:pPr/>
+              <a:t>15</a:t>
+            </a:fld>
+            <a:endParaRPr lang="en-US"/>
+          </a:p>
+        </p:txBody>
+      </p:sp>
+      <p:sp>
+        <p:nvSpPr>
+          <p:cNvPr id="6" name="Footer Placeholder 5"/>
+          <p:cNvSpPr>
+            <a:spLocks noGrp="1"/>
+          </p:cNvSpPr>
+          <p:nvPr>
+            <p:ph type="ftr" sz="quarter" idx="11"/>
+          </p:nvPr>
+        </p:nvSpPr>
+        <p:spPr/>
+        <p:txBody>
+          <a:bodyPr/>
+          <a:lstStyle/>
+          <a:p>
+            <a:r>
+              <a:rPr lang="en-US" smtClean="0"/>
+              <a:t>IS609 MSDA CUNY</a:t>
+            </a:r>
+            <a:endParaRPr lang="en-US"/>
+          </a:p>
+        </p:txBody>
+      </p:sp>
     </p:spTree>
     <p:extLst>
       <p:ext uri="{BB962C8B-B14F-4D97-AF65-F5344CB8AC3E}">
-        <p14:creationId xmlns="" xmlns:p14="http://schemas.microsoft.com/office/powerpoint/2010/main" xmlns:p="http://schemas.openxmlformats.org/presentationml/2006/main" xmlns:r="http://schemas.openxmlformats.org/officeDocument/2006/relationships" xmlns:a="http://schemas.openxmlformats.org/drawingml/2006/main" val="3338547658"/>
+        <p14:creationId xmlns:p14="http://schemas.microsoft.com/office/powerpoint/2010/main" xmlns="" xmlns:mv="urn:schemas-microsoft-com:mac:vml" xmlns:mc="http://schemas.openxmlformats.org/markup-compatibility/2006" val="3338547658"/>
       </p:ext>
     </p:extLst>
   </p:cSld>
@@ -5437,8 +6398,8 @@
 </p:sld>
 </file>
 
-<file path=ppt/slides/slide15.xml><?xml version="1.0" encoding="utf-8"?>
-<p:sld xmlns:a="http://schemas.openxmlformats.org/drawingml/2006/main" xmlns:r="http://schemas.openxmlformats.org/officeDocument/2006/relationships" xmlns:mc="http://schemas.openxmlformats.org/markup-compatibility/2006" xmlns:mv="urn:schemas-microsoft-com:mac:vml" xmlns:p="http://schemas.openxmlformats.org/presentationml/2006/main" mc:Ignorable="mv" mc:PreserveAttributes="mv:*">
+<file path=ppt/slides/slide16.xml><?xml version="1.0" encoding="utf-8"?>
+<p:sld xmlns:a="http://schemas.openxmlformats.org/drawingml/2006/main" xmlns:r="http://schemas.openxmlformats.org/officeDocument/2006/relationships" xmlns:p="http://schemas.openxmlformats.org/presentationml/2006/main">
   <p:cSld>
     <p:spTree>
       <p:nvGrpSpPr>
@@ -5511,6 +6472,76 @@
           </a:p>
         </p:txBody>
       </p:sp>
+      <p:sp>
+        <p:nvSpPr>
+          <p:cNvPr id="4" name="Date Placeholder 3"/>
+          <p:cNvSpPr>
+            <a:spLocks noGrp="1"/>
+          </p:cNvSpPr>
+          <p:nvPr>
+            <p:ph type="dt" sz="half" idx="10"/>
+          </p:nvPr>
+        </p:nvSpPr>
+        <p:spPr/>
+        <p:txBody>
+          <a:bodyPr/>
+          <a:lstStyle/>
+          <a:p>
+            <a:fld id="{83426B8A-CB2B-4216-ABA4-FFF863F7F757}" type="datetime1">
+              <a:rPr lang="en-US" smtClean="0"/>
+              <a:t>12/10/2014</a:t>
+            </a:fld>
+            <a:endParaRPr lang="en-US"/>
+          </a:p>
+        </p:txBody>
+      </p:sp>
+      <p:sp>
+        <p:nvSpPr>
+          <p:cNvPr id="5" name="Slide Number Placeholder 4"/>
+          <p:cNvSpPr>
+            <a:spLocks noGrp="1"/>
+          </p:cNvSpPr>
+          <p:nvPr>
+            <p:ph type="sldNum" sz="quarter" idx="12"/>
+          </p:nvPr>
+        </p:nvSpPr>
+        <p:spPr/>
+        <p:txBody>
+          <a:bodyPr/>
+          <a:lstStyle/>
+          <a:p>
+            <a:fld id="{61A8A087-BDC4-42FE-8768-63148BB52561}" type="slidenum">
+              <a:rPr lang="en-US" smtClean="0"/>
+              <a:pPr/>
+              <a:t>16</a:t>
+            </a:fld>
+            <a:endParaRPr lang="en-US"/>
+          </a:p>
+        </p:txBody>
+      </p:sp>
+      <p:sp>
+        <p:nvSpPr>
+          <p:cNvPr id="6" name="Footer Placeholder 5"/>
+          <p:cNvSpPr>
+            <a:spLocks noGrp="1"/>
+          </p:cNvSpPr>
+          <p:nvPr>
+            <p:ph type="ftr" sz="quarter" idx="11"/>
+          </p:nvPr>
+        </p:nvSpPr>
+        <p:spPr/>
+        <p:txBody>
+          <a:bodyPr/>
+          <a:lstStyle/>
+          <a:p>
+            <a:r>
+              <a:rPr lang="en-US" smtClean="0"/>
+              <a:t>IS609 MSDA CUNY</a:t>
+            </a:r>
+            <a:endParaRPr lang="en-US"/>
+          </a:p>
+        </p:txBody>
+      </p:sp>
     </p:spTree>
   </p:cSld>
   <p:clrMapOvr>
@@ -5526,8 +6557,8 @@
 </p:sld>
 </file>
 
-<file path=ppt/slides/slide16.xml><?xml version="1.0" encoding="utf-8"?>
-<p:sld xmlns:a="http://schemas.openxmlformats.org/drawingml/2006/main" xmlns:r="http://schemas.openxmlformats.org/officeDocument/2006/relationships" xmlns:mc="http://schemas.openxmlformats.org/markup-compatibility/2006" xmlns:mv="urn:schemas-microsoft-com:mac:vml" xmlns:p="http://schemas.openxmlformats.org/presentationml/2006/main" mc:Ignorable="mv" mc:PreserveAttributes="mv:*">
+<file path=ppt/slides/slide17.xml><?xml version="1.0" encoding="utf-8"?>
+<p:sld xmlns:a="http://schemas.openxmlformats.org/drawingml/2006/main" xmlns:r="http://schemas.openxmlformats.org/officeDocument/2006/relationships" xmlns:p="http://schemas.openxmlformats.org/presentationml/2006/main">
   <p:cSld>
     <p:spTree>
       <p:nvGrpSpPr>
@@ -5623,25 +6654,7 @@
                 </a:solidFill>
                 <a:latin typeface="Arial Narrow"/>
               </a:rPr>
-              <a:t> </a:t>
-            </a:r>
-            <a:r>
-              <a:rPr lang="en-US" sz="1700" dirty="0" smtClean="0">
-                <a:solidFill>
-                  <a:srgbClr val="FFFFFF"/>
-                </a:solidFill>
-                <a:latin typeface="Arial Narrow"/>
-              </a:rPr>
-              <a:t>(</a:t>
-            </a:r>
-            <a:r>
-              <a:rPr lang="en-US" sz="1700" dirty="0" smtClean="0">
-                <a:solidFill>
-                  <a:srgbClr val="FFFFFF"/>
-                </a:solidFill>
-                <a:latin typeface="Arial Narrow"/>
-              </a:rPr>
-              <a:t>2014):</a:t>
+              <a:t> (2014):</a:t>
             </a:r>
             <a:endParaRPr dirty="0" smtClean="0"/>
           </a:p>
@@ -5908,486 +6921,80 @@
           </a:ln>
         </p:spPr>
       </p:sp>
-    </p:spTree>
-  </p:cSld>
-  <p:clrMapOvr>
-    <a:masterClrMapping/>
-  </p:clrMapOvr>
-  <p:timing>
-    <p:tnLst>
-      <p:par>
-        <p:cTn id="1" dur="indefinite" restart="never" nodeType="tmRoot">
-          <p:childTnLst>
-            <p:seq>
-              <p:cTn id="2" nodeType="mainSeq"/>
-              <p:prevCondLst>
-                <p:cond evt="onPrev" delay="0">
-                  <p:tgtEl>
-                    <p:sldTgt/>
-                  </p:tgtEl>
-                </p:cond>
-              </p:prevCondLst>
-              <p:nextCondLst>
-                <p:cond evt="onNext" delay="0">
-                  <p:tgtEl>
-                    <p:sldTgt/>
-                  </p:tgtEl>
-                </p:cond>
-              </p:nextCondLst>
-            </p:seq>
-          </p:childTnLst>
-        </p:cTn>
-      </p:par>
-    </p:tnLst>
-  </p:timing>
-</p:sld>
-</file>
-
-<file path=ppt/slides/slide17.xml><?xml version="1.0" encoding="utf-8"?>
-<p:sld xmlns:a="http://schemas.openxmlformats.org/drawingml/2006/main" xmlns:r="http://schemas.openxmlformats.org/officeDocument/2006/relationships" xmlns:mc="http://schemas.openxmlformats.org/markup-compatibility/2006" xmlns:mv="urn:schemas-microsoft-com:mac:vml" xmlns:p="http://schemas.openxmlformats.org/presentationml/2006/main" mc:Ignorable="mv" mc:PreserveAttributes="mv:*">
-  <p:cSld>
-    <p:spTree>
-      <p:nvGrpSpPr>
-        <p:cNvPr id="1" name=""/>
-        <p:cNvGrpSpPr/>
-        <p:nvPr/>
-      </p:nvGrpSpPr>
-      <p:grpSpPr>
-        <a:xfrm>
-          <a:off x="0" y="0"/>
-          <a:ext cx="0" cy="0"/>
-          <a:chOff x="0" y="0"/>
-          <a:chExt cx="0" cy="0"/>
-        </a:xfrm>
-      </p:grpSpPr>
-      <p:sp>
-        <p:nvSpPr>
-          <p:cNvPr id="192" name="TextShape 1"/>
-          <p:cNvSpPr txBox="1"/>
-          <p:nvPr/>
+      <p:sp>
+        <p:nvSpPr>
+          <p:cNvPr id="6" name="Date Placeholder 5"/>
+          <p:cNvSpPr>
+            <a:spLocks noGrp="1"/>
+          </p:cNvSpPr>
+          <p:nvPr>
+            <p:ph type="dt" sz="half" idx="10"/>
+          </p:nvPr>
         </p:nvSpPr>
         <p:spPr>
           <a:xfrm>
-            <a:off x="609480" y="274680"/>
-            <a:ext cx="7924320" cy="715680"/>
+            <a:off x="3810000" y="6324600"/>
+            <a:ext cx="1524000" cy="365125"/>
           </a:xfrm>
-          <a:prstGeom prst="rect">
-            <a:avLst/>
-          </a:prstGeom>
         </p:spPr>
         <p:txBody>
-          <a:bodyPr anchor="b"/>
-          <a:lstStyle/>
-          <a:p>
-            <a:pPr>
-              <a:lnSpc>
-                <a:spcPct val="100000"/>
-              </a:lnSpc>
-            </a:pPr>
-            <a:r>
-              <a:rPr lang="en-US" sz="3000" dirty="0" smtClean="0">
-                <a:solidFill>
-                  <a:srgbClr val="FFFFFF"/>
-                </a:solidFill>
-                <a:latin typeface="Arial Narrow"/>
-              </a:rPr>
-              <a:t>Social Security For Retirement</a:t>
-            </a:r>
-            <a:endParaRPr dirty="0"/>
-          </a:p>
-        </p:txBody>
-      </p:sp>
-      <p:sp>
-        <p:nvSpPr>
-          <p:cNvPr id="193" name="TextShape 2"/>
-          <p:cNvSpPr txBox="1"/>
-          <p:nvPr/>
-        </p:nvSpPr>
-        <p:spPr>
-          <a:xfrm>
-            <a:off x="609480" y="1143000"/>
-            <a:ext cx="7924320" cy="4571640"/>
-          </a:xfrm>
-          <a:prstGeom prst="rect">
-            <a:avLst/>
-          </a:prstGeom>
-        </p:spPr>
-        <p:txBody>
           <a:bodyPr/>
           <a:lstStyle/>
           <a:p>
-            <a:pPr>
-              <a:lnSpc>
-                <a:spcPct val="100000"/>
-              </a:lnSpc>
-              <a:spcAft>
-                <a:spcPts val="600"/>
-              </a:spcAft>
-            </a:pPr>
-            <a:r>
-              <a:rPr lang="en-US" sz="1700" dirty="0">
-                <a:solidFill>
-                  <a:srgbClr val="FFFFFF"/>
-                </a:solidFill>
-                <a:latin typeface="Arial Narrow"/>
-              </a:rPr>
-              <a:t>OASI (Old-Age and Survivors Insurance) Trust Fund: </a:t>
-            </a:r>
-            <a:endParaRPr dirty="0" smtClean="0"/>
-          </a:p>
-          <a:p>
-            <a:pPr>
-              <a:lnSpc>
-                <a:spcPct val="100000"/>
-              </a:lnSpc>
-              <a:spcAft>
-                <a:spcPts val="600"/>
-              </a:spcAft>
-              <a:buClr>
-                <a:schemeClr val="tx2"/>
-              </a:buClr>
-              <a:buFont typeface="Arial"/>
-              <a:buChar char="•"/>
-            </a:pPr>
-            <a:r>
-              <a:rPr lang="en-US" sz="1700" dirty="0" smtClean="0">
-                <a:solidFill>
-                  <a:srgbClr val="FFFFFF"/>
-                </a:solidFill>
-                <a:latin typeface="Arial Narrow"/>
-              </a:rPr>
-              <a:t> The </a:t>
-            </a:r>
-            <a:r>
-              <a:rPr lang="en-US" sz="1700" dirty="0">
-                <a:solidFill>
-                  <a:srgbClr val="FFFFFF"/>
-                </a:solidFill>
-                <a:latin typeface="Arial Narrow"/>
-              </a:rPr>
-              <a:t>trust fund is supplied by Social Security Taxes that are involuntarily levied.</a:t>
-            </a:r>
-            <a:endParaRPr dirty="0"/>
-          </a:p>
-          <a:p>
-            <a:pPr>
-              <a:lnSpc>
-                <a:spcPct val="100000"/>
-              </a:lnSpc>
-              <a:spcAft>
-                <a:spcPts val="600"/>
-              </a:spcAft>
-              <a:buFont typeface="Arial"/>
-              <a:buChar char="•"/>
-            </a:pPr>
-            <a:endParaRPr dirty="0"/>
-          </a:p>
-          <a:p>
-            <a:pPr>
-              <a:lnSpc>
-                <a:spcPct val="100000"/>
-              </a:lnSpc>
-              <a:spcAft>
-                <a:spcPts val="600"/>
-              </a:spcAft>
-            </a:pPr>
-            <a:r>
-              <a:rPr lang="en-US" sz="1700" dirty="0">
-                <a:solidFill>
-                  <a:srgbClr val="FFFFFF"/>
-                </a:solidFill>
-                <a:latin typeface="Arial Narrow"/>
-              </a:rPr>
-              <a:t>SSA Contributions: </a:t>
-            </a:r>
-            <a:endParaRPr dirty="0" smtClean="0"/>
-          </a:p>
-          <a:p>
-            <a:pPr>
-              <a:lnSpc>
-                <a:spcPct val="100000"/>
-              </a:lnSpc>
-              <a:spcAft>
-                <a:spcPts val="600"/>
-              </a:spcAft>
-              <a:buClr>
-                <a:schemeClr val="tx2"/>
-              </a:buClr>
-              <a:buFont typeface="Arial"/>
-              <a:buChar char="•"/>
-            </a:pPr>
-            <a:r>
-              <a:rPr lang="en-US" sz="1700" dirty="0" smtClean="0">
-                <a:solidFill>
-                  <a:srgbClr val="FFFFFF"/>
-                </a:solidFill>
-                <a:latin typeface="Arial Narrow"/>
-              </a:rPr>
-              <a:t> SSA </a:t>
-            </a:r>
-            <a:r>
-              <a:rPr lang="en-US" sz="1700" dirty="0">
-                <a:solidFill>
-                  <a:srgbClr val="FFFFFF"/>
-                </a:solidFill>
-                <a:latin typeface="Arial Narrow"/>
-              </a:rPr>
-              <a:t>tax rate has been around 5% for the employed and 10% for the self-employed.</a:t>
-            </a:r>
-            <a:endParaRPr dirty="0" smtClean="0"/>
-          </a:p>
-          <a:p>
-            <a:pPr>
-              <a:lnSpc>
-                <a:spcPct val="100000"/>
-              </a:lnSpc>
-              <a:spcAft>
-                <a:spcPts val="600"/>
-              </a:spcAft>
-              <a:buClr>
-                <a:schemeClr val="tx2"/>
-              </a:buClr>
-              <a:buFont typeface="Arial"/>
-              <a:buChar char="•"/>
-            </a:pPr>
-            <a:r>
-              <a:rPr lang="en-US" sz="1700" dirty="0" smtClean="0">
-                <a:solidFill>
-                  <a:srgbClr val="FFFFFF"/>
-                </a:solidFill>
-                <a:latin typeface="Arial Narrow"/>
-              </a:rPr>
-              <a:t> There </a:t>
-            </a:r>
-            <a:r>
-              <a:rPr lang="en-US" sz="1700" dirty="0">
-                <a:solidFill>
-                  <a:srgbClr val="FFFFFF"/>
-                </a:solidFill>
-                <a:latin typeface="Arial Narrow"/>
-              </a:rPr>
-              <a:t>is also a maximum taxable earnings, currently at $113,700 for 2013. </a:t>
-            </a:r>
-            <a:endParaRPr dirty="0"/>
-          </a:p>
-          <a:p>
-            <a:pPr>
-              <a:lnSpc>
-                <a:spcPct val="100000"/>
-              </a:lnSpc>
-              <a:spcAft>
-                <a:spcPts val="600"/>
-              </a:spcAft>
-              <a:buFont typeface="Arial"/>
-              <a:buChar char="•"/>
-            </a:pPr>
-            <a:endParaRPr dirty="0"/>
-          </a:p>
-          <a:p>
-            <a:pPr>
-              <a:lnSpc>
-                <a:spcPct val="100000"/>
-              </a:lnSpc>
-              <a:spcAft>
-                <a:spcPts val="600"/>
-              </a:spcAft>
-            </a:pPr>
-            <a:r>
-              <a:rPr lang="en-US" sz="1700" dirty="0">
-                <a:solidFill>
-                  <a:srgbClr val="FFFFFF"/>
-                </a:solidFill>
-                <a:latin typeface="Arial Narrow"/>
-              </a:rPr>
-              <a:t>SSA Benefits: </a:t>
-            </a:r>
-            <a:endParaRPr dirty="0" smtClean="0"/>
-          </a:p>
-          <a:p>
-            <a:pPr>
-              <a:lnSpc>
-                <a:spcPct val="100000"/>
-              </a:lnSpc>
-              <a:spcAft>
-                <a:spcPts val="600"/>
-              </a:spcAft>
-              <a:buClr>
-                <a:schemeClr val="tx2"/>
-              </a:buClr>
-              <a:buFont typeface="Arial"/>
-              <a:buChar char="•"/>
-            </a:pPr>
-            <a:r>
-              <a:rPr lang="en-US" sz="1700" dirty="0" smtClean="0">
-                <a:solidFill>
-                  <a:srgbClr val="FFFFFF"/>
-                </a:solidFill>
-                <a:latin typeface="Arial Narrow"/>
-              </a:rPr>
-              <a:t> Benefits </a:t>
-            </a:r>
-            <a:r>
-              <a:rPr lang="en-US" sz="1700" dirty="0">
-                <a:solidFill>
-                  <a:srgbClr val="FFFFFF"/>
-                </a:solidFill>
-                <a:latin typeface="Arial Narrow"/>
-              </a:rPr>
-              <a:t>payouts can start at age 62, but delayed retirement (up to age 70) can increase payout.</a:t>
-            </a:r>
-            <a:endParaRPr dirty="0" smtClean="0"/>
-          </a:p>
-          <a:p>
-            <a:pPr>
-              <a:lnSpc>
-                <a:spcPct val="100000"/>
-              </a:lnSpc>
-              <a:spcAft>
-                <a:spcPts val="600"/>
-              </a:spcAft>
-              <a:buClr>
-                <a:schemeClr val="tx2"/>
-              </a:buClr>
-              <a:buFont typeface="Arial"/>
-              <a:buChar char="•"/>
-            </a:pPr>
-            <a:r>
-              <a:rPr lang="en-US" sz="1700" dirty="0" smtClean="0">
-                <a:solidFill>
-                  <a:srgbClr val="FFFFFF"/>
-                </a:solidFill>
-                <a:latin typeface="Arial Narrow"/>
-              </a:rPr>
-              <a:t> Benefit </a:t>
-            </a:r>
-            <a:r>
-              <a:rPr lang="en-US" sz="1700" dirty="0">
-                <a:solidFill>
-                  <a:srgbClr val="FFFFFF"/>
-                </a:solidFill>
-                <a:latin typeface="Arial Narrow"/>
-              </a:rPr>
-              <a:t>calculation is inflation adjusted with the past highest 35 years in earnings.</a:t>
-            </a:r>
-            <a:endParaRPr dirty="0" smtClean="0"/>
-          </a:p>
-          <a:p>
-            <a:pPr>
-              <a:lnSpc>
-                <a:spcPct val="100000"/>
-              </a:lnSpc>
-              <a:spcAft>
-                <a:spcPts val="600"/>
-              </a:spcAft>
-              <a:buClr>
-                <a:schemeClr val="tx2"/>
-              </a:buClr>
-              <a:buFont typeface="Arial"/>
-              <a:buChar char="•"/>
-            </a:pPr>
-            <a:r>
-              <a:rPr lang="en-US" sz="1700" dirty="0" smtClean="0">
-                <a:solidFill>
-                  <a:srgbClr val="FFFFFF"/>
-                </a:solidFill>
-                <a:latin typeface="Arial Narrow"/>
-              </a:rPr>
-              <a:t> Benefit </a:t>
-            </a:r>
-            <a:r>
-              <a:rPr lang="en-US" sz="1700" dirty="0">
-                <a:solidFill>
-                  <a:srgbClr val="FFFFFF"/>
-                </a:solidFill>
-                <a:latin typeface="Arial Narrow"/>
-              </a:rPr>
-              <a:t>payouts are inflation adjusted and can also be claimed by spouse upon death.</a:t>
-            </a:r>
-            <a:endParaRPr dirty="0"/>
-          </a:p>
-          <a:p>
-            <a:pPr>
-              <a:lnSpc>
-                <a:spcPct val="100000"/>
-              </a:lnSpc>
-            </a:pPr>
-            <a:endParaRPr dirty="0" smtClean="0"/>
-          </a:p>
-          <a:p>
-            <a:pPr>
-              <a:lnSpc>
-                <a:spcPct val="100000"/>
-              </a:lnSpc>
-            </a:pPr>
-            <a:r>
-              <a:rPr lang="en-US" sz="1700" dirty="0" smtClean="0">
-                <a:solidFill>
-                  <a:srgbClr val="FFFFFF"/>
-                </a:solidFill>
-                <a:latin typeface="Arial Narrow"/>
-              </a:rPr>
-              <a:t>Social </a:t>
-            </a:r>
-            <a:r>
-              <a:rPr lang="en-US" sz="1700" dirty="0">
-                <a:solidFill>
-                  <a:srgbClr val="FFFFFF"/>
-                </a:solidFill>
-                <a:latin typeface="Arial Narrow"/>
-              </a:rPr>
-              <a:t>Security is only meant to be supplemental income during retirement, but many do make use of it as their sole source of income.</a:t>
-            </a:r>
-            <a:endParaRPr dirty="0"/>
-          </a:p>
-          <a:p>
-            <a:pPr>
-              <a:lnSpc>
-                <a:spcPct val="100000"/>
-              </a:lnSpc>
-            </a:pPr>
-            <a:endParaRPr dirty="0"/>
-          </a:p>
-        </p:txBody>
-      </p:sp>
-      <p:sp>
-        <p:nvSpPr>
-          <p:cNvPr id="194" name="CustomShape 3"/>
-          <p:cNvSpPr/>
-          <p:nvPr/>
-        </p:nvSpPr>
-        <p:spPr>
-          <a:xfrm>
-            <a:off x="0" y="0"/>
-            <a:ext cx="9143640" cy="360"/>
-          </a:xfrm>
-          <a:prstGeom prst="rect">
-            <a:avLst/>
-          </a:prstGeom>
-          <a:noFill/>
-          <a:ln w="9360">
-            <a:noFill/>
-          </a:ln>
-        </p:spPr>
-      </p:sp>
-      <p:sp>
-        <p:nvSpPr>
-          <p:cNvPr id="195" name="CustomShape 4"/>
-          <p:cNvSpPr/>
-          <p:nvPr/>
-        </p:nvSpPr>
-        <p:spPr>
-          <a:xfrm>
-            <a:off x="0" y="0"/>
-            <a:ext cx="9143640" cy="360"/>
-          </a:xfrm>
-          <a:prstGeom prst="rect">
-            <a:avLst/>
-          </a:prstGeom>
-          <a:noFill/>
-          <a:ln w="9360">
-            <a:noFill/>
-          </a:ln>
-        </p:spPr>
+            <a:fld id="{1A5ABA0D-8017-4891-8F11-609940F66C14}" type="datetime1">
+              <a:rPr lang="en-US" smtClean="0"/>
+              <a:t>12/10/2014</a:t>
+            </a:fld>
+            <a:endParaRPr lang="en-US"/>
+          </a:p>
+        </p:txBody>
+      </p:sp>
+      <p:sp>
+        <p:nvSpPr>
+          <p:cNvPr id="7" name="Slide Number Placeholder 6"/>
+          <p:cNvSpPr>
+            <a:spLocks noGrp="1"/>
+          </p:cNvSpPr>
+          <p:nvPr>
+            <p:ph type="sldNum" sz="quarter" idx="12"/>
+          </p:nvPr>
+        </p:nvSpPr>
+        <p:spPr/>
+        <p:txBody>
+          <a:bodyPr/>
+          <a:lstStyle/>
+          <a:p>
+            <a:fld id="{61A8A087-BDC4-42FE-8768-63148BB52561}" type="slidenum">
+              <a:rPr lang="en-US" smtClean="0"/>
+              <a:pPr/>
+              <a:t>17</a:t>
+            </a:fld>
+            <a:endParaRPr lang="en-US"/>
+          </a:p>
+        </p:txBody>
+      </p:sp>
+      <p:sp>
+        <p:nvSpPr>
+          <p:cNvPr id="8" name="Footer Placeholder 7"/>
+          <p:cNvSpPr>
+            <a:spLocks noGrp="1"/>
+          </p:cNvSpPr>
+          <p:nvPr>
+            <p:ph type="ftr" sz="quarter" idx="11"/>
+          </p:nvPr>
+        </p:nvSpPr>
+        <p:spPr/>
+        <p:txBody>
+          <a:bodyPr/>
+          <a:lstStyle/>
+          <a:p>
+            <a:r>
+              <a:rPr lang="en-US" smtClean="0"/>
+              <a:t>IS609 MSDA CUNY</a:t>
+            </a:r>
+            <a:endParaRPr lang="en-US"/>
+          </a:p>
+        </p:txBody>
       </p:sp>
     </p:spTree>
   </p:cSld>
@@ -6425,7 +7032,7 @@
 </file>
 
 <file path=ppt/slides/slide18.xml><?xml version="1.0" encoding="utf-8"?>
-<p:sld xmlns:a="http://schemas.openxmlformats.org/drawingml/2006/main" xmlns:r="http://schemas.openxmlformats.org/officeDocument/2006/relationships" xmlns:mc="http://schemas.openxmlformats.org/markup-compatibility/2006" xmlns:mv="urn:schemas-microsoft-com:mac:vml" xmlns:p="http://schemas.openxmlformats.org/presentationml/2006/main" mc:Ignorable="mv" mc:PreserveAttributes="mv:*">
+<p:sld xmlns:a="http://schemas.openxmlformats.org/drawingml/2006/main" xmlns:r="http://schemas.openxmlformats.org/officeDocument/2006/relationships" xmlns:p="http://schemas.openxmlformats.org/presentationml/2006/main">
   <p:cSld>
     <p:spTree>
       <p:nvGrpSpPr>
@@ -6443,7 +7050,7 @@
       </p:grpSpPr>
       <p:sp>
         <p:nvSpPr>
-          <p:cNvPr id="196" name="TextShape 1"/>
+          <p:cNvPr id="192" name="TextShape 1"/>
           <p:cNvSpPr txBox="1"/>
           <p:nvPr/>
         </p:nvSpPr>
@@ -6466,21 +7073,21 @@
               </a:lnSpc>
             </a:pPr>
             <a:r>
-              <a:rPr lang="en-US" sz="3000">
+              <a:rPr lang="en-US" sz="3000" dirty="0" smtClean="0">
                 <a:solidFill>
                   <a:srgbClr val="FFFFFF"/>
                 </a:solidFill>
                 <a:latin typeface="Arial Narrow"/>
               </a:rPr>
-              <a:t>401k For Retirement</a:t>
-            </a:r>
-            <a:endParaRPr/>
-          </a:p>
-        </p:txBody>
-      </p:sp>
-      <p:sp>
-        <p:nvSpPr>
-          <p:cNvPr id="197" name="TextShape 2"/>
+              <a:t>Social Security For Retirement</a:t>
+            </a:r>
+            <a:endParaRPr dirty="0"/>
+          </a:p>
+        </p:txBody>
+      </p:sp>
+      <p:sp>
+        <p:nvSpPr>
+          <p:cNvPr id="193" name="TextShape 2"/>
           <p:cNvSpPr txBox="1"/>
           <p:nvPr/>
         </p:nvSpPr>
@@ -6512,7 +7119,7 @@
                 </a:solidFill>
                 <a:latin typeface="Arial Narrow"/>
               </a:rPr>
-              <a:t>401(k) Defined-Contribution Pension: </a:t>
+              <a:t>OASI (Old-Age and Survivors Insurance) Trust Fund: </a:t>
             </a:r>
             <a:endParaRPr dirty="0" smtClean="0"/>
           </a:p>
@@ -6537,7 +7144,7 @@
                 </a:solidFill>
                 <a:latin typeface="Arial Narrow"/>
               </a:rPr>
-              <a:t> First </a:t>
+              <a:t> The </a:t>
             </a:r>
             <a:r>
               <a:rPr lang="en-US" sz="1700" dirty="0">
@@ -6546,7 +7153,7 @@
                 </a:solidFill>
                 <a:latin typeface="Arial Narrow"/>
               </a:rPr>
-              <a:t>established in 1978, it allows taxpayers to defer taxes on income for retirement.</a:t>
+              <a:t>trust fund is supplied by Social Security Taxes that are involuntarily levied.</a:t>
             </a:r>
             <a:endParaRPr dirty="0"/>
           </a:p>
@@ -6579,7 +7186,7 @@
                 </a:solidFill>
                 <a:latin typeface="Arial Narrow"/>
               </a:rPr>
-              <a:t>401(k) Contribution: </a:t>
+              <a:t>SSA Contributions: </a:t>
             </a:r>
             <a:endParaRPr dirty="0" smtClean="0"/>
           </a:p>
@@ -6604,7 +7211,7 @@
                 </a:solidFill>
                 <a:latin typeface="Arial Narrow"/>
               </a:rPr>
-              <a:t> The </a:t>
+              <a:t> SSA </a:t>
             </a:r>
             <a:r>
               <a:rPr lang="en-US" sz="1700" dirty="0">
@@ -6613,7 +7220,7 @@
                 </a:solidFill>
                 <a:latin typeface="Arial Narrow"/>
               </a:rPr>
-              <a:t>maximum amount that can be contributed is currently $17,500.</a:t>
+              <a:t>tax rate has been around 5% for the employed and 10% for the self-employed.</a:t>
             </a:r>
             <a:endParaRPr dirty="0" smtClean="0"/>
           </a:p>
@@ -6638,7 +7245,7 @@
                 </a:solidFill>
                 <a:latin typeface="Arial Narrow"/>
               </a:rPr>
-              <a:t> 401K </a:t>
+              <a:t> There </a:t>
             </a:r>
             <a:r>
               <a:rPr lang="en-US" sz="1700" dirty="0">
@@ -6647,7 +7254,7 @@
                 </a:solidFill>
                 <a:latin typeface="Arial Narrow"/>
               </a:rPr>
-              <a:t>Contribution is voluntarily made with a possible company match.</a:t>
+              <a:t>is also a maximum taxable earnings, currently at $113,700 for 2013. </a:t>
             </a:r>
             <a:endParaRPr dirty="0"/>
           </a:p>
@@ -6680,7 +7287,7 @@
                 </a:solidFill>
                 <a:latin typeface="Arial Narrow"/>
               </a:rPr>
-              <a:t>401(k) Withdrawals: </a:t>
+              <a:t>SSA Benefits: </a:t>
             </a:r>
             <a:endParaRPr dirty="0" smtClean="0"/>
           </a:p>
@@ -6705,7 +7312,7 @@
                 </a:solidFill>
                 <a:latin typeface="Arial Narrow"/>
               </a:rPr>
-              <a:t> Withdrawal </a:t>
+              <a:t> Benefits </a:t>
             </a:r>
             <a:r>
               <a:rPr lang="en-US" sz="1700" dirty="0">
@@ -6714,7 +7321,7 @@
                 </a:solidFill>
                 <a:latin typeface="Arial Narrow"/>
               </a:rPr>
-              <a:t>without penalty starts at 59.5 years of age.</a:t>
+              <a:t>payouts can start at age 62, but delayed retirement (up to age 70) can increase payout.</a:t>
             </a:r>
             <a:endParaRPr dirty="0" smtClean="0"/>
           </a:p>
@@ -6739,7 +7346,7 @@
                 </a:solidFill>
                 <a:latin typeface="Arial Narrow"/>
               </a:rPr>
-              <a:t> There </a:t>
+              <a:t> Benefit </a:t>
             </a:r>
             <a:r>
               <a:rPr lang="en-US" sz="1700" dirty="0">
@@ -6748,9 +7355,9 @@
                 </a:solidFill>
                 <a:latin typeface="Arial Narrow"/>
               </a:rPr>
-              <a:t>is a required minimum distribution (RMD) starting at 70.5 years or start retirement.</a:t>
-            </a:r>
-            <a:endParaRPr dirty="0"/>
+              <a:t>calculation is inflation adjusted with the past highest 35 years in earnings.</a:t>
+            </a:r>
+            <a:endParaRPr dirty="0" smtClean="0"/>
           </a:p>
           <a:p>
             <a:pPr>
@@ -6760,19 +7367,11 @@
               <a:spcAft>
                 <a:spcPts val="600"/>
               </a:spcAft>
+              <a:buClr>
+                <a:schemeClr val="tx2"/>
+              </a:buClr>
               <a:buFont typeface="Arial"/>
               <a:buChar char="•"/>
-            </a:pPr>
-            <a:endParaRPr dirty="0" smtClean="0"/>
-          </a:p>
-          <a:p>
-            <a:pPr>
-              <a:lnSpc>
-                <a:spcPct val="100000"/>
-              </a:lnSpc>
-              <a:spcAft>
-                <a:spcPts val="600"/>
-              </a:spcAft>
             </a:pPr>
             <a:r>
               <a:rPr lang="en-US" sz="1700" dirty="0" smtClean="0">
@@ -6781,7 +7380,7 @@
                 </a:solidFill>
                 <a:latin typeface="Arial Narrow"/>
               </a:rPr>
-              <a:t>Since </a:t>
+              <a:t> Benefit </a:t>
             </a:r>
             <a:r>
               <a:rPr lang="en-US" sz="1700" dirty="0">
@@ -6790,7 +7389,41 @@
                 </a:solidFill>
                 <a:latin typeface="Arial Narrow"/>
               </a:rPr>
-              <a:t>contributions to 401K compound over time, it is best to for a participant to start saving early and maximize contribution into the plan whenever possible. </a:t>
+              <a:t>payouts are inflation adjusted and can also be claimed by spouse upon death.</a:t>
+            </a:r>
+            <a:endParaRPr dirty="0"/>
+          </a:p>
+          <a:p>
+            <a:pPr>
+              <a:lnSpc>
+                <a:spcPct val="100000"/>
+              </a:lnSpc>
+            </a:pPr>
+            <a:endParaRPr dirty="0" smtClean="0"/>
+          </a:p>
+          <a:p>
+            <a:pPr>
+              <a:lnSpc>
+                <a:spcPct val="100000"/>
+              </a:lnSpc>
+            </a:pPr>
+            <a:r>
+              <a:rPr lang="en-US" sz="1700" dirty="0" smtClean="0">
+                <a:solidFill>
+                  <a:srgbClr val="FFFFFF"/>
+                </a:solidFill>
+                <a:latin typeface="Arial Narrow"/>
+              </a:rPr>
+              <a:t>Social </a:t>
+            </a:r>
+            <a:r>
+              <a:rPr lang="en-US" sz="1700" dirty="0">
+                <a:solidFill>
+                  <a:srgbClr val="FFFFFF"/>
+                </a:solidFill>
+                <a:latin typeface="Arial Narrow"/>
+              </a:rPr>
+              <a:t>Security is only meant to be supplemental income during retirement, but many do make use of it as their sole source of income.</a:t>
             </a:r>
             <a:endParaRPr dirty="0"/>
           </a:p>
@@ -6806,7 +7439,7 @@
       </p:sp>
       <p:sp>
         <p:nvSpPr>
-          <p:cNvPr id="198" name="CustomShape 3"/>
+          <p:cNvPr id="194" name="CustomShape 3"/>
           <p:cNvSpPr/>
           <p:nvPr/>
         </p:nvSpPr>
@@ -6826,7 +7459,7 @@
       </p:sp>
       <p:sp>
         <p:nvSpPr>
-          <p:cNvPr id="199" name="CustomShape 4"/>
+          <p:cNvPr id="195" name="CustomShape 4"/>
           <p:cNvSpPr/>
           <p:nvPr/>
         </p:nvSpPr>
@@ -6843,6 +7476,76 @@
             <a:noFill/>
           </a:ln>
         </p:spPr>
+      </p:sp>
+      <p:sp>
+        <p:nvSpPr>
+          <p:cNvPr id="6" name="Date Placeholder 5"/>
+          <p:cNvSpPr>
+            <a:spLocks noGrp="1"/>
+          </p:cNvSpPr>
+          <p:nvPr>
+            <p:ph type="dt" sz="half" idx="10"/>
+          </p:nvPr>
+        </p:nvSpPr>
+        <p:spPr/>
+        <p:txBody>
+          <a:bodyPr/>
+          <a:lstStyle/>
+          <a:p>
+            <a:fld id="{474D06ED-7EFB-40EF-9EF0-FA3A12EDB354}" type="datetime1">
+              <a:rPr lang="en-US" smtClean="0"/>
+              <a:t>12/10/2014</a:t>
+            </a:fld>
+            <a:endParaRPr lang="en-US"/>
+          </a:p>
+        </p:txBody>
+      </p:sp>
+      <p:sp>
+        <p:nvSpPr>
+          <p:cNvPr id="7" name="Slide Number Placeholder 6"/>
+          <p:cNvSpPr>
+            <a:spLocks noGrp="1"/>
+          </p:cNvSpPr>
+          <p:nvPr>
+            <p:ph type="sldNum" sz="quarter" idx="12"/>
+          </p:nvPr>
+        </p:nvSpPr>
+        <p:spPr/>
+        <p:txBody>
+          <a:bodyPr/>
+          <a:lstStyle/>
+          <a:p>
+            <a:fld id="{61A8A087-BDC4-42FE-8768-63148BB52561}" type="slidenum">
+              <a:rPr lang="en-US" smtClean="0"/>
+              <a:pPr/>
+              <a:t>18</a:t>
+            </a:fld>
+            <a:endParaRPr lang="en-US"/>
+          </a:p>
+        </p:txBody>
+      </p:sp>
+      <p:sp>
+        <p:nvSpPr>
+          <p:cNvPr id="8" name="Footer Placeholder 7"/>
+          <p:cNvSpPr>
+            <a:spLocks noGrp="1"/>
+          </p:cNvSpPr>
+          <p:nvPr>
+            <p:ph type="ftr" sz="quarter" idx="11"/>
+          </p:nvPr>
+        </p:nvSpPr>
+        <p:spPr/>
+        <p:txBody>
+          <a:bodyPr/>
+          <a:lstStyle/>
+          <a:p>
+            <a:r>
+              <a:rPr lang="en-US" smtClean="0"/>
+              <a:t>IS609 MSDA CUNY</a:t>
+            </a:r>
+            <a:endParaRPr lang="en-US"/>
+          </a:p>
+        </p:txBody>
       </p:sp>
     </p:spTree>
   </p:cSld>
@@ -6880,7 +7583,7 @@
 </file>
 
 <file path=ppt/slides/slide19.xml><?xml version="1.0" encoding="utf-8"?>
-<p:sld xmlns:a="http://schemas.openxmlformats.org/drawingml/2006/main" xmlns:r="http://schemas.openxmlformats.org/officeDocument/2006/relationships" xmlns:mc="http://schemas.openxmlformats.org/markup-compatibility/2006" xmlns:mv="urn:schemas-microsoft-com:mac:vml" xmlns:p="http://schemas.openxmlformats.org/presentationml/2006/main" mc:Ignorable="mv" mc:PreserveAttributes="mv:*">
+<p:sld xmlns:a="http://schemas.openxmlformats.org/drawingml/2006/main" xmlns:r="http://schemas.openxmlformats.org/officeDocument/2006/relationships" xmlns:p="http://schemas.openxmlformats.org/presentationml/2006/main">
   <p:cSld>
     <p:spTree>
       <p:nvGrpSpPr>
@@ -6898,7 +7601,7 @@
       </p:grpSpPr>
       <p:sp>
         <p:nvSpPr>
-          <p:cNvPr id="200" name="TextShape 1"/>
+          <p:cNvPr id="196" name="TextShape 1"/>
           <p:cNvSpPr txBox="1"/>
           <p:nvPr/>
         </p:nvSpPr>
@@ -6927,7 +7630,7 @@
                 </a:solidFill>
                 <a:latin typeface="Arial Narrow"/>
               </a:rPr>
-              <a:t>Comparison of SSA and 401k</a:t>
+              <a:t>401k For Retirement</a:t>
             </a:r>
             <a:endParaRPr/>
           </a:p>
@@ -6935,7 +7638,7 @@
       </p:sp>
       <p:sp>
         <p:nvSpPr>
-          <p:cNvPr id="201" name="TextShape 2"/>
+          <p:cNvPr id="197" name="TextShape 2"/>
           <p:cNvSpPr txBox="1"/>
           <p:nvPr/>
         </p:nvSpPr>
@@ -6967,7 +7670,7 @@
                 </a:solidFill>
                 <a:latin typeface="Arial Narrow"/>
               </a:rPr>
-              <a:t>SSA: </a:t>
+              <a:t>401(k) Defined-Contribution Pension: </a:t>
             </a:r>
             <a:endParaRPr dirty="0" smtClean="0"/>
           </a:p>
@@ -6992,7 +7695,7 @@
                 </a:solidFill>
                 <a:latin typeface="Arial Narrow"/>
               </a:rPr>
-              <a:t> Since </a:t>
+              <a:t> First </a:t>
             </a:r>
             <a:r>
               <a:rPr lang="en-US" sz="1700" dirty="0">
@@ -7001,7 +7704,40 @@
                 </a:solidFill>
                 <a:latin typeface="Arial Narrow"/>
               </a:rPr>
-              <a:t>SSA is funded by payroll taxes, contribution is automatically taken care by the government.</a:t>
+              <a:t>established in 1978, it allows taxpayers to defer taxes on income for retirement.</a:t>
+            </a:r>
+            <a:endParaRPr dirty="0"/>
+          </a:p>
+          <a:p>
+            <a:pPr>
+              <a:lnSpc>
+                <a:spcPct val="100000"/>
+              </a:lnSpc>
+              <a:spcAft>
+                <a:spcPts val="600"/>
+              </a:spcAft>
+              <a:buFont typeface="Arial"/>
+              <a:buChar char="•"/>
+            </a:pPr>
+            <a:endParaRPr dirty="0"/>
+          </a:p>
+          <a:p>
+            <a:pPr>
+              <a:lnSpc>
+                <a:spcPct val="100000"/>
+              </a:lnSpc>
+              <a:spcAft>
+                <a:spcPts val="600"/>
+              </a:spcAft>
+            </a:pPr>
+            <a:r>
+              <a:rPr lang="en-US" sz="1700" dirty="0">
+                <a:solidFill>
+                  <a:srgbClr val="FFFFFF"/>
+                </a:solidFill>
+                <a:latin typeface="Arial Narrow"/>
+              </a:rPr>
+              <a:t>401(k) Contribution: </a:t>
             </a:r>
             <a:endParaRPr dirty="0" smtClean="0"/>
           </a:p>
@@ -7026,7 +7762,7 @@
                 </a:solidFill>
                 <a:latin typeface="Arial Narrow"/>
               </a:rPr>
-              <a:t> There </a:t>
+              <a:t> The </a:t>
             </a:r>
             <a:r>
               <a:rPr lang="en-US" sz="1700" dirty="0">
@@ -7035,40 +7771,7 @@
                 </a:solidFill>
                 <a:latin typeface="Arial Narrow"/>
               </a:rPr>
-              <a:t>is a projected shortfall of the trust fund in 2037. However, increasing payroll taxes and benefit reductions would alleviate this concern.</a:t>
-            </a:r>
-            <a:endParaRPr dirty="0"/>
-          </a:p>
-          <a:p>
-            <a:pPr>
-              <a:lnSpc>
-                <a:spcPct val="100000"/>
-              </a:lnSpc>
-              <a:spcAft>
-                <a:spcPts val="600"/>
-              </a:spcAft>
-              <a:buFont typeface="Arial"/>
-              <a:buChar char="•"/>
-            </a:pPr>
-            <a:endParaRPr dirty="0"/>
-          </a:p>
-          <a:p>
-            <a:pPr>
-              <a:lnSpc>
-                <a:spcPct val="100000"/>
-              </a:lnSpc>
-              <a:spcAft>
-                <a:spcPts val="600"/>
-              </a:spcAft>
-            </a:pPr>
-            <a:r>
-              <a:rPr lang="en-US" sz="1700" dirty="0">
-                <a:solidFill>
-                  <a:srgbClr val="FFFFFF"/>
-                </a:solidFill>
-                <a:latin typeface="Arial Narrow"/>
-              </a:rPr>
-              <a:t>401(k) Defined-Contribution Plan: </a:t>
+              <a:t>maximum amount that can be contributed is currently $17,500.</a:t>
             </a:r>
             <a:endParaRPr dirty="0" smtClean="0"/>
           </a:p>
@@ -7093,7 +7796,7 @@
                 </a:solidFill>
                 <a:latin typeface="Arial Narrow"/>
               </a:rPr>
-              <a:t> Since </a:t>
+              <a:t> 401K </a:t>
             </a:r>
             <a:r>
               <a:rPr lang="en-US" sz="1700" dirty="0">
@@ -7102,7 +7805,40 @@
                 </a:solidFill>
                 <a:latin typeface="Arial Narrow"/>
               </a:rPr>
-              <a:t>a larger portion of one's income can be contributed to a 401K, it should be the main source of income for those with access to it.</a:t>
+              <a:t>Contribution is voluntarily made with a possible company match.</a:t>
+            </a:r>
+            <a:endParaRPr dirty="0"/>
+          </a:p>
+          <a:p>
+            <a:pPr>
+              <a:lnSpc>
+                <a:spcPct val="100000"/>
+              </a:lnSpc>
+              <a:spcAft>
+                <a:spcPts val="600"/>
+              </a:spcAft>
+              <a:buFont typeface="Arial"/>
+              <a:buChar char="•"/>
+            </a:pPr>
+            <a:endParaRPr dirty="0"/>
+          </a:p>
+          <a:p>
+            <a:pPr>
+              <a:lnSpc>
+                <a:spcPct val="100000"/>
+              </a:lnSpc>
+              <a:spcAft>
+                <a:spcPts val="600"/>
+              </a:spcAft>
+            </a:pPr>
+            <a:r>
+              <a:rPr lang="en-US" sz="1700" dirty="0">
+                <a:solidFill>
+                  <a:srgbClr val="FFFFFF"/>
+                </a:solidFill>
+                <a:latin typeface="Arial Narrow"/>
+              </a:rPr>
+              <a:t>401(k) Withdrawals: </a:t>
             </a:r>
             <a:endParaRPr dirty="0" smtClean="0"/>
           </a:p>
@@ -7127,7 +7863,7 @@
                 </a:solidFill>
                 <a:latin typeface="Arial Narrow"/>
               </a:rPr>
-              <a:t> The </a:t>
+              <a:t> Withdrawal </a:t>
             </a:r>
             <a:r>
               <a:rPr lang="en-US" sz="1700" dirty="0">
@@ -7136,9 +7872,9 @@
                 </a:solidFill>
                 <a:latin typeface="Arial Narrow"/>
               </a:rPr>
-              <a:t>returns of a 401K plan is dependent on the investment choices made.</a:t>
-            </a:r>
-            <a:endParaRPr dirty="0"/>
+              <a:t>without penalty starts at 59.5 years of age.</a:t>
+            </a:r>
+            <a:endParaRPr dirty="0" smtClean="0"/>
           </a:p>
           <a:p>
             <a:pPr>
@@ -7155,13 +7891,22 @@
               <a:buChar char="•"/>
             </a:pPr>
             <a:r>
+              <a:rPr lang="en-US" sz="1700" dirty="0" smtClean="0">
+                <a:solidFill>
+                  <a:srgbClr val="FFFFFF"/>
+                </a:solidFill>
+                <a:latin typeface="Arial Narrow"/>
+              </a:rPr>
+              <a:t> There </a:t>
+            </a:r>
+            <a:r>
               <a:rPr lang="en-US" sz="1700" dirty="0">
                 <a:solidFill>
                   <a:srgbClr val="FFFFFF"/>
                 </a:solidFill>
                 <a:latin typeface="Arial Narrow"/>
               </a:rPr>
-              <a:t> Management fees with the choice of investments made also needs to be considered.</a:t>
+              <a:t>is a required minimum distribution (RMD) starting at 70.5 years or start retirement.</a:t>
             </a:r>
             <a:endParaRPr dirty="0"/>
           </a:p>
@@ -7170,9 +7915,41 @@
               <a:lnSpc>
                 <a:spcPct val="100000"/>
               </a:lnSpc>
+              <a:spcAft>
+                <a:spcPts val="600"/>
+              </a:spcAft>
               <a:buFont typeface="Arial"/>
               <a:buChar char="•"/>
             </a:pPr>
+            <a:endParaRPr dirty="0" smtClean="0"/>
+          </a:p>
+          <a:p>
+            <a:pPr>
+              <a:lnSpc>
+                <a:spcPct val="100000"/>
+              </a:lnSpc>
+              <a:spcAft>
+                <a:spcPts val="600"/>
+              </a:spcAft>
+            </a:pPr>
+            <a:r>
+              <a:rPr lang="en-US" sz="1700" dirty="0" smtClean="0">
+                <a:solidFill>
+                  <a:srgbClr val="FFFFFF"/>
+                </a:solidFill>
+                <a:latin typeface="Arial Narrow"/>
+              </a:rPr>
+              <a:t>Since </a:t>
+            </a:r>
+            <a:r>
+              <a:rPr lang="en-US" sz="1700" dirty="0">
+                <a:solidFill>
+                  <a:srgbClr val="FFFFFF"/>
+                </a:solidFill>
+                <a:latin typeface="Arial Narrow"/>
+              </a:rPr>
+              <a:t>contributions to 401K compound over time, it is best to for a participant to start saving early and maximize contribution into the plan whenever possible. </a:t>
+            </a:r>
             <a:endParaRPr dirty="0"/>
           </a:p>
           <a:p>
@@ -7187,7 +7964,7 @@
       </p:sp>
       <p:sp>
         <p:nvSpPr>
-          <p:cNvPr id="202" name="CustomShape 3"/>
+          <p:cNvPr id="198" name="CustomShape 3"/>
           <p:cNvSpPr/>
           <p:nvPr/>
         </p:nvSpPr>
@@ -7207,7 +7984,7 @@
       </p:sp>
       <p:sp>
         <p:nvSpPr>
-          <p:cNvPr id="203" name="CustomShape 4"/>
+          <p:cNvPr id="199" name="CustomShape 4"/>
           <p:cNvSpPr/>
           <p:nvPr/>
         </p:nvSpPr>
@@ -7224,6 +8001,76 @@
             <a:noFill/>
           </a:ln>
         </p:spPr>
+      </p:sp>
+      <p:sp>
+        <p:nvSpPr>
+          <p:cNvPr id="6" name="Date Placeholder 5"/>
+          <p:cNvSpPr>
+            <a:spLocks noGrp="1"/>
+          </p:cNvSpPr>
+          <p:nvPr>
+            <p:ph type="dt" sz="half" idx="10"/>
+          </p:nvPr>
+        </p:nvSpPr>
+        <p:spPr/>
+        <p:txBody>
+          <a:bodyPr/>
+          <a:lstStyle/>
+          <a:p>
+            <a:fld id="{68B31BCF-9DC5-43C9-B752-81668D3D8F5E}" type="datetime1">
+              <a:rPr lang="en-US" smtClean="0"/>
+              <a:t>12/10/2014</a:t>
+            </a:fld>
+            <a:endParaRPr lang="en-US"/>
+          </a:p>
+        </p:txBody>
+      </p:sp>
+      <p:sp>
+        <p:nvSpPr>
+          <p:cNvPr id="7" name="Slide Number Placeholder 6"/>
+          <p:cNvSpPr>
+            <a:spLocks noGrp="1"/>
+          </p:cNvSpPr>
+          <p:nvPr>
+            <p:ph type="sldNum" sz="quarter" idx="12"/>
+          </p:nvPr>
+        </p:nvSpPr>
+        <p:spPr/>
+        <p:txBody>
+          <a:bodyPr/>
+          <a:lstStyle/>
+          <a:p>
+            <a:fld id="{61A8A087-BDC4-42FE-8768-63148BB52561}" type="slidenum">
+              <a:rPr lang="en-US" smtClean="0"/>
+              <a:pPr/>
+              <a:t>19</a:t>
+            </a:fld>
+            <a:endParaRPr lang="en-US"/>
+          </a:p>
+        </p:txBody>
+      </p:sp>
+      <p:sp>
+        <p:nvSpPr>
+          <p:cNvPr id="8" name="Footer Placeholder 7"/>
+          <p:cNvSpPr>
+            <a:spLocks noGrp="1"/>
+          </p:cNvSpPr>
+          <p:nvPr>
+            <p:ph type="ftr" sz="quarter" idx="11"/>
+          </p:nvPr>
+        </p:nvSpPr>
+        <p:spPr/>
+        <p:txBody>
+          <a:bodyPr/>
+          <a:lstStyle/>
+          <a:p>
+            <a:r>
+              <a:rPr lang="en-US" smtClean="0"/>
+              <a:t>IS609 MSDA CUNY</a:t>
+            </a:r>
+            <a:endParaRPr lang="en-US"/>
+          </a:p>
+        </p:txBody>
       </p:sp>
     </p:spTree>
   </p:cSld>
@@ -7261,7 +8108,7 @@
 </file>
 
 <file path=ppt/slides/slide2.xml><?xml version="1.0" encoding="utf-8"?>
-<p:sld xmlns:a="http://schemas.openxmlformats.org/drawingml/2006/main" xmlns:r="http://schemas.openxmlformats.org/officeDocument/2006/relationships" xmlns:mc="http://schemas.openxmlformats.org/markup-compatibility/2006" xmlns:mv="urn:schemas-microsoft-com:mac:vml" xmlns:p="http://schemas.openxmlformats.org/presentationml/2006/main" mc:Ignorable="mv" mc:PreserveAttributes="mv:*">
+<p:sld xmlns:a="http://schemas.openxmlformats.org/drawingml/2006/main" xmlns:r="http://schemas.openxmlformats.org/officeDocument/2006/relationships" xmlns:p="http://schemas.openxmlformats.org/presentationml/2006/main">
   <p:cSld>
     <p:spTree>
       <p:nvGrpSpPr>
@@ -7340,10 +8187,87 @@
           </a:p>
         </p:txBody>
       </p:sp>
+      <p:sp>
+        <p:nvSpPr>
+          <p:cNvPr id="4" name="Date Placeholder 3"/>
+          <p:cNvSpPr>
+            <a:spLocks noGrp="1"/>
+          </p:cNvSpPr>
+          <p:nvPr>
+            <p:ph type="dt" sz="half" idx="10"/>
+          </p:nvPr>
+        </p:nvSpPr>
+        <p:spPr>
+          <a:xfrm>
+            <a:off x="3810000" y="6324600"/>
+            <a:ext cx="1524000" cy="365125"/>
+          </a:xfrm>
+        </p:spPr>
+        <p:txBody>
+          <a:bodyPr/>
+          <a:lstStyle/>
+          <a:p>
+            <a:pPr algn="ctr"/>
+            <a:fld id="{6FB32338-DD13-4C94-9B1E-8CE73F99169B}" type="datetime1">
+              <a:rPr lang="en-US" smtClean="0"/>
+              <a:pPr algn="ctr"/>
+              <a:t>12/10/2014</a:t>
+            </a:fld>
+            <a:endParaRPr lang="en-US" dirty="0"/>
+          </a:p>
+        </p:txBody>
+      </p:sp>
+      <p:sp>
+        <p:nvSpPr>
+          <p:cNvPr id="5" name="Slide Number Placeholder 4"/>
+          <p:cNvSpPr>
+            <a:spLocks noGrp="1"/>
+          </p:cNvSpPr>
+          <p:nvPr>
+            <p:ph type="sldNum" sz="quarter" idx="12"/>
+          </p:nvPr>
+        </p:nvSpPr>
+        <p:spPr/>
+        <p:txBody>
+          <a:bodyPr/>
+          <a:lstStyle/>
+          <a:p>
+            <a:fld id="{61A8A087-BDC4-42FE-8768-63148BB52561}" type="slidenum">
+              <a:rPr lang="en-US" smtClean="0"/>
+              <a:pPr/>
+              <a:t>2</a:t>
+            </a:fld>
+            <a:endParaRPr lang="en-US"/>
+          </a:p>
+        </p:txBody>
+      </p:sp>
+      <p:sp>
+        <p:nvSpPr>
+          <p:cNvPr id="6" name="Footer Placeholder 5"/>
+          <p:cNvSpPr>
+            <a:spLocks noGrp="1"/>
+          </p:cNvSpPr>
+          <p:nvPr>
+            <p:ph type="ftr" sz="quarter" idx="11"/>
+          </p:nvPr>
+        </p:nvSpPr>
+        <p:spPr/>
+        <p:txBody>
+          <a:bodyPr/>
+          <a:lstStyle/>
+          <a:p>
+            <a:r>
+              <a:rPr lang="en-US" dirty="0" smtClean="0"/>
+              <a:t>IS609 MSDA CUNY</a:t>
+            </a:r>
+            <a:endParaRPr lang="en-US" dirty="0"/>
+          </a:p>
+        </p:txBody>
+      </p:sp>
     </p:spTree>
     <p:extLst>
       <p:ext uri="{BB962C8B-B14F-4D97-AF65-F5344CB8AC3E}">
-        <p14:creationId xmlns="" xmlns:p14="http://schemas.microsoft.com/office/powerpoint/2010/main" xmlns:p="http://schemas.openxmlformats.org/presentationml/2006/main" xmlns:r="http://schemas.openxmlformats.org/officeDocument/2006/relationships" xmlns:a="http://schemas.openxmlformats.org/drawingml/2006/main" val="3338547658"/>
+        <p14:creationId xmlns:p14="http://schemas.microsoft.com/office/powerpoint/2010/main" xmlns="" xmlns:mv="urn:schemas-microsoft-com:mac:vml" xmlns:mc="http://schemas.openxmlformats.org/markup-compatibility/2006" val="3338547658"/>
       </p:ext>
     </p:extLst>
   </p:cSld>
@@ -7361,7 +8285,7 @@
 </file>
 
 <file path=ppt/slides/slide20.xml><?xml version="1.0" encoding="utf-8"?>
-<p:sld xmlns:a="http://schemas.openxmlformats.org/drawingml/2006/main" xmlns:r="http://schemas.openxmlformats.org/officeDocument/2006/relationships" xmlns:mc="http://schemas.openxmlformats.org/markup-compatibility/2006" xmlns:mv="urn:schemas-microsoft-com:mac:vml" xmlns:p="http://schemas.openxmlformats.org/presentationml/2006/main" mc:Ignorable="mv" mc:PreserveAttributes="mv:*">
+<p:sld xmlns:a="http://schemas.openxmlformats.org/drawingml/2006/main" xmlns:r="http://schemas.openxmlformats.org/officeDocument/2006/relationships" xmlns:p="http://schemas.openxmlformats.org/presentationml/2006/main">
   <p:cSld>
     <p:spTree>
       <p:nvGrpSpPr>
@@ -7379,7 +8303,7 @@
       </p:grpSpPr>
       <p:sp>
         <p:nvSpPr>
-          <p:cNvPr id="204" name="TextShape 1"/>
+          <p:cNvPr id="200" name="TextShape 1"/>
           <p:cNvSpPr txBox="1"/>
           <p:nvPr/>
         </p:nvSpPr>
@@ -7402,28 +8326,28 @@
               </a:lnSpc>
             </a:pPr>
             <a:r>
-              <a:rPr lang="en-US" sz="3000" dirty="0">
+              <a:rPr lang="en-US" sz="3000">
                 <a:solidFill>
                   <a:srgbClr val="FFFFFF"/>
                 </a:solidFill>
                 <a:latin typeface="Arial Narrow"/>
               </a:rPr>
-              <a:t>Modeling When to Retire</a:t>
-            </a:r>
-            <a:endParaRPr dirty="0"/>
-          </a:p>
-        </p:txBody>
-      </p:sp>
-      <p:sp>
-        <p:nvSpPr>
-          <p:cNvPr id="205" name="TextShape 2"/>
+              <a:t>Comparison of SSA and 401k</a:t>
+            </a:r>
+            <a:endParaRPr/>
+          </a:p>
+        </p:txBody>
+      </p:sp>
+      <p:sp>
+        <p:nvSpPr>
+          <p:cNvPr id="201" name="TextShape 2"/>
           <p:cNvSpPr txBox="1"/>
           <p:nvPr/>
         </p:nvSpPr>
         <p:spPr>
           <a:xfrm>
             <a:off x="609480" y="1143000"/>
-            <a:ext cx="7924320" cy="1447800"/>
+            <a:ext cx="7924320" cy="4571640"/>
           </a:xfrm>
           <a:prstGeom prst="rect">
             <a:avLst/>
@@ -7448,7 +8372,7 @@
                 </a:solidFill>
                 <a:latin typeface="Arial Narrow"/>
               </a:rPr>
-              <a:t>Assumptions for Modeling: </a:t>
+              <a:t>SSA: </a:t>
             </a:r>
             <a:endParaRPr dirty="0" smtClean="0"/>
           </a:p>
@@ -7473,7 +8397,7 @@
                 </a:solidFill>
                 <a:latin typeface="Arial Narrow"/>
               </a:rPr>
-              <a:t> Start </a:t>
+              <a:t> Since </a:t>
             </a:r>
             <a:r>
               <a:rPr lang="en-US" sz="1700" dirty="0">
@@ -7482,7 +8406,7 @@
                 </a:solidFill>
                 <a:latin typeface="Arial Narrow"/>
               </a:rPr>
-              <a:t>working at age 22 and live until the average age of 85.45.</a:t>
+              <a:t>SSA is funded by payroll taxes, contribution is automatically taken care by the government.</a:t>
             </a:r>
             <a:endParaRPr dirty="0" smtClean="0"/>
           </a:p>
@@ -7507,7 +8431,7 @@
                 </a:solidFill>
                 <a:latin typeface="Arial Narrow"/>
               </a:rPr>
-              <a:t> Start </a:t>
+              <a:t> There </a:t>
             </a:r>
             <a:r>
               <a:rPr lang="en-US" sz="1700" dirty="0">
@@ -7516,8 +8440,57 @@
                 </a:solidFill>
                 <a:latin typeface="Arial Narrow"/>
               </a:rPr>
-              <a:t>contribution to 401K at 22 with initial contribution of $8,500 and $17,500 thereafter</a:t>
-            </a:r>
+              <a:t>is a projected shortfall of the trust fund in 2037. However, increasing payroll taxes and benefit reductions would alleviate this concern.</a:t>
+            </a:r>
+            <a:endParaRPr dirty="0"/>
+          </a:p>
+          <a:p>
+            <a:pPr>
+              <a:lnSpc>
+                <a:spcPct val="100000"/>
+              </a:lnSpc>
+              <a:spcAft>
+                <a:spcPts val="600"/>
+              </a:spcAft>
+              <a:buFont typeface="Arial"/>
+              <a:buChar char="•"/>
+            </a:pPr>
+            <a:endParaRPr dirty="0"/>
+          </a:p>
+          <a:p>
+            <a:pPr>
+              <a:lnSpc>
+                <a:spcPct val="100000"/>
+              </a:lnSpc>
+              <a:spcAft>
+                <a:spcPts val="600"/>
+              </a:spcAft>
+            </a:pPr>
+            <a:r>
+              <a:rPr lang="en-US" sz="1700" dirty="0">
+                <a:solidFill>
+                  <a:srgbClr val="FFFFFF"/>
+                </a:solidFill>
+                <a:latin typeface="Arial Narrow"/>
+              </a:rPr>
+              <a:t>401(k) Defined-Contribution Plan: </a:t>
+            </a:r>
+            <a:endParaRPr dirty="0" smtClean="0"/>
+          </a:p>
+          <a:p>
+            <a:pPr>
+              <a:lnSpc>
+                <a:spcPct val="100000"/>
+              </a:lnSpc>
+              <a:spcAft>
+                <a:spcPts val="600"/>
+              </a:spcAft>
+              <a:buClr>
+                <a:schemeClr val="tx2"/>
+              </a:buClr>
+              <a:buFont typeface="Arial"/>
+              <a:buChar char="•"/>
+            </a:pPr>
             <a:r>
               <a:rPr lang="en-US" sz="1700" dirty="0" smtClean="0">
                 <a:solidFill>
@@ -7525,9 +8498,77 @@
                 </a:solidFill>
                 <a:latin typeface="Arial Narrow"/>
               </a:rPr>
-              <a:t>.</a:t>
+              <a:t> Since </a:t>
+            </a:r>
+            <a:r>
+              <a:rPr lang="en-US" sz="1700" dirty="0">
+                <a:solidFill>
+                  <a:srgbClr val="FFFFFF"/>
+                </a:solidFill>
+                <a:latin typeface="Arial Narrow"/>
+              </a:rPr>
+              <a:t>a larger portion of one's income can be contributed to a 401K, it should be the main source of income for those with access to it.</a:t>
             </a:r>
             <a:endParaRPr dirty="0" smtClean="0"/>
+          </a:p>
+          <a:p>
+            <a:pPr>
+              <a:lnSpc>
+                <a:spcPct val="100000"/>
+              </a:lnSpc>
+              <a:spcAft>
+                <a:spcPts val="600"/>
+              </a:spcAft>
+              <a:buClr>
+                <a:schemeClr val="tx2"/>
+              </a:buClr>
+              <a:buFont typeface="Arial"/>
+              <a:buChar char="•"/>
+            </a:pPr>
+            <a:r>
+              <a:rPr lang="en-US" sz="1700" dirty="0" smtClean="0">
+                <a:solidFill>
+                  <a:srgbClr val="FFFFFF"/>
+                </a:solidFill>
+                <a:latin typeface="Arial Narrow"/>
+              </a:rPr>
+              <a:t> The </a:t>
+            </a:r>
+            <a:r>
+              <a:rPr lang="en-US" sz="1700" dirty="0">
+                <a:solidFill>
+                  <a:srgbClr val="FFFFFF"/>
+                </a:solidFill>
+                <a:latin typeface="Arial Narrow"/>
+              </a:rPr>
+              <a:t>returns of a 401K plan is dependent on the investment choices made.</a:t>
+            </a:r>
+            <a:endParaRPr dirty="0"/>
+          </a:p>
+          <a:p>
+            <a:pPr>
+              <a:lnSpc>
+                <a:spcPct val="100000"/>
+              </a:lnSpc>
+              <a:spcAft>
+                <a:spcPts val="600"/>
+              </a:spcAft>
+              <a:buClr>
+                <a:schemeClr val="tx2"/>
+              </a:buClr>
+              <a:buFont typeface="Arial"/>
+              <a:buChar char="•"/>
+            </a:pPr>
+            <a:r>
+              <a:rPr lang="en-US" sz="1700" dirty="0">
+                <a:solidFill>
+                  <a:srgbClr val="FFFFFF"/>
+                </a:solidFill>
+                <a:latin typeface="Arial Narrow"/>
+              </a:rPr>
+              <a:t> Management fees with the choice of investments made also needs to be considered.</a:t>
+            </a:r>
+            <a:endParaRPr dirty="0"/>
           </a:p>
           <a:p>
             <a:pPr>
@@ -7539,11 +8580,19 @@
             </a:pPr>
             <a:endParaRPr dirty="0"/>
           </a:p>
-        </p:txBody>
-      </p:sp>
-      <p:sp>
-        <p:nvSpPr>
-          <p:cNvPr id="206" name="CustomShape 3"/>
+          <a:p>
+            <a:pPr>
+              <a:lnSpc>
+                <a:spcPct val="100000"/>
+              </a:lnSpc>
+            </a:pPr>
+            <a:endParaRPr dirty="0"/>
+          </a:p>
+        </p:txBody>
+      </p:sp>
+      <p:sp>
+        <p:nvSpPr>
+          <p:cNvPr id="202" name="CustomShape 3"/>
           <p:cNvSpPr/>
           <p:nvPr/>
         </p:nvSpPr>
@@ -7563,7 +8612,7 @@
       </p:sp>
       <p:sp>
         <p:nvSpPr>
-          <p:cNvPr id="207" name="CustomShape 4"/>
+          <p:cNvPr id="203" name="CustomShape 4"/>
           <p:cNvSpPr/>
           <p:nvPr/>
         </p:nvSpPr>
@@ -7581,531 +8630,73 @@
           </a:ln>
         </p:spPr>
       </p:sp>
-      <p:graphicFrame>
-        <p:nvGraphicFramePr>
-          <p:cNvPr id="8" name="Table 7"/>
-          <p:cNvGraphicFramePr>
-            <a:graphicFrameLocks noGrp="1"/>
-          </p:cNvGraphicFramePr>
-          <p:nvPr/>
-        </p:nvGraphicFramePr>
-        <p:xfrm>
-          <a:off x="914400" y="3276600"/>
-          <a:ext cx="7467600" cy="1651000"/>
-        </p:xfrm>
-        <a:graphic>
-          <a:graphicData uri="http://schemas.openxmlformats.org/drawingml/2006/table">
-            <a:tbl>
-              <a:tblPr firstRow="1" firstCol="1" bandRow="1">
-                <a:tableStyleId>{21E4AEA4-8DFA-4A89-87EB-49C32662AFE0}</a:tableStyleId>
-              </a:tblPr>
-              <a:tblGrid>
-                <a:gridCol w="990600"/>
-                <a:gridCol w="609600"/>
-                <a:gridCol w="640080"/>
-                <a:gridCol w="746760"/>
-                <a:gridCol w="746760"/>
-                <a:gridCol w="746760"/>
-                <a:gridCol w="746760"/>
-                <a:gridCol w="746760"/>
-                <a:gridCol w="746760"/>
-                <a:gridCol w="746760"/>
-              </a:tblGrid>
-              <a:tr h="370840">
-                <a:tc>
-                  <a:txBody>
-                    <a:bodyPr/>
-                    <a:lstStyle/>
-                    <a:p>
-                      <a:pPr algn="ctr"/>
-                      <a:r>
-                        <a:rPr lang="en-US" dirty="0" smtClean="0"/>
-                        <a:t>Age</a:t>
-                      </a:r>
-                      <a:endParaRPr lang="en-US" dirty="0"/>
-                    </a:p>
-                  </a:txBody>
-                  <a:tcPr/>
-                </a:tc>
-                <a:tc>
-                  <a:txBody>
-                    <a:bodyPr/>
-                    <a:lstStyle/>
-                    <a:p>
-                      <a:pPr algn="ctr"/>
-                      <a:r>
-                        <a:rPr lang="en-US" dirty="0" smtClean="0"/>
-                        <a:t>62</a:t>
-                      </a:r>
-                      <a:endParaRPr lang="en-US" dirty="0"/>
-                    </a:p>
-                  </a:txBody>
-                  <a:tcPr/>
-                </a:tc>
-                <a:tc>
-                  <a:txBody>
-                    <a:bodyPr/>
-                    <a:lstStyle/>
-                    <a:p>
-                      <a:pPr algn="ctr"/>
-                      <a:r>
-                        <a:rPr lang="en-US" dirty="0" smtClean="0"/>
-                        <a:t>63</a:t>
-                      </a:r>
-                      <a:endParaRPr lang="en-US" dirty="0"/>
-                    </a:p>
-                  </a:txBody>
-                  <a:tcPr/>
-                </a:tc>
-                <a:tc>
-                  <a:txBody>
-                    <a:bodyPr/>
-                    <a:lstStyle/>
-                    <a:p>
-                      <a:pPr algn="ctr"/>
-                      <a:r>
-                        <a:rPr lang="en-US" dirty="0" smtClean="0"/>
-                        <a:t>64</a:t>
-                      </a:r>
-                      <a:endParaRPr lang="en-US" dirty="0"/>
-                    </a:p>
-                  </a:txBody>
-                  <a:tcPr/>
-                </a:tc>
-                <a:tc>
-                  <a:txBody>
-                    <a:bodyPr/>
-                    <a:lstStyle/>
-                    <a:p>
-                      <a:pPr algn="ctr"/>
-                      <a:r>
-                        <a:rPr lang="en-US" dirty="0" smtClean="0"/>
-                        <a:t>65</a:t>
-                      </a:r>
-                      <a:endParaRPr lang="en-US" dirty="0"/>
-                    </a:p>
-                  </a:txBody>
-                  <a:tcPr/>
-                </a:tc>
-                <a:tc>
-                  <a:txBody>
-                    <a:bodyPr/>
-                    <a:lstStyle/>
-                    <a:p>
-                      <a:pPr algn="ctr"/>
-                      <a:r>
-                        <a:rPr lang="en-US" dirty="0" smtClean="0"/>
-                        <a:t>66</a:t>
-                      </a:r>
-                      <a:endParaRPr lang="en-US" dirty="0"/>
-                    </a:p>
-                  </a:txBody>
-                  <a:tcPr/>
-                </a:tc>
-                <a:tc>
-                  <a:txBody>
-                    <a:bodyPr/>
-                    <a:lstStyle/>
-                    <a:p>
-                      <a:pPr algn="ctr"/>
-                      <a:r>
-                        <a:rPr lang="en-US" dirty="0" smtClean="0"/>
-                        <a:t>67</a:t>
-                      </a:r>
-                      <a:endParaRPr lang="en-US" dirty="0"/>
-                    </a:p>
-                  </a:txBody>
-                  <a:tcPr/>
-                </a:tc>
-                <a:tc>
-                  <a:txBody>
-                    <a:bodyPr/>
-                    <a:lstStyle/>
-                    <a:p>
-                      <a:pPr algn="ctr"/>
-                      <a:r>
-                        <a:rPr lang="en-US" dirty="0" smtClean="0"/>
-                        <a:t>68</a:t>
-                      </a:r>
-                      <a:endParaRPr lang="en-US" dirty="0"/>
-                    </a:p>
-                  </a:txBody>
-                  <a:tcPr/>
-                </a:tc>
-                <a:tc>
-                  <a:txBody>
-                    <a:bodyPr/>
-                    <a:lstStyle/>
-                    <a:p>
-                      <a:pPr algn="ctr"/>
-                      <a:r>
-                        <a:rPr lang="en-US" dirty="0" smtClean="0"/>
-                        <a:t>69</a:t>
-                      </a:r>
-                      <a:endParaRPr lang="en-US" dirty="0"/>
-                    </a:p>
-                  </a:txBody>
-                  <a:tcPr/>
-                </a:tc>
-                <a:tc>
-                  <a:txBody>
-                    <a:bodyPr/>
-                    <a:lstStyle/>
-                    <a:p>
-                      <a:pPr algn="ctr"/>
-                      <a:r>
-                        <a:rPr lang="en-US" dirty="0" smtClean="0"/>
-                        <a:t>70</a:t>
-                      </a:r>
-                      <a:endParaRPr lang="en-US" dirty="0"/>
-                    </a:p>
-                  </a:txBody>
-                  <a:tcPr/>
-                </a:tc>
-              </a:tr>
-              <a:tr h="370840">
-                <a:tc>
-                  <a:txBody>
-                    <a:bodyPr/>
-                    <a:lstStyle/>
-                    <a:p>
-                      <a:pPr algn="ctr"/>
-                      <a:r>
-                        <a:rPr lang="en-US" dirty="0" smtClean="0"/>
-                        <a:t>Percent</a:t>
-                      </a:r>
-                      <a:r>
-                        <a:rPr lang="en-US" baseline="0" dirty="0" smtClean="0"/>
-                        <a:t> Benefit</a:t>
-                      </a:r>
-                      <a:endParaRPr lang="en-US" dirty="0"/>
-                    </a:p>
-                  </a:txBody>
-                  <a:tcPr/>
-                </a:tc>
-                <a:tc>
-                  <a:txBody>
-                    <a:bodyPr/>
-                    <a:lstStyle/>
-                    <a:p>
-                      <a:pPr algn="ctr"/>
-                      <a:r>
-                        <a:rPr lang="en-US" dirty="0" smtClean="0"/>
-                        <a:t>70</a:t>
-                      </a:r>
-                      <a:endParaRPr lang="en-US" dirty="0"/>
-                    </a:p>
-                  </a:txBody>
-                  <a:tcPr/>
-                </a:tc>
-                <a:tc>
-                  <a:txBody>
-                    <a:bodyPr/>
-                    <a:lstStyle/>
-                    <a:p>
-                      <a:pPr algn="ctr"/>
-                      <a:r>
-                        <a:rPr lang="en-US" dirty="0" smtClean="0"/>
-                        <a:t>75</a:t>
-                      </a:r>
-                      <a:endParaRPr lang="en-US" dirty="0"/>
-                    </a:p>
-                  </a:txBody>
-                  <a:tcPr/>
-                </a:tc>
-                <a:tc>
-                  <a:txBody>
-                    <a:bodyPr/>
-                    <a:lstStyle/>
-                    <a:p>
-                      <a:pPr algn="ctr"/>
-                      <a:r>
-                        <a:rPr lang="en-US" dirty="0" smtClean="0"/>
-                        <a:t>80</a:t>
-                      </a:r>
-                      <a:endParaRPr lang="en-US" dirty="0"/>
-                    </a:p>
-                  </a:txBody>
-                  <a:tcPr/>
-                </a:tc>
-                <a:tc>
-                  <a:txBody>
-                    <a:bodyPr/>
-                    <a:lstStyle/>
-                    <a:p>
-                      <a:pPr algn="ctr"/>
-                      <a:r>
-                        <a:rPr lang="en-US" dirty="0" smtClean="0"/>
-                        <a:t>86.66</a:t>
-                      </a:r>
-                      <a:endParaRPr lang="en-US" dirty="0"/>
-                    </a:p>
-                  </a:txBody>
-                  <a:tcPr/>
-                </a:tc>
-                <a:tc>
-                  <a:txBody>
-                    <a:bodyPr/>
-                    <a:lstStyle/>
-                    <a:p>
-                      <a:pPr algn="ctr"/>
-                      <a:r>
-                        <a:rPr lang="en-US" dirty="0" smtClean="0"/>
-                        <a:t>93.33</a:t>
-                      </a:r>
-                      <a:endParaRPr lang="en-US" dirty="0"/>
-                    </a:p>
-                  </a:txBody>
-                  <a:tcPr/>
-                </a:tc>
-                <a:tc>
-                  <a:txBody>
-                    <a:bodyPr/>
-                    <a:lstStyle/>
-                    <a:p>
-                      <a:pPr algn="ctr"/>
-                      <a:r>
-                        <a:rPr lang="en-US" dirty="0" smtClean="0"/>
-                        <a:t>100</a:t>
-                      </a:r>
-                      <a:endParaRPr lang="en-US" dirty="0"/>
-                    </a:p>
-                  </a:txBody>
-                  <a:tcPr/>
-                </a:tc>
-                <a:tc>
-                  <a:txBody>
-                    <a:bodyPr/>
-                    <a:lstStyle/>
-                    <a:p>
-                      <a:pPr algn="ctr"/>
-                      <a:r>
-                        <a:rPr lang="en-US" dirty="0" smtClean="0"/>
-                        <a:t>108</a:t>
-                      </a:r>
-                      <a:endParaRPr lang="en-US" dirty="0"/>
-                    </a:p>
-                  </a:txBody>
-                  <a:tcPr/>
-                </a:tc>
-                <a:tc>
-                  <a:txBody>
-                    <a:bodyPr/>
-                    <a:lstStyle/>
-                    <a:p>
-                      <a:pPr algn="ctr"/>
-                      <a:r>
-                        <a:rPr lang="en-US" dirty="0" smtClean="0"/>
-                        <a:t>116</a:t>
-                      </a:r>
-                      <a:endParaRPr lang="en-US" dirty="0"/>
-                    </a:p>
-                  </a:txBody>
-                  <a:tcPr/>
-                </a:tc>
-                <a:tc>
-                  <a:txBody>
-                    <a:bodyPr/>
-                    <a:lstStyle/>
-                    <a:p>
-                      <a:pPr algn="ctr"/>
-                      <a:r>
-                        <a:rPr lang="en-US" dirty="0" smtClean="0"/>
-                        <a:t>124</a:t>
-                      </a:r>
-                      <a:endParaRPr lang="en-US" dirty="0"/>
-                    </a:p>
-                  </a:txBody>
-                  <a:tcPr/>
-                </a:tc>
-              </a:tr>
-              <a:tr h="370840">
-                <a:tc>
-                  <a:txBody>
-                    <a:bodyPr/>
-                    <a:lstStyle/>
-                    <a:p>
-                      <a:pPr algn="ctr"/>
-                      <a:r>
-                        <a:rPr lang="en-US" dirty="0" smtClean="0"/>
-                        <a:t>Monthly</a:t>
-                      </a:r>
-                      <a:r>
-                        <a:rPr lang="en-US" baseline="0" dirty="0" smtClean="0"/>
-                        <a:t> Payout</a:t>
-                      </a:r>
-                      <a:endParaRPr lang="en-US" dirty="0"/>
-                    </a:p>
-                  </a:txBody>
-                  <a:tcPr/>
-                </a:tc>
-                <a:tc>
-                  <a:txBody>
-                    <a:bodyPr/>
-                    <a:lstStyle/>
-                    <a:p>
-                      <a:pPr algn="ctr"/>
-                      <a:r>
-                        <a:rPr lang="en-US" dirty="0" smtClean="0"/>
-                        <a:t>1104</a:t>
-                      </a:r>
-                      <a:endParaRPr lang="en-US" dirty="0"/>
-                    </a:p>
-                  </a:txBody>
-                  <a:tcPr/>
-                </a:tc>
-                <a:tc>
-                  <a:txBody>
-                    <a:bodyPr/>
-                    <a:lstStyle/>
-                    <a:p>
-                      <a:pPr algn="ctr"/>
-                      <a:r>
-                        <a:rPr lang="en-US" dirty="0" smtClean="0"/>
-                        <a:t>1183</a:t>
-                      </a:r>
-                      <a:endParaRPr lang="en-US" dirty="0"/>
-                    </a:p>
-                  </a:txBody>
-                  <a:tcPr/>
-                </a:tc>
-                <a:tc>
-                  <a:txBody>
-                    <a:bodyPr/>
-                    <a:lstStyle/>
-                    <a:p>
-                      <a:pPr algn="ctr"/>
-                      <a:r>
-                        <a:rPr lang="en-US" dirty="0" smtClean="0"/>
-                        <a:t>1262</a:t>
-                      </a:r>
-                      <a:endParaRPr lang="en-US" dirty="0"/>
-                    </a:p>
-                  </a:txBody>
-                  <a:tcPr/>
-                </a:tc>
-                <a:tc>
-                  <a:txBody>
-                    <a:bodyPr/>
-                    <a:lstStyle/>
-                    <a:p>
-                      <a:pPr algn="ctr"/>
-                      <a:r>
-                        <a:rPr lang="en-US" dirty="0" smtClean="0"/>
-                        <a:t>1367</a:t>
-                      </a:r>
-                      <a:endParaRPr lang="en-US" dirty="0"/>
-                    </a:p>
-                  </a:txBody>
-                  <a:tcPr/>
-                </a:tc>
-                <a:tc>
-                  <a:txBody>
-                    <a:bodyPr/>
-                    <a:lstStyle/>
-                    <a:p>
-                      <a:pPr algn="ctr"/>
-                      <a:r>
-                        <a:rPr lang="en-US" dirty="0" smtClean="0"/>
-                        <a:t>1472</a:t>
-                      </a:r>
-                      <a:endParaRPr lang="en-US" dirty="0"/>
-                    </a:p>
-                  </a:txBody>
-                  <a:tcPr/>
-                </a:tc>
-                <a:tc>
-                  <a:txBody>
-                    <a:bodyPr/>
-                    <a:lstStyle/>
-                    <a:p>
-                      <a:pPr algn="ctr"/>
-                      <a:r>
-                        <a:rPr lang="en-US" dirty="0" smtClean="0"/>
-                        <a:t>1577</a:t>
-                      </a:r>
-                      <a:endParaRPr lang="en-US" dirty="0"/>
-                    </a:p>
-                  </a:txBody>
-                  <a:tcPr/>
-                </a:tc>
-                <a:tc>
-                  <a:txBody>
-                    <a:bodyPr/>
-                    <a:lstStyle/>
-                    <a:p>
-                      <a:pPr algn="ctr"/>
-                      <a:r>
-                        <a:rPr lang="en-US" dirty="0" smtClean="0"/>
-                        <a:t>1703</a:t>
-                      </a:r>
-                      <a:endParaRPr lang="en-US" dirty="0"/>
-                    </a:p>
-                  </a:txBody>
-                  <a:tcPr/>
-                </a:tc>
-                <a:tc>
-                  <a:txBody>
-                    <a:bodyPr/>
-                    <a:lstStyle/>
-                    <a:p>
-                      <a:pPr algn="ctr"/>
-                      <a:r>
-                        <a:rPr lang="en-US" dirty="0" smtClean="0"/>
-                        <a:t>1829</a:t>
-                      </a:r>
-                      <a:endParaRPr lang="en-US" dirty="0"/>
-                    </a:p>
-                  </a:txBody>
-                  <a:tcPr/>
-                </a:tc>
-                <a:tc>
-                  <a:txBody>
-                    <a:bodyPr/>
-                    <a:lstStyle/>
-                    <a:p>
-                      <a:pPr algn="ctr"/>
-                      <a:r>
-                        <a:rPr lang="en-US" dirty="0" smtClean="0"/>
-                        <a:t>1955</a:t>
-                      </a:r>
-                      <a:endParaRPr lang="en-US" dirty="0"/>
-                    </a:p>
-                  </a:txBody>
-                  <a:tcPr/>
-                </a:tc>
-              </a:tr>
-            </a:tbl>
-          </a:graphicData>
-        </a:graphic>
-      </p:graphicFrame>
-      <p:sp>
-        <p:nvSpPr>
-          <p:cNvPr id="10" name="TextBox 9"/>
-          <p:cNvSpPr txBox="1"/>
-          <p:nvPr/>
-        </p:nvSpPr>
-        <p:spPr>
-          <a:xfrm>
-            <a:off x="914400" y="2743200"/>
-            <a:ext cx="7467600" cy="369332"/>
-          </a:xfrm>
-          <a:prstGeom prst="rect">
-            <a:avLst/>
-          </a:prstGeom>
-          <a:noFill/>
-        </p:spPr>
-        <p:txBody>
-          <a:bodyPr wrap="square" rtlCol="0">
-            <a:spAutoFit/>
-          </a:bodyPr>
-          <a:lstStyle/>
-          <a:p>
-            <a:r>
-              <a:rPr lang="en-US" dirty="0" smtClean="0"/>
-              <a:t>Effect of Early, Normal, or Delayed Retirement on SSA Benefit Amount (2012)</a:t>
-            </a:r>
-            <a:endParaRPr lang="en-US" dirty="0"/>
+      <p:sp>
+        <p:nvSpPr>
+          <p:cNvPr id="6" name="Date Placeholder 5"/>
+          <p:cNvSpPr>
+            <a:spLocks noGrp="1"/>
+          </p:cNvSpPr>
+          <p:nvPr>
+            <p:ph type="dt" sz="half" idx="10"/>
+          </p:nvPr>
+        </p:nvSpPr>
+        <p:spPr/>
+        <p:txBody>
+          <a:bodyPr/>
+          <a:lstStyle/>
+          <a:p>
+            <a:fld id="{C506DEB2-D927-499A-A43C-D1C78C983A39}" type="datetime1">
+              <a:rPr lang="en-US" smtClean="0"/>
+              <a:t>12/10/2014</a:t>
+            </a:fld>
+            <a:endParaRPr lang="en-US"/>
+          </a:p>
+        </p:txBody>
+      </p:sp>
+      <p:sp>
+        <p:nvSpPr>
+          <p:cNvPr id="7" name="Slide Number Placeholder 6"/>
+          <p:cNvSpPr>
+            <a:spLocks noGrp="1"/>
+          </p:cNvSpPr>
+          <p:nvPr>
+            <p:ph type="sldNum" sz="quarter" idx="12"/>
+          </p:nvPr>
+        </p:nvSpPr>
+        <p:spPr/>
+        <p:txBody>
+          <a:bodyPr/>
+          <a:lstStyle/>
+          <a:p>
+            <a:fld id="{61A8A087-BDC4-42FE-8768-63148BB52561}" type="slidenum">
+              <a:rPr lang="en-US" smtClean="0"/>
+              <a:pPr/>
+              <a:t>20</a:t>
+            </a:fld>
+            <a:endParaRPr lang="en-US"/>
+          </a:p>
+        </p:txBody>
+      </p:sp>
+      <p:sp>
+        <p:nvSpPr>
+          <p:cNvPr id="8" name="Footer Placeholder 7"/>
+          <p:cNvSpPr>
+            <a:spLocks noGrp="1"/>
+          </p:cNvSpPr>
+          <p:nvPr>
+            <p:ph type="ftr" sz="quarter" idx="11"/>
+          </p:nvPr>
+        </p:nvSpPr>
+        <p:spPr/>
+        <p:txBody>
+          <a:bodyPr/>
+          <a:lstStyle/>
+          <a:p>
+            <a:r>
+              <a:rPr lang="en-US" smtClean="0"/>
+              <a:t>IS609 MSDA CUNY</a:t>
+            </a:r>
+            <a:endParaRPr lang="en-US"/>
           </a:p>
         </p:txBody>
       </p:sp>
@@ -8145,7 +8736,7 @@
 </file>
 
 <file path=ppt/slides/slide21.xml><?xml version="1.0" encoding="utf-8"?>
-<p:sld xmlns:a="http://schemas.openxmlformats.org/drawingml/2006/main" xmlns:r="http://schemas.openxmlformats.org/officeDocument/2006/relationships" xmlns:mc="http://schemas.openxmlformats.org/markup-compatibility/2006" xmlns:mv="urn:schemas-microsoft-com:mac:vml" xmlns:p="http://schemas.openxmlformats.org/presentationml/2006/main" mc:Ignorable="mv" mc:PreserveAttributes="mv:*">
+<p:sld xmlns:a="http://schemas.openxmlformats.org/drawingml/2006/main" xmlns:r="http://schemas.openxmlformats.org/officeDocument/2006/relationships" xmlns:p="http://schemas.openxmlformats.org/presentationml/2006/main">
   <p:cSld>
     <p:spTree>
       <p:nvGrpSpPr>
@@ -8192,29 +8783,135 @@
                 </a:solidFill>
                 <a:latin typeface="Arial Narrow"/>
               </a:rPr>
-              <a:t>Modeling When to </a:t>
-            </a:r>
-            <a:r>
-              <a:rPr lang="en-US" sz="3000" dirty="0" smtClean="0">
+              <a:t>Modeling When to Retire</a:t>
+            </a:r>
+            <a:endParaRPr dirty="0"/>
+          </a:p>
+        </p:txBody>
+      </p:sp>
+      <p:sp>
+        <p:nvSpPr>
+          <p:cNvPr id="205" name="TextShape 2"/>
+          <p:cNvSpPr txBox="1"/>
+          <p:nvPr/>
+        </p:nvSpPr>
+        <p:spPr>
+          <a:xfrm>
+            <a:off x="609480" y="1143000"/>
+            <a:ext cx="7924320" cy="1447800"/>
+          </a:xfrm>
+          <a:prstGeom prst="rect">
+            <a:avLst/>
+          </a:prstGeom>
+        </p:spPr>
+        <p:txBody>
+          <a:bodyPr/>
+          <a:lstStyle/>
+          <a:p>
+            <a:pPr>
+              <a:lnSpc>
+                <a:spcPct val="100000"/>
+              </a:lnSpc>
+              <a:spcAft>
+                <a:spcPts val="600"/>
+              </a:spcAft>
+            </a:pPr>
+            <a:r>
+              <a:rPr lang="en-US" sz="1700" dirty="0">
                 <a:solidFill>
                   <a:srgbClr val="FFFFFF"/>
                 </a:solidFill>
                 <a:latin typeface="Arial Narrow"/>
               </a:rPr>
-              <a:t>Retire</a:t>
-            </a:r>
-            <a:r>
-              <a:rPr lang="en-US" dirty="0" smtClean="0"/>
-              <a:t> [</a:t>
-            </a:r>
-            <a:r>
-              <a:rPr lang="en-US" dirty="0" err="1" smtClean="0"/>
-              <a:t>contd</a:t>
-            </a:r>
-            <a:r>
-              <a:rPr lang="en-US" dirty="0" smtClean="0"/>
-              <a:t>…]</a:t>
-            </a:r>
+              <a:t>Assumptions for Modeling: </a:t>
+            </a:r>
+            <a:endParaRPr dirty="0" smtClean="0"/>
+          </a:p>
+          <a:p>
+            <a:pPr>
+              <a:lnSpc>
+                <a:spcPct val="100000"/>
+              </a:lnSpc>
+              <a:spcAft>
+                <a:spcPts val="600"/>
+              </a:spcAft>
+              <a:buClr>
+                <a:schemeClr val="tx2"/>
+              </a:buClr>
+              <a:buFont typeface="Arial"/>
+              <a:buChar char="•"/>
+            </a:pPr>
+            <a:r>
+              <a:rPr lang="en-US" sz="1700" dirty="0" smtClean="0">
+                <a:solidFill>
+                  <a:srgbClr val="FFFFFF"/>
+                </a:solidFill>
+                <a:latin typeface="Arial Narrow"/>
+              </a:rPr>
+              <a:t> Start </a:t>
+            </a:r>
+            <a:r>
+              <a:rPr lang="en-US" sz="1700" dirty="0">
+                <a:solidFill>
+                  <a:srgbClr val="FFFFFF"/>
+                </a:solidFill>
+                <a:latin typeface="Arial Narrow"/>
+              </a:rPr>
+              <a:t>working at age 22 and live until the average age of 85.45.</a:t>
+            </a:r>
+            <a:endParaRPr dirty="0" smtClean="0"/>
+          </a:p>
+          <a:p>
+            <a:pPr>
+              <a:lnSpc>
+                <a:spcPct val="100000"/>
+              </a:lnSpc>
+              <a:spcAft>
+                <a:spcPts val="600"/>
+              </a:spcAft>
+              <a:buClr>
+                <a:schemeClr val="tx2"/>
+              </a:buClr>
+              <a:buFont typeface="Arial"/>
+              <a:buChar char="•"/>
+            </a:pPr>
+            <a:r>
+              <a:rPr lang="en-US" sz="1700" dirty="0" smtClean="0">
+                <a:solidFill>
+                  <a:srgbClr val="FFFFFF"/>
+                </a:solidFill>
+                <a:latin typeface="Arial Narrow"/>
+              </a:rPr>
+              <a:t> Start </a:t>
+            </a:r>
+            <a:r>
+              <a:rPr lang="en-US" sz="1700" dirty="0">
+                <a:solidFill>
+                  <a:srgbClr val="FFFFFF"/>
+                </a:solidFill>
+                <a:latin typeface="Arial Narrow"/>
+              </a:rPr>
+              <a:t>contribution to 401K at 22 with initial contribution of $8,500 and $17,500 thereafter</a:t>
+            </a:r>
+            <a:r>
+              <a:rPr lang="en-US" sz="1700" dirty="0" smtClean="0">
+                <a:solidFill>
+                  <a:srgbClr val="FFFFFF"/>
+                </a:solidFill>
+                <a:latin typeface="Arial Narrow"/>
+              </a:rPr>
+              <a:t>.</a:t>
+            </a:r>
+            <a:endParaRPr dirty="0" smtClean="0"/>
+          </a:p>
+          <a:p>
+            <a:pPr>
+              <a:lnSpc>
+                <a:spcPct val="100000"/>
+              </a:lnSpc>
+              <a:buFont typeface="Arial"/>
+              <a:buChar char="•"/>
+            </a:pPr>
             <a:endParaRPr dirty="0"/>
           </a:p>
         </p:txBody>
@@ -8259,40 +8956,514 @@
           </a:ln>
         </p:spPr>
       </p:sp>
-      <p:pic>
-        <p:nvPicPr>
-          <p:cNvPr id="9" name="Picture 8" descr="401k-FS-2014.png"/>
-          <p:cNvPicPr>
-            <a:picLocks noChangeAspect="1"/>
-          </p:cNvPicPr>
+      <p:graphicFrame>
+        <p:nvGraphicFramePr>
+          <p:cNvPr id="8" name="Table 7"/>
+          <p:cNvGraphicFramePr>
+            <a:graphicFrameLocks noGrp="1"/>
+          </p:cNvGraphicFramePr>
           <p:nvPr/>
-        </p:nvPicPr>
-        <p:blipFill>
-          <a:blip r:embed="rId2"/>
-          <a:stretch>
-            <a:fillRect/>
-          </a:stretch>
-        </p:blipFill>
+        </p:nvGraphicFramePr>
+        <p:xfrm>
+          <a:off x="914400" y="3276600"/>
+          <a:ext cx="7467600" cy="1651000"/>
+        </p:xfrm>
+        <a:graphic>
+          <a:graphicData uri="http://schemas.openxmlformats.org/drawingml/2006/table">
+            <a:tbl>
+              <a:tblPr firstRow="1" firstCol="1" bandRow="1">
+                <a:tableStyleId>{21E4AEA4-8DFA-4A89-87EB-49C32662AFE0}</a:tableStyleId>
+              </a:tblPr>
+              <a:tblGrid>
+                <a:gridCol w="990600"/>
+                <a:gridCol w="609600"/>
+                <a:gridCol w="640080"/>
+                <a:gridCol w="746760"/>
+                <a:gridCol w="746760"/>
+                <a:gridCol w="746760"/>
+                <a:gridCol w="746760"/>
+                <a:gridCol w="746760"/>
+                <a:gridCol w="746760"/>
+                <a:gridCol w="746760"/>
+              </a:tblGrid>
+              <a:tr h="370840">
+                <a:tc>
+                  <a:txBody>
+                    <a:bodyPr/>
+                    <a:lstStyle/>
+                    <a:p>
+                      <a:pPr algn="ctr"/>
+                      <a:r>
+                        <a:rPr lang="en-US" dirty="0" smtClean="0"/>
+                        <a:t>Age</a:t>
+                      </a:r>
+                      <a:endParaRPr lang="en-US" dirty="0"/>
+                    </a:p>
+                  </a:txBody>
+                  <a:tcPr/>
+                </a:tc>
+                <a:tc>
+                  <a:txBody>
+                    <a:bodyPr/>
+                    <a:lstStyle/>
+                    <a:p>
+                      <a:pPr algn="ctr"/>
+                      <a:r>
+                        <a:rPr lang="en-US" dirty="0" smtClean="0"/>
+                        <a:t>62</a:t>
+                      </a:r>
+                      <a:endParaRPr lang="en-US" dirty="0"/>
+                    </a:p>
+                  </a:txBody>
+                  <a:tcPr/>
+                </a:tc>
+                <a:tc>
+                  <a:txBody>
+                    <a:bodyPr/>
+                    <a:lstStyle/>
+                    <a:p>
+                      <a:pPr algn="ctr"/>
+                      <a:r>
+                        <a:rPr lang="en-US" dirty="0" smtClean="0"/>
+                        <a:t>63</a:t>
+                      </a:r>
+                      <a:endParaRPr lang="en-US" dirty="0"/>
+                    </a:p>
+                  </a:txBody>
+                  <a:tcPr/>
+                </a:tc>
+                <a:tc>
+                  <a:txBody>
+                    <a:bodyPr/>
+                    <a:lstStyle/>
+                    <a:p>
+                      <a:pPr algn="ctr"/>
+                      <a:r>
+                        <a:rPr lang="en-US" dirty="0" smtClean="0"/>
+                        <a:t>64</a:t>
+                      </a:r>
+                      <a:endParaRPr lang="en-US" dirty="0"/>
+                    </a:p>
+                  </a:txBody>
+                  <a:tcPr/>
+                </a:tc>
+                <a:tc>
+                  <a:txBody>
+                    <a:bodyPr/>
+                    <a:lstStyle/>
+                    <a:p>
+                      <a:pPr algn="ctr"/>
+                      <a:r>
+                        <a:rPr lang="en-US" dirty="0" smtClean="0"/>
+                        <a:t>65</a:t>
+                      </a:r>
+                      <a:endParaRPr lang="en-US" dirty="0"/>
+                    </a:p>
+                  </a:txBody>
+                  <a:tcPr/>
+                </a:tc>
+                <a:tc>
+                  <a:txBody>
+                    <a:bodyPr/>
+                    <a:lstStyle/>
+                    <a:p>
+                      <a:pPr algn="ctr"/>
+                      <a:r>
+                        <a:rPr lang="en-US" dirty="0" smtClean="0"/>
+                        <a:t>66</a:t>
+                      </a:r>
+                      <a:endParaRPr lang="en-US" dirty="0"/>
+                    </a:p>
+                  </a:txBody>
+                  <a:tcPr/>
+                </a:tc>
+                <a:tc>
+                  <a:txBody>
+                    <a:bodyPr/>
+                    <a:lstStyle/>
+                    <a:p>
+                      <a:pPr algn="ctr"/>
+                      <a:r>
+                        <a:rPr lang="en-US" dirty="0" smtClean="0"/>
+                        <a:t>67</a:t>
+                      </a:r>
+                      <a:endParaRPr lang="en-US" dirty="0"/>
+                    </a:p>
+                  </a:txBody>
+                  <a:tcPr/>
+                </a:tc>
+                <a:tc>
+                  <a:txBody>
+                    <a:bodyPr/>
+                    <a:lstStyle/>
+                    <a:p>
+                      <a:pPr algn="ctr"/>
+                      <a:r>
+                        <a:rPr lang="en-US" dirty="0" smtClean="0"/>
+                        <a:t>68</a:t>
+                      </a:r>
+                      <a:endParaRPr lang="en-US" dirty="0"/>
+                    </a:p>
+                  </a:txBody>
+                  <a:tcPr/>
+                </a:tc>
+                <a:tc>
+                  <a:txBody>
+                    <a:bodyPr/>
+                    <a:lstStyle/>
+                    <a:p>
+                      <a:pPr algn="ctr"/>
+                      <a:r>
+                        <a:rPr lang="en-US" dirty="0" smtClean="0"/>
+                        <a:t>69</a:t>
+                      </a:r>
+                      <a:endParaRPr lang="en-US" dirty="0"/>
+                    </a:p>
+                  </a:txBody>
+                  <a:tcPr/>
+                </a:tc>
+                <a:tc>
+                  <a:txBody>
+                    <a:bodyPr/>
+                    <a:lstStyle/>
+                    <a:p>
+                      <a:pPr algn="ctr"/>
+                      <a:r>
+                        <a:rPr lang="en-US" dirty="0" smtClean="0"/>
+                        <a:t>70</a:t>
+                      </a:r>
+                      <a:endParaRPr lang="en-US" dirty="0"/>
+                    </a:p>
+                  </a:txBody>
+                  <a:tcPr/>
+                </a:tc>
+              </a:tr>
+              <a:tr h="370840">
+                <a:tc>
+                  <a:txBody>
+                    <a:bodyPr/>
+                    <a:lstStyle/>
+                    <a:p>
+                      <a:pPr algn="ctr"/>
+                      <a:r>
+                        <a:rPr lang="en-US" dirty="0" smtClean="0"/>
+                        <a:t>Percent</a:t>
+                      </a:r>
+                      <a:r>
+                        <a:rPr lang="en-US" baseline="0" dirty="0" smtClean="0"/>
+                        <a:t> Benefit</a:t>
+                      </a:r>
+                      <a:endParaRPr lang="en-US" dirty="0"/>
+                    </a:p>
+                  </a:txBody>
+                  <a:tcPr/>
+                </a:tc>
+                <a:tc>
+                  <a:txBody>
+                    <a:bodyPr/>
+                    <a:lstStyle/>
+                    <a:p>
+                      <a:pPr algn="ctr"/>
+                      <a:r>
+                        <a:rPr lang="en-US" dirty="0" smtClean="0"/>
+                        <a:t>70</a:t>
+                      </a:r>
+                      <a:endParaRPr lang="en-US" dirty="0"/>
+                    </a:p>
+                  </a:txBody>
+                  <a:tcPr/>
+                </a:tc>
+                <a:tc>
+                  <a:txBody>
+                    <a:bodyPr/>
+                    <a:lstStyle/>
+                    <a:p>
+                      <a:pPr algn="ctr"/>
+                      <a:r>
+                        <a:rPr lang="en-US" dirty="0" smtClean="0"/>
+                        <a:t>75</a:t>
+                      </a:r>
+                      <a:endParaRPr lang="en-US" dirty="0"/>
+                    </a:p>
+                  </a:txBody>
+                  <a:tcPr/>
+                </a:tc>
+                <a:tc>
+                  <a:txBody>
+                    <a:bodyPr/>
+                    <a:lstStyle/>
+                    <a:p>
+                      <a:pPr algn="ctr"/>
+                      <a:r>
+                        <a:rPr lang="en-US" dirty="0" smtClean="0"/>
+                        <a:t>80</a:t>
+                      </a:r>
+                      <a:endParaRPr lang="en-US" dirty="0"/>
+                    </a:p>
+                  </a:txBody>
+                  <a:tcPr/>
+                </a:tc>
+                <a:tc>
+                  <a:txBody>
+                    <a:bodyPr/>
+                    <a:lstStyle/>
+                    <a:p>
+                      <a:pPr algn="ctr"/>
+                      <a:r>
+                        <a:rPr lang="en-US" dirty="0" smtClean="0"/>
+                        <a:t>86.66</a:t>
+                      </a:r>
+                      <a:endParaRPr lang="en-US" dirty="0"/>
+                    </a:p>
+                  </a:txBody>
+                  <a:tcPr/>
+                </a:tc>
+                <a:tc>
+                  <a:txBody>
+                    <a:bodyPr/>
+                    <a:lstStyle/>
+                    <a:p>
+                      <a:pPr algn="ctr"/>
+                      <a:r>
+                        <a:rPr lang="en-US" dirty="0" smtClean="0"/>
+                        <a:t>93.33</a:t>
+                      </a:r>
+                      <a:endParaRPr lang="en-US" dirty="0"/>
+                    </a:p>
+                  </a:txBody>
+                  <a:tcPr/>
+                </a:tc>
+                <a:tc>
+                  <a:txBody>
+                    <a:bodyPr/>
+                    <a:lstStyle/>
+                    <a:p>
+                      <a:pPr algn="ctr"/>
+                      <a:r>
+                        <a:rPr lang="en-US" dirty="0" smtClean="0"/>
+                        <a:t>100</a:t>
+                      </a:r>
+                      <a:endParaRPr lang="en-US" dirty="0"/>
+                    </a:p>
+                  </a:txBody>
+                  <a:tcPr/>
+                </a:tc>
+                <a:tc>
+                  <a:txBody>
+                    <a:bodyPr/>
+                    <a:lstStyle/>
+                    <a:p>
+                      <a:pPr algn="ctr"/>
+                      <a:r>
+                        <a:rPr lang="en-US" dirty="0" smtClean="0"/>
+                        <a:t>108</a:t>
+                      </a:r>
+                      <a:endParaRPr lang="en-US" dirty="0"/>
+                    </a:p>
+                  </a:txBody>
+                  <a:tcPr/>
+                </a:tc>
+                <a:tc>
+                  <a:txBody>
+                    <a:bodyPr/>
+                    <a:lstStyle/>
+                    <a:p>
+                      <a:pPr algn="ctr"/>
+                      <a:r>
+                        <a:rPr lang="en-US" dirty="0" smtClean="0"/>
+                        <a:t>116</a:t>
+                      </a:r>
+                      <a:endParaRPr lang="en-US" dirty="0"/>
+                    </a:p>
+                  </a:txBody>
+                  <a:tcPr/>
+                </a:tc>
+                <a:tc>
+                  <a:txBody>
+                    <a:bodyPr/>
+                    <a:lstStyle/>
+                    <a:p>
+                      <a:pPr algn="ctr"/>
+                      <a:r>
+                        <a:rPr lang="en-US" dirty="0" smtClean="0"/>
+                        <a:t>124</a:t>
+                      </a:r>
+                      <a:endParaRPr lang="en-US" dirty="0"/>
+                    </a:p>
+                  </a:txBody>
+                  <a:tcPr/>
+                </a:tc>
+              </a:tr>
+              <a:tr h="370840">
+                <a:tc>
+                  <a:txBody>
+                    <a:bodyPr/>
+                    <a:lstStyle/>
+                    <a:p>
+                      <a:pPr algn="ctr"/>
+                      <a:r>
+                        <a:rPr lang="en-US" dirty="0" smtClean="0"/>
+                        <a:t>Monthly</a:t>
+                      </a:r>
+                      <a:r>
+                        <a:rPr lang="en-US" baseline="0" dirty="0" smtClean="0"/>
+                        <a:t> Payout</a:t>
+                      </a:r>
+                      <a:endParaRPr lang="en-US" dirty="0"/>
+                    </a:p>
+                  </a:txBody>
+                  <a:tcPr/>
+                </a:tc>
+                <a:tc>
+                  <a:txBody>
+                    <a:bodyPr/>
+                    <a:lstStyle/>
+                    <a:p>
+                      <a:pPr algn="ctr"/>
+                      <a:r>
+                        <a:rPr lang="en-US" dirty="0" smtClean="0"/>
+                        <a:t>1104</a:t>
+                      </a:r>
+                      <a:endParaRPr lang="en-US" dirty="0"/>
+                    </a:p>
+                  </a:txBody>
+                  <a:tcPr/>
+                </a:tc>
+                <a:tc>
+                  <a:txBody>
+                    <a:bodyPr/>
+                    <a:lstStyle/>
+                    <a:p>
+                      <a:pPr algn="ctr"/>
+                      <a:r>
+                        <a:rPr lang="en-US" dirty="0" smtClean="0"/>
+                        <a:t>1183</a:t>
+                      </a:r>
+                      <a:endParaRPr lang="en-US" dirty="0"/>
+                    </a:p>
+                  </a:txBody>
+                  <a:tcPr/>
+                </a:tc>
+                <a:tc>
+                  <a:txBody>
+                    <a:bodyPr/>
+                    <a:lstStyle/>
+                    <a:p>
+                      <a:pPr algn="ctr"/>
+                      <a:r>
+                        <a:rPr lang="en-US" dirty="0" smtClean="0"/>
+                        <a:t>1262</a:t>
+                      </a:r>
+                      <a:endParaRPr lang="en-US" dirty="0"/>
+                    </a:p>
+                  </a:txBody>
+                  <a:tcPr/>
+                </a:tc>
+                <a:tc>
+                  <a:txBody>
+                    <a:bodyPr/>
+                    <a:lstStyle/>
+                    <a:p>
+                      <a:pPr algn="ctr"/>
+                      <a:r>
+                        <a:rPr lang="en-US" dirty="0" smtClean="0"/>
+                        <a:t>1367</a:t>
+                      </a:r>
+                      <a:endParaRPr lang="en-US" dirty="0"/>
+                    </a:p>
+                  </a:txBody>
+                  <a:tcPr/>
+                </a:tc>
+                <a:tc>
+                  <a:txBody>
+                    <a:bodyPr/>
+                    <a:lstStyle/>
+                    <a:p>
+                      <a:pPr algn="ctr"/>
+                      <a:r>
+                        <a:rPr lang="en-US" dirty="0" smtClean="0"/>
+                        <a:t>1472</a:t>
+                      </a:r>
+                      <a:endParaRPr lang="en-US" dirty="0"/>
+                    </a:p>
+                  </a:txBody>
+                  <a:tcPr/>
+                </a:tc>
+                <a:tc>
+                  <a:txBody>
+                    <a:bodyPr/>
+                    <a:lstStyle/>
+                    <a:p>
+                      <a:pPr algn="ctr"/>
+                      <a:r>
+                        <a:rPr lang="en-US" dirty="0" smtClean="0"/>
+                        <a:t>1577</a:t>
+                      </a:r>
+                      <a:endParaRPr lang="en-US" dirty="0"/>
+                    </a:p>
+                  </a:txBody>
+                  <a:tcPr/>
+                </a:tc>
+                <a:tc>
+                  <a:txBody>
+                    <a:bodyPr/>
+                    <a:lstStyle/>
+                    <a:p>
+                      <a:pPr algn="ctr"/>
+                      <a:r>
+                        <a:rPr lang="en-US" dirty="0" smtClean="0"/>
+                        <a:t>1703</a:t>
+                      </a:r>
+                      <a:endParaRPr lang="en-US" dirty="0"/>
+                    </a:p>
+                  </a:txBody>
+                  <a:tcPr/>
+                </a:tc>
+                <a:tc>
+                  <a:txBody>
+                    <a:bodyPr/>
+                    <a:lstStyle/>
+                    <a:p>
+                      <a:pPr algn="ctr"/>
+                      <a:r>
+                        <a:rPr lang="en-US" dirty="0" smtClean="0"/>
+                        <a:t>1829</a:t>
+                      </a:r>
+                      <a:endParaRPr lang="en-US" dirty="0"/>
+                    </a:p>
+                  </a:txBody>
+                  <a:tcPr/>
+                </a:tc>
+                <a:tc>
+                  <a:txBody>
+                    <a:bodyPr/>
+                    <a:lstStyle/>
+                    <a:p>
+                      <a:pPr algn="ctr"/>
+                      <a:r>
+                        <a:rPr lang="en-US" dirty="0" smtClean="0"/>
+                        <a:t>1955</a:t>
+                      </a:r>
+                      <a:endParaRPr lang="en-US" dirty="0"/>
+                    </a:p>
+                  </a:txBody>
+                  <a:tcPr/>
+                </a:tc>
+              </a:tr>
+            </a:tbl>
+          </a:graphicData>
+        </a:graphic>
+      </p:graphicFrame>
+      <p:sp>
+        <p:nvSpPr>
+          <p:cNvPr id="10" name="TextBox 9"/>
+          <p:cNvSpPr txBox="1"/>
+          <p:nvPr/>
+        </p:nvSpPr>
         <p:spPr>
           <a:xfrm>
-            <a:off x="1143000" y="1905000"/>
-            <a:ext cx="6781800" cy="3962400"/>
-          </a:xfrm>
-          <a:prstGeom prst="rect">
-            <a:avLst/>
-          </a:prstGeom>
-        </p:spPr>
-      </p:pic>
-      <p:sp>
-        <p:nvSpPr>
-          <p:cNvPr id="11" name="TextBox 10"/>
-          <p:cNvSpPr txBox="1"/>
-          <p:nvPr/>
-        </p:nvSpPr>
-        <p:spPr>
-          <a:xfrm>
-            <a:off x="1143000" y="1371600"/>
-            <a:ext cx="4419600" cy="369332"/>
+            <a:off x="914400" y="2743200"/>
+            <a:ext cx="7467600" cy="369332"/>
           </a:xfrm>
           <a:prstGeom prst="rect">
             <a:avLst/>
@@ -8307,9 +9478,79 @@
           <a:p>
             <a:r>
               <a:rPr lang="en-US" dirty="0" smtClean="0"/>
-              <a:t>401K Balance Throughout Contribution Period</a:t>
+              <a:t>Effect of Early, Normal, or Delayed Retirement on SSA Benefit Amount (2012)</a:t>
             </a:r>
             <a:endParaRPr lang="en-US" dirty="0"/>
+          </a:p>
+        </p:txBody>
+      </p:sp>
+      <p:sp>
+        <p:nvSpPr>
+          <p:cNvPr id="9" name="Date Placeholder 8"/>
+          <p:cNvSpPr>
+            <a:spLocks noGrp="1"/>
+          </p:cNvSpPr>
+          <p:nvPr>
+            <p:ph type="dt" sz="half" idx="10"/>
+          </p:nvPr>
+        </p:nvSpPr>
+        <p:spPr/>
+        <p:txBody>
+          <a:bodyPr/>
+          <a:lstStyle/>
+          <a:p>
+            <a:fld id="{6F8B6101-327E-4570-BD8F-B3F8B44FC4C6}" type="datetime1">
+              <a:rPr lang="en-US" smtClean="0"/>
+              <a:t>12/10/2014</a:t>
+            </a:fld>
+            <a:endParaRPr lang="en-US"/>
+          </a:p>
+        </p:txBody>
+      </p:sp>
+      <p:sp>
+        <p:nvSpPr>
+          <p:cNvPr id="11" name="Slide Number Placeholder 10"/>
+          <p:cNvSpPr>
+            <a:spLocks noGrp="1"/>
+          </p:cNvSpPr>
+          <p:nvPr>
+            <p:ph type="sldNum" sz="quarter" idx="12"/>
+          </p:nvPr>
+        </p:nvSpPr>
+        <p:spPr/>
+        <p:txBody>
+          <a:bodyPr/>
+          <a:lstStyle/>
+          <a:p>
+            <a:fld id="{61A8A087-BDC4-42FE-8768-63148BB52561}" type="slidenum">
+              <a:rPr lang="en-US" smtClean="0"/>
+              <a:pPr/>
+              <a:t>21</a:t>
+            </a:fld>
+            <a:endParaRPr lang="en-US"/>
+          </a:p>
+        </p:txBody>
+      </p:sp>
+      <p:sp>
+        <p:nvSpPr>
+          <p:cNvPr id="12" name="Footer Placeholder 11"/>
+          <p:cNvSpPr>
+            <a:spLocks noGrp="1"/>
+          </p:cNvSpPr>
+          <p:nvPr>
+            <p:ph type="ftr" sz="quarter" idx="11"/>
+          </p:nvPr>
+        </p:nvSpPr>
+        <p:spPr/>
+        <p:txBody>
+          <a:bodyPr/>
+          <a:lstStyle/>
+          <a:p>
+            <a:r>
+              <a:rPr lang="en-US" smtClean="0"/>
+              <a:t>IS609 MSDA CUNY</a:t>
+            </a:r>
+            <a:endParaRPr lang="en-US"/>
           </a:p>
         </p:txBody>
       </p:sp>
@@ -8349,7 +9590,7 @@
 </file>
 
 <file path=ppt/slides/slide22.xml><?xml version="1.0" encoding="utf-8"?>
-<p:sld xmlns:a="http://schemas.openxmlformats.org/drawingml/2006/main" xmlns:r="http://schemas.openxmlformats.org/officeDocument/2006/relationships" xmlns:mc="http://schemas.openxmlformats.org/markup-compatibility/2006" xmlns:mv="urn:schemas-microsoft-com:mac:vml" xmlns:p="http://schemas.openxmlformats.org/presentationml/2006/main" mc:Ignorable="mv" mc:PreserveAttributes="mv:*">
+<p:sld xmlns:a="http://schemas.openxmlformats.org/drawingml/2006/main" xmlns:r="http://schemas.openxmlformats.org/officeDocument/2006/relationships" xmlns:p="http://schemas.openxmlformats.org/presentationml/2006/main">
   <p:cSld>
     <p:spTree>
       <p:nvGrpSpPr>
@@ -8405,11 +9646,11 @@
                 </a:solidFill>
                 <a:latin typeface="Arial Narrow"/>
               </a:rPr>
-              <a:t>Retire </a:t>
+              <a:t>Retire</a:t>
             </a:r>
             <a:r>
               <a:rPr lang="en-US" dirty="0" smtClean="0"/>
-              <a:t>[</a:t>
+              <a:t> [</a:t>
             </a:r>
             <a:r>
               <a:rPr lang="en-US" dirty="0" err="1" smtClean="0"/>
@@ -8463,521 +9704,40 @@
           </a:ln>
         </p:spPr>
       </p:sp>
-      <p:graphicFrame>
-        <p:nvGraphicFramePr>
-          <p:cNvPr id="11" name="Table 10"/>
-          <p:cNvGraphicFramePr>
-            <a:graphicFrameLocks noGrp="1"/>
-          </p:cNvGraphicFramePr>
+      <p:pic>
+        <p:nvPicPr>
+          <p:cNvPr id="9" name="Picture 8" descr="401k-FS-2014.png"/>
+          <p:cNvPicPr>
+            <a:picLocks noChangeAspect="1"/>
+          </p:cNvPicPr>
           <p:nvPr/>
-        </p:nvGraphicFramePr>
-        <p:xfrm>
-          <a:off x="838200" y="2819400"/>
-          <a:ext cx="7467600" cy="1381760"/>
-        </p:xfrm>
-        <a:graphic>
-          <a:graphicData uri="http://schemas.openxmlformats.org/drawingml/2006/table">
-            <a:tbl>
-              <a:tblPr firstRow="1" firstCol="1" bandRow="1">
-                <a:tableStyleId>{21E4AEA4-8DFA-4A89-87EB-49C32662AFE0}</a:tableStyleId>
-              </a:tblPr>
-              <a:tblGrid>
-                <a:gridCol w="990600"/>
-                <a:gridCol w="609600"/>
-                <a:gridCol w="640080"/>
-                <a:gridCol w="746760"/>
-                <a:gridCol w="746760"/>
-                <a:gridCol w="746760"/>
-                <a:gridCol w="746760"/>
-                <a:gridCol w="746760"/>
-                <a:gridCol w="746760"/>
-                <a:gridCol w="746760"/>
-              </a:tblGrid>
-              <a:tr h="370840">
-                <a:tc>
-                  <a:txBody>
-                    <a:bodyPr/>
-                    <a:lstStyle/>
-                    <a:p>
-                      <a:pPr algn="ctr"/>
-                      <a:r>
-                        <a:rPr lang="en-US" dirty="0" smtClean="0"/>
-                        <a:t>Age</a:t>
-                      </a:r>
-                      <a:endParaRPr lang="en-US" dirty="0"/>
-                    </a:p>
-                  </a:txBody>
-                  <a:tcPr/>
-                </a:tc>
-                <a:tc>
-                  <a:txBody>
-                    <a:bodyPr/>
-                    <a:lstStyle/>
-                    <a:p>
-                      <a:pPr algn="ctr"/>
-                      <a:r>
-                        <a:rPr lang="en-US" dirty="0" smtClean="0"/>
-                        <a:t>62</a:t>
-                      </a:r>
-                      <a:endParaRPr lang="en-US" dirty="0"/>
-                    </a:p>
-                  </a:txBody>
-                  <a:tcPr/>
-                </a:tc>
-                <a:tc>
-                  <a:txBody>
-                    <a:bodyPr/>
-                    <a:lstStyle/>
-                    <a:p>
-                      <a:pPr algn="ctr"/>
-                      <a:r>
-                        <a:rPr lang="en-US" dirty="0" smtClean="0"/>
-                        <a:t>63</a:t>
-                      </a:r>
-                      <a:endParaRPr lang="en-US" dirty="0"/>
-                    </a:p>
-                  </a:txBody>
-                  <a:tcPr/>
-                </a:tc>
-                <a:tc>
-                  <a:txBody>
-                    <a:bodyPr/>
-                    <a:lstStyle/>
-                    <a:p>
-                      <a:pPr algn="ctr"/>
-                      <a:r>
-                        <a:rPr lang="en-US" dirty="0" smtClean="0"/>
-                        <a:t>64</a:t>
-                      </a:r>
-                      <a:endParaRPr lang="en-US" dirty="0"/>
-                    </a:p>
-                  </a:txBody>
-                  <a:tcPr/>
-                </a:tc>
-                <a:tc>
-                  <a:txBody>
-                    <a:bodyPr/>
-                    <a:lstStyle/>
-                    <a:p>
-                      <a:pPr algn="ctr"/>
-                      <a:r>
-                        <a:rPr lang="en-US" dirty="0" smtClean="0"/>
-                        <a:t>65</a:t>
-                      </a:r>
-                      <a:endParaRPr lang="en-US" dirty="0"/>
-                    </a:p>
-                  </a:txBody>
-                  <a:tcPr/>
-                </a:tc>
-                <a:tc>
-                  <a:txBody>
-                    <a:bodyPr/>
-                    <a:lstStyle/>
-                    <a:p>
-                      <a:pPr algn="ctr"/>
-                      <a:r>
-                        <a:rPr lang="en-US" dirty="0" smtClean="0"/>
-                        <a:t>66</a:t>
-                      </a:r>
-                      <a:endParaRPr lang="en-US" dirty="0"/>
-                    </a:p>
-                  </a:txBody>
-                  <a:tcPr/>
-                </a:tc>
-                <a:tc>
-                  <a:txBody>
-                    <a:bodyPr/>
-                    <a:lstStyle/>
-                    <a:p>
-                      <a:pPr algn="ctr"/>
-                      <a:r>
-                        <a:rPr lang="en-US" dirty="0" smtClean="0"/>
-                        <a:t>67</a:t>
-                      </a:r>
-                      <a:endParaRPr lang="en-US" dirty="0"/>
-                    </a:p>
-                  </a:txBody>
-                  <a:tcPr/>
-                </a:tc>
-                <a:tc>
-                  <a:txBody>
-                    <a:bodyPr/>
-                    <a:lstStyle/>
-                    <a:p>
-                      <a:pPr algn="ctr"/>
-                      <a:r>
-                        <a:rPr lang="en-US" dirty="0" smtClean="0"/>
-                        <a:t>68</a:t>
-                      </a:r>
-                      <a:endParaRPr lang="en-US" dirty="0"/>
-                    </a:p>
-                  </a:txBody>
-                  <a:tcPr/>
-                </a:tc>
-                <a:tc>
-                  <a:txBody>
-                    <a:bodyPr/>
-                    <a:lstStyle/>
-                    <a:p>
-                      <a:pPr algn="ctr"/>
-                      <a:r>
-                        <a:rPr lang="en-US" dirty="0" smtClean="0"/>
-                        <a:t>69</a:t>
-                      </a:r>
-                      <a:endParaRPr lang="en-US" dirty="0"/>
-                    </a:p>
-                  </a:txBody>
-                  <a:tcPr/>
-                </a:tc>
-                <a:tc>
-                  <a:txBody>
-                    <a:bodyPr/>
-                    <a:lstStyle/>
-                    <a:p>
-                      <a:pPr algn="ctr"/>
-                      <a:r>
-                        <a:rPr lang="en-US" dirty="0" smtClean="0"/>
-                        <a:t>70</a:t>
-                      </a:r>
-                      <a:endParaRPr lang="en-US" dirty="0"/>
-                    </a:p>
-                  </a:txBody>
-                  <a:tcPr/>
-                </a:tc>
-              </a:tr>
-              <a:tr h="370840">
-                <a:tc>
-                  <a:txBody>
-                    <a:bodyPr/>
-                    <a:lstStyle/>
-                    <a:p>
-                      <a:pPr algn="ctr"/>
-                      <a:r>
-                        <a:rPr lang="en-US" dirty="0" smtClean="0"/>
-                        <a:t>Monthly</a:t>
-                      </a:r>
-                    </a:p>
-                    <a:p>
-                      <a:pPr algn="ctr"/>
-                      <a:r>
-                        <a:rPr lang="en-US" dirty="0" smtClean="0"/>
-                        <a:t>Payout</a:t>
-                      </a:r>
-                      <a:endParaRPr lang="en-US" dirty="0"/>
-                    </a:p>
-                  </a:txBody>
-                  <a:tcPr/>
-                </a:tc>
-                <a:tc>
-                  <a:txBody>
-                    <a:bodyPr/>
-                    <a:lstStyle/>
-                    <a:p>
-                      <a:pPr algn="ctr"/>
-                      <a:r>
-                        <a:rPr lang="en-US" dirty="0" smtClean="0"/>
-                        <a:t>3826</a:t>
-                      </a:r>
-                      <a:endParaRPr lang="en-US" dirty="0"/>
-                    </a:p>
-                  </a:txBody>
-                  <a:tcPr/>
-                </a:tc>
-                <a:tc>
-                  <a:txBody>
-                    <a:bodyPr/>
-                    <a:lstStyle/>
-                    <a:p>
-                      <a:pPr algn="ctr"/>
-                      <a:r>
-                        <a:rPr lang="en-US" dirty="0" smtClean="0"/>
-                        <a:t>3835</a:t>
-                      </a:r>
-                      <a:endParaRPr lang="en-US" dirty="0"/>
-                    </a:p>
-                  </a:txBody>
-                  <a:tcPr/>
-                </a:tc>
-                <a:tc>
-                  <a:txBody>
-                    <a:bodyPr/>
-                    <a:lstStyle/>
-                    <a:p>
-                      <a:pPr algn="ctr"/>
-                      <a:r>
-                        <a:rPr lang="en-US" dirty="0" smtClean="0"/>
-                        <a:t>3841</a:t>
-                      </a:r>
-                      <a:endParaRPr lang="en-US" dirty="0"/>
-                    </a:p>
-                  </a:txBody>
-                  <a:tcPr/>
-                </a:tc>
-                <a:tc>
-                  <a:txBody>
-                    <a:bodyPr/>
-                    <a:lstStyle/>
-                    <a:p>
-                      <a:pPr algn="ctr"/>
-                      <a:r>
-                        <a:rPr lang="en-US" dirty="0" smtClean="0"/>
-                        <a:t>3851</a:t>
-                      </a:r>
-                      <a:endParaRPr lang="en-US" dirty="0"/>
-                    </a:p>
-                  </a:txBody>
-                  <a:tcPr/>
-                </a:tc>
-                <a:tc>
-                  <a:txBody>
-                    <a:bodyPr/>
-                    <a:lstStyle/>
-                    <a:p>
-                      <a:pPr algn="ctr"/>
-                      <a:r>
-                        <a:rPr lang="en-US" dirty="0" smtClean="0"/>
-                        <a:t>3859</a:t>
-                      </a:r>
-                      <a:endParaRPr lang="en-US" dirty="0"/>
-                    </a:p>
-                  </a:txBody>
-                  <a:tcPr/>
-                </a:tc>
-                <a:tc>
-                  <a:txBody>
-                    <a:bodyPr/>
-                    <a:lstStyle/>
-                    <a:p>
-                      <a:pPr algn="ctr"/>
-                      <a:r>
-                        <a:rPr lang="en-US" dirty="0" smtClean="0"/>
-                        <a:t>3864</a:t>
-                      </a:r>
-                      <a:endParaRPr lang="en-US" dirty="0"/>
-                    </a:p>
-                  </a:txBody>
-                  <a:tcPr/>
-                </a:tc>
-                <a:tc>
-                  <a:txBody>
-                    <a:bodyPr/>
-                    <a:lstStyle/>
-                    <a:p>
-                      <a:pPr algn="ctr"/>
-                      <a:r>
-                        <a:rPr lang="en-US" dirty="0" smtClean="0"/>
-                        <a:t>3872</a:t>
-                      </a:r>
-                      <a:endParaRPr lang="en-US" dirty="0"/>
-                    </a:p>
-                  </a:txBody>
-                  <a:tcPr/>
-                </a:tc>
-                <a:tc>
-                  <a:txBody>
-                    <a:bodyPr/>
-                    <a:lstStyle/>
-                    <a:p>
-                      <a:pPr algn="ctr"/>
-                      <a:r>
-                        <a:rPr lang="en-US" dirty="0" smtClean="0"/>
-                        <a:t>3876</a:t>
-                      </a:r>
-                      <a:endParaRPr lang="en-US" dirty="0"/>
-                    </a:p>
-                  </a:txBody>
-                  <a:tcPr/>
-                </a:tc>
-                <a:tc>
-                  <a:txBody>
-                    <a:bodyPr/>
-                    <a:lstStyle/>
-                    <a:p>
-                      <a:pPr algn="ctr"/>
-                      <a:r>
-                        <a:rPr lang="en-US" dirty="0" smtClean="0"/>
-                        <a:t>3877</a:t>
-                      </a:r>
-                      <a:endParaRPr lang="en-US" dirty="0"/>
-                    </a:p>
-                  </a:txBody>
-                  <a:tcPr/>
-                </a:tc>
-              </a:tr>
-              <a:tr h="370840">
-                <a:tc>
-                  <a:txBody>
-                    <a:bodyPr/>
-                    <a:lstStyle/>
-                    <a:p>
-                      <a:pPr algn="ctr"/>
-                      <a:r>
-                        <a:rPr lang="en-US" dirty="0" smtClean="0"/>
-                        <a:t>Total (</a:t>
-                      </a:r>
-                      <a:r>
-                        <a:rPr lang="en-US" dirty="0" err="1" smtClean="0"/>
-                        <a:t>k</a:t>
-                      </a:r>
-                      <a:r>
-                        <a:rPr lang="en-US" dirty="0" smtClean="0"/>
-                        <a:t>)</a:t>
-                      </a:r>
-                      <a:endParaRPr lang="en-US" dirty="0"/>
-                    </a:p>
-                  </a:txBody>
-                  <a:tcPr/>
-                </a:tc>
-                <a:tc>
-                  <a:txBody>
-                    <a:bodyPr/>
-                    <a:lstStyle/>
-                    <a:p>
-                      <a:pPr algn="ctr"/>
-                      <a:r>
-                        <a:rPr lang="en-US" dirty="0" smtClean="0"/>
-                        <a:t>3924</a:t>
-                      </a:r>
-                      <a:endParaRPr lang="en-US" dirty="0"/>
-                    </a:p>
-                  </a:txBody>
-                  <a:tcPr/>
-                </a:tc>
-                <a:tc>
-                  <a:txBody>
-                    <a:bodyPr/>
-                    <a:lstStyle/>
-                    <a:p>
-                      <a:pPr algn="ctr"/>
-                      <a:r>
-                        <a:rPr lang="en-US" dirty="0" smtClean="0"/>
-                        <a:t>3932</a:t>
-                      </a:r>
-                      <a:endParaRPr lang="en-US" dirty="0"/>
-                    </a:p>
-                  </a:txBody>
-                  <a:tcPr/>
-                </a:tc>
-                <a:tc>
-                  <a:txBody>
-                    <a:bodyPr/>
-                    <a:lstStyle/>
-                    <a:p>
-                      <a:pPr algn="ctr"/>
-                      <a:r>
-                        <a:rPr lang="en-US" dirty="0" smtClean="0"/>
-                        <a:t>3938</a:t>
-                      </a:r>
-                      <a:endParaRPr lang="en-US" dirty="0"/>
-                    </a:p>
-                  </a:txBody>
-                  <a:tcPr/>
-                </a:tc>
-                <a:tc>
-                  <a:txBody>
-                    <a:bodyPr/>
-                    <a:lstStyle/>
-                    <a:p>
-                      <a:pPr algn="ctr"/>
-                      <a:r>
-                        <a:rPr lang="en-US" dirty="0" smtClean="0"/>
-                        <a:t>3948</a:t>
-                      </a:r>
-                      <a:endParaRPr lang="en-US" dirty="0"/>
-                    </a:p>
-                  </a:txBody>
-                  <a:tcPr/>
-                </a:tc>
-                <a:tc>
-                  <a:txBody>
-                    <a:bodyPr/>
-                    <a:lstStyle/>
-                    <a:p>
-                      <a:pPr algn="ctr"/>
-                      <a:r>
-                        <a:rPr lang="en-US" dirty="0" smtClean="0"/>
-                        <a:t>3957</a:t>
-                      </a:r>
-                      <a:endParaRPr lang="en-US" dirty="0"/>
-                    </a:p>
-                  </a:txBody>
-                  <a:tcPr/>
-                </a:tc>
-                <a:tc>
-                  <a:txBody>
-                    <a:bodyPr/>
-                    <a:lstStyle/>
-                    <a:p>
-                      <a:pPr algn="ctr"/>
-                      <a:r>
-                        <a:rPr lang="en-US" dirty="0" smtClean="0"/>
-                        <a:t>3963</a:t>
-                      </a:r>
-                      <a:endParaRPr lang="en-US" dirty="0"/>
-                    </a:p>
-                  </a:txBody>
-                  <a:tcPr/>
-                </a:tc>
-                <a:tc>
-                  <a:txBody>
-                    <a:bodyPr/>
-                    <a:lstStyle/>
-                    <a:p>
-                      <a:pPr algn="ctr"/>
-                      <a:r>
-                        <a:rPr lang="en-US" dirty="0" smtClean="0"/>
-                        <a:t>3970</a:t>
-                      </a:r>
-                      <a:endParaRPr lang="en-US" dirty="0"/>
-                    </a:p>
-                  </a:txBody>
-                  <a:tcPr/>
-                </a:tc>
-                <a:tc>
-                  <a:txBody>
-                    <a:bodyPr/>
-                    <a:lstStyle/>
-                    <a:p>
-                      <a:pPr algn="ctr"/>
-                      <a:r>
-                        <a:rPr lang="en-US" dirty="0" smtClean="0"/>
-                        <a:t>3975</a:t>
-                      </a:r>
-                      <a:endParaRPr lang="en-US" dirty="0"/>
-                    </a:p>
-                  </a:txBody>
-                  <a:tcPr/>
-                </a:tc>
-                <a:tc>
-                  <a:txBody>
-                    <a:bodyPr/>
-                    <a:lstStyle/>
-                    <a:p>
-                      <a:pPr algn="ctr"/>
-                      <a:r>
-                        <a:rPr lang="en-US" dirty="0" smtClean="0"/>
-                        <a:t>3976</a:t>
-                      </a:r>
-                      <a:endParaRPr lang="en-US" dirty="0"/>
-                    </a:p>
-                  </a:txBody>
-                  <a:tcPr/>
-                </a:tc>
-              </a:tr>
-            </a:tbl>
-          </a:graphicData>
-        </a:graphic>
-      </p:graphicFrame>
-      <p:sp>
-        <p:nvSpPr>
-          <p:cNvPr id="12" name="TextBox 11"/>
+        </p:nvPicPr>
+        <p:blipFill>
+          <a:blip r:embed="rId2" cstate="print"/>
+          <a:stretch>
+            <a:fillRect/>
+          </a:stretch>
+        </p:blipFill>
+        <p:spPr>
+          <a:xfrm>
+            <a:off x="1143000" y="1905000"/>
+            <a:ext cx="6781800" cy="3962400"/>
+          </a:xfrm>
+          <a:prstGeom prst="rect">
+            <a:avLst/>
+          </a:prstGeom>
+        </p:spPr>
+      </p:pic>
+      <p:sp>
+        <p:nvSpPr>
+          <p:cNvPr id="11" name="TextBox 10"/>
           <p:cNvSpPr txBox="1"/>
           <p:nvPr/>
         </p:nvSpPr>
         <p:spPr>
           <a:xfrm>
-            <a:off x="838200" y="2286000"/>
-            <a:ext cx="7467600" cy="369332"/>
+            <a:off x="1143000" y="1371600"/>
+            <a:ext cx="4419600" cy="369332"/>
           </a:xfrm>
           <a:prstGeom prst="rect">
             <a:avLst/>
@@ -8992,7 +9752,7 @@
           <a:p>
             <a:r>
               <a:rPr lang="en-US" dirty="0" smtClean="0"/>
-              <a:t>Combined income from SSA benefits and 401K balance</a:t>
+              <a:t>401K Balance Throughout Contribution Period</a:t>
             </a:r>
             <a:endParaRPr lang="en-US" dirty="0"/>
           </a:p>
@@ -9000,65 +9760,71 @@
       </p:sp>
       <p:sp>
         <p:nvSpPr>
-          <p:cNvPr id="13" name="TextShape 2"/>
-          <p:cNvSpPr txBox="1"/>
-          <p:nvPr/>
-        </p:nvSpPr>
-        <p:spPr>
-          <a:xfrm>
-            <a:off x="609480" y="1143000"/>
-            <a:ext cx="7924320" cy="762000"/>
-          </a:xfrm>
-          <a:prstGeom prst="rect">
-            <a:avLst/>
-          </a:prstGeom>
-        </p:spPr>
+          <p:cNvPr id="7" name="Date Placeholder 6"/>
+          <p:cNvSpPr>
+            <a:spLocks noGrp="1"/>
+          </p:cNvSpPr>
+          <p:nvPr>
+            <p:ph type="dt" sz="half" idx="10"/>
+          </p:nvPr>
+        </p:nvSpPr>
+        <p:spPr/>
         <p:txBody>
           <a:bodyPr/>
           <a:lstStyle/>
           <a:p>
-            <a:pPr>
-              <a:lnSpc>
-                <a:spcPct val="100000"/>
-              </a:lnSpc>
-              <a:spcAft>
-                <a:spcPts val="600"/>
-              </a:spcAft>
-            </a:pPr>
-            <a:r>
-              <a:rPr lang="en-US" sz="1700" dirty="0" smtClean="0">
-                <a:solidFill>
-                  <a:srgbClr val="FFFFFF"/>
-                </a:solidFill>
-                <a:latin typeface="Arial Narrow"/>
-              </a:rPr>
-              <a:t>When starting withdrawal of 401K at the age of 62 :</a:t>
-            </a:r>
-            <a:endParaRPr dirty="0" smtClean="0"/>
-          </a:p>
-          <a:p>
-            <a:pPr>
-              <a:lnSpc>
-                <a:spcPct val="100000"/>
-              </a:lnSpc>
-              <a:spcAft>
-                <a:spcPts val="600"/>
-              </a:spcAft>
-              <a:buClr>
-                <a:schemeClr val="tx2"/>
-              </a:buClr>
-              <a:buFont typeface="Arial"/>
-              <a:buChar char="•"/>
-            </a:pPr>
-            <a:r>
-              <a:rPr lang="en-US" sz="1700" dirty="0" smtClean="0">
-                <a:solidFill>
-                  <a:srgbClr val="FFFFFF"/>
-                </a:solidFill>
-                <a:latin typeface="Arial Narrow"/>
-              </a:rPr>
-              <a:t> Varying the start of withdrawal for SSA .</a:t>
-            </a:r>
+            <a:fld id="{985EBC97-2B78-4573-8BDE-559ABD872730}" type="datetime1">
+              <a:rPr lang="en-US" smtClean="0"/>
+              <a:t>12/10/2014</a:t>
+            </a:fld>
+            <a:endParaRPr lang="en-US"/>
+          </a:p>
+        </p:txBody>
+      </p:sp>
+      <p:sp>
+        <p:nvSpPr>
+          <p:cNvPr id="8" name="Slide Number Placeholder 7"/>
+          <p:cNvSpPr>
+            <a:spLocks noGrp="1"/>
+          </p:cNvSpPr>
+          <p:nvPr>
+            <p:ph type="sldNum" sz="quarter" idx="12"/>
+          </p:nvPr>
+        </p:nvSpPr>
+        <p:spPr/>
+        <p:txBody>
+          <a:bodyPr/>
+          <a:lstStyle/>
+          <a:p>
+            <a:fld id="{61A8A087-BDC4-42FE-8768-63148BB52561}" type="slidenum">
+              <a:rPr lang="en-US" smtClean="0"/>
+              <a:pPr/>
+              <a:t>22</a:t>
+            </a:fld>
+            <a:endParaRPr lang="en-US"/>
+          </a:p>
+        </p:txBody>
+      </p:sp>
+      <p:sp>
+        <p:nvSpPr>
+          <p:cNvPr id="10" name="Footer Placeholder 9"/>
+          <p:cNvSpPr>
+            <a:spLocks noGrp="1"/>
+          </p:cNvSpPr>
+          <p:nvPr>
+            <p:ph type="ftr" sz="quarter" idx="11"/>
+          </p:nvPr>
+        </p:nvSpPr>
+        <p:spPr/>
+        <p:txBody>
+          <a:bodyPr/>
+          <a:lstStyle/>
+          <a:p>
+            <a:r>
+              <a:rPr lang="en-US" smtClean="0"/>
+              <a:t>IS609 MSDA CUNY</a:t>
+            </a:r>
+            <a:endParaRPr lang="en-US"/>
           </a:p>
         </p:txBody>
       </p:sp>
@@ -9098,7 +9864,7 @@
 </file>
 
 <file path=ppt/slides/slide23.xml><?xml version="1.0" encoding="utf-8"?>
-<p:sld xmlns:a="http://schemas.openxmlformats.org/drawingml/2006/main" xmlns:r="http://schemas.openxmlformats.org/officeDocument/2006/relationships" xmlns:mc="http://schemas.openxmlformats.org/markup-compatibility/2006" xmlns:mv="urn:schemas-microsoft-com:mac:vml" xmlns:p="http://schemas.openxmlformats.org/presentationml/2006/main" mc:Ignorable="mv" mc:PreserveAttributes="mv:*">
+<p:sld xmlns:a="http://schemas.openxmlformats.org/drawingml/2006/main" xmlns:r="http://schemas.openxmlformats.org/officeDocument/2006/relationships" xmlns:p="http://schemas.openxmlformats.org/presentationml/2006/main">
   <p:cSld>
     <p:spTree>
       <p:nvGrpSpPr>
@@ -9214,20 +9980,673 @@
       </p:sp>
       <p:graphicFrame>
         <p:nvGraphicFramePr>
-          <p:cNvPr id="9" name="Chart 8"/>
-          <p:cNvGraphicFramePr/>
+          <p:cNvPr id="11" name="Table 10"/>
+          <p:cNvGraphicFramePr>
+            <a:graphicFrameLocks noGrp="1"/>
+          </p:cNvGraphicFramePr>
           <p:nvPr/>
         </p:nvGraphicFramePr>
         <p:xfrm>
-          <a:off x="1524000" y="1397000"/>
-          <a:ext cx="6096000" cy="4064000"/>
+          <a:off x="838200" y="2819400"/>
+          <a:ext cx="7467600" cy="1381760"/>
         </p:xfrm>
         <a:graphic>
-          <a:graphicData uri="http://schemas.openxmlformats.org/drawingml/2006/chart">
-            <c:chart xmlns:c="http://schemas.openxmlformats.org/drawingml/2006/chart" xmlns:r="http://schemas.openxmlformats.org/officeDocument/2006/relationships" r:id="rId2"/>
+          <a:graphicData uri="http://schemas.openxmlformats.org/drawingml/2006/table">
+            <a:tbl>
+              <a:tblPr firstRow="1" firstCol="1" bandRow="1">
+                <a:tableStyleId>{21E4AEA4-8DFA-4A89-87EB-49C32662AFE0}</a:tableStyleId>
+              </a:tblPr>
+              <a:tblGrid>
+                <a:gridCol w="990600"/>
+                <a:gridCol w="609600"/>
+                <a:gridCol w="640080"/>
+                <a:gridCol w="746760"/>
+                <a:gridCol w="746760"/>
+                <a:gridCol w="746760"/>
+                <a:gridCol w="746760"/>
+                <a:gridCol w="746760"/>
+                <a:gridCol w="746760"/>
+                <a:gridCol w="746760"/>
+              </a:tblGrid>
+              <a:tr h="370840">
+                <a:tc>
+                  <a:txBody>
+                    <a:bodyPr/>
+                    <a:lstStyle/>
+                    <a:p>
+                      <a:pPr algn="ctr"/>
+                      <a:r>
+                        <a:rPr lang="en-US" dirty="0" smtClean="0"/>
+                        <a:t>Age</a:t>
+                      </a:r>
+                      <a:endParaRPr lang="en-US" dirty="0"/>
+                    </a:p>
+                  </a:txBody>
+                  <a:tcPr/>
+                </a:tc>
+                <a:tc>
+                  <a:txBody>
+                    <a:bodyPr/>
+                    <a:lstStyle/>
+                    <a:p>
+                      <a:pPr algn="ctr"/>
+                      <a:r>
+                        <a:rPr lang="en-US" dirty="0" smtClean="0"/>
+                        <a:t>62</a:t>
+                      </a:r>
+                      <a:endParaRPr lang="en-US" dirty="0"/>
+                    </a:p>
+                  </a:txBody>
+                  <a:tcPr/>
+                </a:tc>
+                <a:tc>
+                  <a:txBody>
+                    <a:bodyPr/>
+                    <a:lstStyle/>
+                    <a:p>
+                      <a:pPr algn="ctr"/>
+                      <a:r>
+                        <a:rPr lang="en-US" dirty="0" smtClean="0"/>
+                        <a:t>63</a:t>
+                      </a:r>
+                      <a:endParaRPr lang="en-US" dirty="0"/>
+                    </a:p>
+                  </a:txBody>
+                  <a:tcPr/>
+                </a:tc>
+                <a:tc>
+                  <a:txBody>
+                    <a:bodyPr/>
+                    <a:lstStyle/>
+                    <a:p>
+                      <a:pPr algn="ctr"/>
+                      <a:r>
+                        <a:rPr lang="en-US" dirty="0" smtClean="0"/>
+                        <a:t>64</a:t>
+                      </a:r>
+                      <a:endParaRPr lang="en-US" dirty="0"/>
+                    </a:p>
+                  </a:txBody>
+                  <a:tcPr/>
+                </a:tc>
+                <a:tc>
+                  <a:txBody>
+                    <a:bodyPr/>
+                    <a:lstStyle/>
+                    <a:p>
+                      <a:pPr algn="ctr"/>
+                      <a:r>
+                        <a:rPr lang="en-US" dirty="0" smtClean="0"/>
+                        <a:t>65</a:t>
+                      </a:r>
+                      <a:endParaRPr lang="en-US" dirty="0"/>
+                    </a:p>
+                  </a:txBody>
+                  <a:tcPr/>
+                </a:tc>
+                <a:tc>
+                  <a:txBody>
+                    <a:bodyPr/>
+                    <a:lstStyle/>
+                    <a:p>
+                      <a:pPr algn="ctr"/>
+                      <a:r>
+                        <a:rPr lang="en-US" dirty="0" smtClean="0"/>
+                        <a:t>66</a:t>
+                      </a:r>
+                      <a:endParaRPr lang="en-US" dirty="0"/>
+                    </a:p>
+                  </a:txBody>
+                  <a:tcPr/>
+                </a:tc>
+                <a:tc>
+                  <a:txBody>
+                    <a:bodyPr/>
+                    <a:lstStyle/>
+                    <a:p>
+                      <a:pPr algn="ctr"/>
+                      <a:r>
+                        <a:rPr lang="en-US" dirty="0" smtClean="0"/>
+                        <a:t>67</a:t>
+                      </a:r>
+                      <a:endParaRPr lang="en-US" dirty="0"/>
+                    </a:p>
+                  </a:txBody>
+                  <a:tcPr/>
+                </a:tc>
+                <a:tc>
+                  <a:txBody>
+                    <a:bodyPr/>
+                    <a:lstStyle/>
+                    <a:p>
+                      <a:pPr algn="ctr"/>
+                      <a:r>
+                        <a:rPr lang="en-US" dirty="0" smtClean="0"/>
+                        <a:t>68</a:t>
+                      </a:r>
+                      <a:endParaRPr lang="en-US" dirty="0"/>
+                    </a:p>
+                  </a:txBody>
+                  <a:tcPr/>
+                </a:tc>
+                <a:tc>
+                  <a:txBody>
+                    <a:bodyPr/>
+                    <a:lstStyle/>
+                    <a:p>
+                      <a:pPr algn="ctr"/>
+                      <a:r>
+                        <a:rPr lang="en-US" dirty="0" smtClean="0"/>
+                        <a:t>69</a:t>
+                      </a:r>
+                      <a:endParaRPr lang="en-US" dirty="0"/>
+                    </a:p>
+                  </a:txBody>
+                  <a:tcPr/>
+                </a:tc>
+                <a:tc>
+                  <a:txBody>
+                    <a:bodyPr/>
+                    <a:lstStyle/>
+                    <a:p>
+                      <a:pPr algn="ctr"/>
+                      <a:r>
+                        <a:rPr lang="en-US" dirty="0" smtClean="0"/>
+                        <a:t>70</a:t>
+                      </a:r>
+                      <a:endParaRPr lang="en-US" dirty="0"/>
+                    </a:p>
+                  </a:txBody>
+                  <a:tcPr/>
+                </a:tc>
+              </a:tr>
+              <a:tr h="370840">
+                <a:tc>
+                  <a:txBody>
+                    <a:bodyPr/>
+                    <a:lstStyle/>
+                    <a:p>
+                      <a:pPr algn="ctr"/>
+                      <a:r>
+                        <a:rPr lang="en-US" dirty="0" smtClean="0"/>
+                        <a:t>Monthly</a:t>
+                      </a:r>
+                    </a:p>
+                    <a:p>
+                      <a:pPr algn="ctr"/>
+                      <a:r>
+                        <a:rPr lang="en-US" dirty="0" smtClean="0"/>
+                        <a:t>Payout</a:t>
+                      </a:r>
+                      <a:endParaRPr lang="en-US" dirty="0"/>
+                    </a:p>
+                  </a:txBody>
+                  <a:tcPr/>
+                </a:tc>
+                <a:tc>
+                  <a:txBody>
+                    <a:bodyPr/>
+                    <a:lstStyle/>
+                    <a:p>
+                      <a:pPr algn="ctr"/>
+                      <a:r>
+                        <a:rPr lang="en-US" dirty="0" smtClean="0"/>
+                        <a:t>3826</a:t>
+                      </a:r>
+                      <a:endParaRPr lang="en-US" dirty="0"/>
+                    </a:p>
+                  </a:txBody>
+                  <a:tcPr/>
+                </a:tc>
+                <a:tc>
+                  <a:txBody>
+                    <a:bodyPr/>
+                    <a:lstStyle/>
+                    <a:p>
+                      <a:pPr algn="ctr"/>
+                      <a:r>
+                        <a:rPr lang="en-US" dirty="0" smtClean="0"/>
+                        <a:t>3835</a:t>
+                      </a:r>
+                      <a:endParaRPr lang="en-US" dirty="0"/>
+                    </a:p>
+                  </a:txBody>
+                  <a:tcPr/>
+                </a:tc>
+                <a:tc>
+                  <a:txBody>
+                    <a:bodyPr/>
+                    <a:lstStyle/>
+                    <a:p>
+                      <a:pPr algn="ctr"/>
+                      <a:r>
+                        <a:rPr lang="en-US" dirty="0" smtClean="0"/>
+                        <a:t>3841</a:t>
+                      </a:r>
+                      <a:endParaRPr lang="en-US" dirty="0"/>
+                    </a:p>
+                  </a:txBody>
+                  <a:tcPr/>
+                </a:tc>
+                <a:tc>
+                  <a:txBody>
+                    <a:bodyPr/>
+                    <a:lstStyle/>
+                    <a:p>
+                      <a:pPr algn="ctr"/>
+                      <a:r>
+                        <a:rPr lang="en-US" dirty="0" smtClean="0"/>
+                        <a:t>3851</a:t>
+                      </a:r>
+                      <a:endParaRPr lang="en-US" dirty="0"/>
+                    </a:p>
+                  </a:txBody>
+                  <a:tcPr/>
+                </a:tc>
+                <a:tc>
+                  <a:txBody>
+                    <a:bodyPr/>
+                    <a:lstStyle/>
+                    <a:p>
+                      <a:pPr algn="ctr"/>
+                      <a:r>
+                        <a:rPr lang="en-US" dirty="0" smtClean="0"/>
+                        <a:t>3859</a:t>
+                      </a:r>
+                      <a:endParaRPr lang="en-US" dirty="0"/>
+                    </a:p>
+                  </a:txBody>
+                  <a:tcPr/>
+                </a:tc>
+                <a:tc>
+                  <a:txBody>
+                    <a:bodyPr/>
+                    <a:lstStyle/>
+                    <a:p>
+                      <a:pPr algn="ctr"/>
+                      <a:r>
+                        <a:rPr lang="en-US" dirty="0" smtClean="0"/>
+                        <a:t>3864</a:t>
+                      </a:r>
+                      <a:endParaRPr lang="en-US" dirty="0"/>
+                    </a:p>
+                  </a:txBody>
+                  <a:tcPr/>
+                </a:tc>
+                <a:tc>
+                  <a:txBody>
+                    <a:bodyPr/>
+                    <a:lstStyle/>
+                    <a:p>
+                      <a:pPr algn="ctr"/>
+                      <a:r>
+                        <a:rPr lang="en-US" dirty="0" smtClean="0"/>
+                        <a:t>3872</a:t>
+                      </a:r>
+                      <a:endParaRPr lang="en-US" dirty="0"/>
+                    </a:p>
+                  </a:txBody>
+                  <a:tcPr/>
+                </a:tc>
+                <a:tc>
+                  <a:txBody>
+                    <a:bodyPr/>
+                    <a:lstStyle/>
+                    <a:p>
+                      <a:pPr algn="ctr"/>
+                      <a:r>
+                        <a:rPr lang="en-US" dirty="0" smtClean="0"/>
+                        <a:t>3876</a:t>
+                      </a:r>
+                      <a:endParaRPr lang="en-US" dirty="0"/>
+                    </a:p>
+                  </a:txBody>
+                  <a:tcPr/>
+                </a:tc>
+                <a:tc>
+                  <a:txBody>
+                    <a:bodyPr/>
+                    <a:lstStyle/>
+                    <a:p>
+                      <a:pPr algn="ctr"/>
+                      <a:r>
+                        <a:rPr lang="en-US" dirty="0" smtClean="0"/>
+                        <a:t>3877</a:t>
+                      </a:r>
+                      <a:endParaRPr lang="en-US" dirty="0"/>
+                    </a:p>
+                  </a:txBody>
+                  <a:tcPr/>
+                </a:tc>
+              </a:tr>
+              <a:tr h="370840">
+                <a:tc>
+                  <a:txBody>
+                    <a:bodyPr/>
+                    <a:lstStyle/>
+                    <a:p>
+                      <a:pPr algn="ctr"/>
+                      <a:r>
+                        <a:rPr lang="en-US" dirty="0" smtClean="0"/>
+                        <a:t>Total (</a:t>
+                      </a:r>
+                      <a:r>
+                        <a:rPr lang="en-US" dirty="0" err="1" smtClean="0"/>
+                        <a:t>k</a:t>
+                      </a:r>
+                      <a:r>
+                        <a:rPr lang="en-US" dirty="0" smtClean="0"/>
+                        <a:t>)</a:t>
+                      </a:r>
+                      <a:endParaRPr lang="en-US" dirty="0"/>
+                    </a:p>
+                  </a:txBody>
+                  <a:tcPr/>
+                </a:tc>
+                <a:tc>
+                  <a:txBody>
+                    <a:bodyPr/>
+                    <a:lstStyle/>
+                    <a:p>
+                      <a:pPr algn="ctr"/>
+                      <a:r>
+                        <a:rPr lang="en-US" dirty="0" smtClean="0"/>
+                        <a:t>3924</a:t>
+                      </a:r>
+                      <a:endParaRPr lang="en-US" dirty="0"/>
+                    </a:p>
+                  </a:txBody>
+                  <a:tcPr/>
+                </a:tc>
+                <a:tc>
+                  <a:txBody>
+                    <a:bodyPr/>
+                    <a:lstStyle/>
+                    <a:p>
+                      <a:pPr algn="ctr"/>
+                      <a:r>
+                        <a:rPr lang="en-US" dirty="0" smtClean="0"/>
+                        <a:t>3932</a:t>
+                      </a:r>
+                      <a:endParaRPr lang="en-US" dirty="0"/>
+                    </a:p>
+                  </a:txBody>
+                  <a:tcPr/>
+                </a:tc>
+                <a:tc>
+                  <a:txBody>
+                    <a:bodyPr/>
+                    <a:lstStyle/>
+                    <a:p>
+                      <a:pPr algn="ctr"/>
+                      <a:r>
+                        <a:rPr lang="en-US" dirty="0" smtClean="0"/>
+                        <a:t>3938</a:t>
+                      </a:r>
+                      <a:endParaRPr lang="en-US" dirty="0"/>
+                    </a:p>
+                  </a:txBody>
+                  <a:tcPr/>
+                </a:tc>
+                <a:tc>
+                  <a:txBody>
+                    <a:bodyPr/>
+                    <a:lstStyle/>
+                    <a:p>
+                      <a:pPr algn="ctr"/>
+                      <a:r>
+                        <a:rPr lang="en-US" dirty="0" smtClean="0"/>
+                        <a:t>3948</a:t>
+                      </a:r>
+                      <a:endParaRPr lang="en-US" dirty="0"/>
+                    </a:p>
+                  </a:txBody>
+                  <a:tcPr/>
+                </a:tc>
+                <a:tc>
+                  <a:txBody>
+                    <a:bodyPr/>
+                    <a:lstStyle/>
+                    <a:p>
+                      <a:pPr algn="ctr"/>
+                      <a:r>
+                        <a:rPr lang="en-US" dirty="0" smtClean="0"/>
+                        <a:t>3957</a:t>
+                      </a:r>
+                      <a:endParaRPr lang="en-US" dirty="0"/>
+                    </a:p>
+                  </a:txBody>
+                  <a:tcPr/>
+                </a:tc>
+                <a:tc>
+                  <a:txBody>
+                    <a:bodyPr/>
+                    <a:lstStyle/>
+                    <a:p>
+                      <a:pPr algn="ctr"/>
+                      <a:r>
+                        <a:rPr lang="en-US" dirty="0" smtClean="0"/>
+                        <a:t>3963</a:t>
+                      </a:r>
+                      <a:endParaRPr lang="en-US" dirty="0"/>
+                    </a:p>
+                  </a:txBody>
+                  <a:tcPr/>
+                </a:tc>
+                <a:tc>
+                  <a:txBody>
+                    <a:bodyPr/>
+                    <a:lstStyle/>
+                    <a:p>
+                      <a:pPr algn="ctr"/>
+                      <a:r>
+                        <a:rPr lang="en-US" dirty="0" smtClean="0"/>
+                        <a:t>3970</a:t>
+                      </a:r>
+                      <a:endParaRPr lang="en-US" dirty="0"/>
+                    </a:p>
+                  </a:txBody>
+                  <a:tcPr/>
+                </a:tc>
+                <a:tc>
+                  <a:txBody>
+                    <a:bodyPr/>
+                    <a:lstStyle/>
+                    <a:p>
+                      <a:pPr algn="ctr"/>
+                      <a:r>
+                        <a:rPr lang="en-US" dirty="0" smtClean="0"/>
+                        <a:t>3975</a:t>
+                      </a:r>
+                      <a:endParaRPr lang="en-US" dirty="0"/>
+                    </a:p>
+                  </a:txBody>
+                  <a:tcPr/>
+                </a:tc>
+                <a:tc>
+                  <a:txBody>
+                    <a:bodyPr/>
+                    <a:lstStyle/>
+                    <a:p>
+                      <a:pPr algn="ctr"/>
+                      <a:r>
+                        <a:rPr lang="en-US" dirty="0" smtClean="0"/>
+                        <a:t>3976</a:t>
+                      </a:r>
+                      <a:endParaRPr lang="en-US" dirty="0"/>
+                    </a:p>
+                  </a:txBody>
+                  <a:tcPr/>
+                </a:tc>
+              </a:tr>
+            </a:tbl>
           </a:graphicData>
         </a:graphic>
       </p:graphicFrame>
+      <p:sp>
+        <p:nvSpPr>
+          <p:cNvPr id="12" name="TextBox 11"/>
+          <p:cNvSpPr txBox="1"/>
+          <p:nvPr/>
+        </p:nvSpPr>
+        <p:spPr>
+          <a:xfrm>
+            <a:off x="838200" y="2286000"/>
+            <a:ext cx="7467600" cy="369332"/>
+          </a:xfrm>
+          <a:prstGeom prst="rect">
+            <a:avLst/>
+          </a:prstGeom>
+          <a:noFill/>
+        </p:spPr>
+        <p:txBody>
+          <a:bodyPr wrap="square" rtlCol="0">
+            <a:spAutoFit/>
+          </a:bodyPr>
+          <a:lstStyle/>
+          <a:p>
+            <a:r>
+              <a:rPr lang="en-US" dirty="0" smtClean="0"/>
+              <a:t>Combined income from SSA benefits and 401K balance</a:t>
+            </a:r>
+            <a:endParaRPr lang="en-US" dirty="0"/>
+          </a:p>
+        </p:txBody>
+      </p:sp>
+      <p:sp>
+        <p:nvSpPr>
+          <p:cNvPr id="13" name="TextShape 2"/>
+          <p:cNvSpPr txBox="1"/>
+          <p:nvPr/>
+        </p:nvSpPr>
+        <p:spPr>
+          <a:xfrm>
+            <a:off x="609480" y="1143000"/>
+            <a:ext cx="7924320" cy="762000"/>
+          </a:xfrm>
+          <a:prstGeom prst="rect">
+            <a:avLst/>
+          </a:prstGeom>
+        </p:spPr>
+        <p:txBody>
+          <a:bodyPr/>
+          <a:lstStyle/>
+          <a:p>
+            <a:pPr>
+              <a:lnSpc>
+                <a:spcPct val="100000"/>
+              </a:lnSpc>
+              <a:spcAft>
+                <a:spcPts val="600"/>
+              </a:spcAft>
+            </a:pPr>
+            <a:r>
+              <a:rPr lang="en-US" sz="1700" dirty="0" smtClean="0">
+                <a:solidFill>
+                  <a:srgbClr val="FFFFFF"/>
+                </a:solidFill>
+                <a:latin typeface="Arial Narrow"/>
+              </a:rPr>
+              <a:t>When starting withdrawal of 401K at the age of 62 :</a:t>
+            </a:r>
+            <a:endParaRPr dirty="0" smtClean="0"/>
+          </a:p>
+          <a:p>
+            <a:pPr>
+              <a:lnSpc>
+                <a:spcPct val="100000"/>
+              </a:lnSpc>
+              <a:spcAft>
+                <a:spcPts val="600"/>
+              </a:spcAft>
+              <a:buClr>
+                <a:schemeClr val="tx2"/>
+              </a:buClr>
+              <a:buFont typeface="Arial"/>
+              <a:buChar char="•"/>
+            </a:pPr>
+            <a:r>
+              <a:rPr lang="en-US" sz="1700" dirty="0" smtClean="0">
+                <a:solidFill>
+                  <a:srgbClr val="FFFFFF"/>
+                </a:solidFill>
+                <a:latin typeface="Arial Narrow"/>
+              </a:rPr>
+              <a:t> Varying the start of withdrawal for SSA .</a:t>
+            </a:r>
+          </a:p>
+        </p:txBody>
+      </p:sp>
+      <p:sp>
+        <p:nvSpPr>
+          <p:cNvPr id="8" name="Date Placeholder 7"/>
+          <p:cNvSpPr>
+            <a:spLocks noGrp="1"/>
+          </p:cNvSpPr>
+          <p:nvPr>
+            <p:ph type="dt" sz="half" idx="10"/>
+          </p:nvPr>
+        </p:nvSpPr>
+        <p:spPr/>
+        <p:txBody>
+          <a:bodyPr/>
+          <a:lstStyle/>
+          <a:p>
+            <a:fld id="{79306003-1E2C-44C9-A5A3-AFCBACEA528C}" type="datetime1">
+              <a:rPr lang="en-US" smtClean="0"/>
+              <a:t>12/10/2014</a:t>
+            </a:fld>
+            <a:endParaRPr lang="en-US"/>
+          </a:p>
+        </p:txBody>
+      </p:sp>
+      <p:sp>
+        <p:nvSpPr>
+          <p:cNvPr id="9" name="Slide Number Placeholder 8"/>
+          <p:cNvSpPr>
+            <a:spLocks noGrp="1"/>
+          </p:cNvSpPr>
+          <p:nvPr>
+            <p:ph type="sldNum" sz="quarter" idx="12"/>
+          </p:nvPr>
+        </p:nvSpPr>
+        <p:spPr/>
+        <p:txBody>
+          <a:bodyPr/>
+          <a:lstStyle/>
+          <a:p>
+            <a:fld id="{61A8A087-BDC4-42FE-8768-63148BB52561}" type="slidenum">
+              <a:rPr lang="en-US" smtClean="0"/>
+              <a:pPr/>
+              <a:t>23</a:t>
+            </a:fld>
+            <a:endParaRPr lang="en-US"/>
+          </a:p>
+        </p:txBody>
+      </p:sp>
+      <p:sp>
+        <p:nvSpPr>
+          <p:cNvPr id="10" name="Footer Placeholder 9"/>
+          <p:cNvSpPr>
+            <a:spLocks noGrp="1"/>
+          </p:cNvSpPr>
+          <p:nvPr>
+            <p:ph type="ftr" sz="quarter" idx="11"/>
+          </p:nvPr>
+        </p:nvSpPr>
+        <p:spPr/>
+        <p:txBody>
+          <a:bodyPr/>
+          <a:lstStyle/>
+          <a:p>
+            <a:r>
+              <a:rPr lang="en-US" smtClean="0"/>
+              <a:t>IS609 MSDA CUNY</a:t>
+            </a:r>
+            <a:endParaRPr lang="en-US"/>
+          </a:p>
+        </p:txBody>
+      </p:sp>
     </p:spTree>
   </p:cSld>
   <p:clrMapOvr>
@@ -9264,7 +10683,7 @@
 </file>
 
 <file path=ppt/slides/slide24.xml><?xml version="1.0" encoding="utf-8"?>
-<p:sld xmlns:a="http://schemas.openxmlformats.org/drawingml/2006/main" xmlns:r="http://schemas.openxmlformats.org/officeDocument/2006/relationships" xmlns:mc="http://schemas.openxmlformats.org/markup-compatibility/2006" xmlns:mv="urn:schemas-microsoft-com:mac:vml" xmlns:p="http://schemas.openxmlformats.org/presentationml/2006/main" mc:Ignorable="mv" mc:PreserveAttributes="mv:*">
+<p:sld xmlns:a="http://schemas.openxmlformats.org/drawingml/2006/main" xmlns:r="http://schemas.openxmlformats.org/officeDocument/2006/relationships" xmlns:p="http://schemas.openxmlformats.org/presentationml/2006/main">
   <p:cSld>
     <p:spTree>
       <p:nvGrpSpPr>
@@ -9282,7 +10701,7 @@
       </p:grpSpPr>
       <p:sp>
         <p:nvSpPr>
-          <p:cNvPr id="208" name="TextShape 1"/>
+          <p:cNvPr id="204" name="TextShape 1"/>
           <p:cNvSpPr txBox="1"/>
           <p:nvPr/>
         </p:nvSpPr>
@@ -9305,13 +10724,34 @@
               </a:lnSpc>
             </a:pPr>
             <a:r>
+              <a:rPr lang="en-US" sz="3000" dirty="0">
+                <a:solidFill>
+                  <a:srgbClr val="FFFFFF"/>
+                </a:solidFill>
+                <a:latin typeface="Arial Narrow"/>
+              </a:rPr>
+              <a:t>Modeling When to </a:t>
+            </a:r>
+            <a:r>
               <a:rPr lang="en-US" sz="3000" dirty="0" smtClean="0">
                 <a:solidFill>
                   <a:srgbClr val="FFFFFF"/>
                 </a:solidFill>
                 <a:latin typeface="Arial Narrow"/>
               </a:rPr>
-              <a:t>Conclusion</a:t>
+              <a:t>Retire </a:t>
+            </a:r>
+            <a:r>
+              <a:rPr lang="en-US" dirty="0" smtClean="0"/>
+              <a:t>[</a:t>
+            </a:r>
+            <a:r>
+              <a:rPr lang="en-US" dirty="0" err="1" smtClean="0"/>
+              <a:t>contd</a:t>
+            </a:r>
+            <a:r>
+              <a:rPr lang="en-US" dirty="0" smtClean="0"/>
+              <a:t>…]</a:t>
             </a:r>
             <a:endParaRPr dirty="0"/>
           </a:p>
@@ -9319,247 +10759,127 @@
       </p:sp>
       <p:sp>
         <p:nvSpPr>
-          <p:cNvPr id="209" name="TextShape 2"/>
-          <p:cNvSpPr txBox="1"/>
+          <p:cNvPr id="206" name="CustomShape 3"/>
+          <p:cNvSpPr/>
           <p:nvPr/>
         </p:nvSpPr>
         <p:spPr>
           <a:xfrm>
-            <a:off x="609480" y="1143000"/>
-            <a:ext cx="7924320" cy="4571640"/>
+            <a:off x="0" y="0"/>
+            <a:ext cx="9143640" cy="360"/>
           </a:xfrm>
           <a:prstGeom prst="rect">
             <a:avLst/>
           </a:prstGeom>
+          <a:noFill/>
+          <a:ln w="9360">
+            <a:noFill/>
+          </a:ln>
         </p:spPr>
+      </p:sp>
+      <p:sp>
+        <p:nvSpPr>
+          <p:cNvPr id="207" name="CustomShape 4"/>
+          <p:cNvSpPr/>
+          <p:nvPr/>
+        </p:nvSpPr>
+        <p:spPr>
+          <a:xfrm>
+            <a:off x="0" y="0"/>
+            <a:ext cx="9143640" cy="360"/>
+          </a:xfrm>
+          <a:prstGeom prst="rect">
+            <a:avLst/>
+          </a:prstGeom>
+          <a:noFill/>
+          <a:ln w="9360">
+            <a:noFill/>
+          </a:ln>
+        </p:spPr>
+      </p:sp>
+      <p:graphicFrame>
+        <p:nvGraphicFramePr>
+          <p:cNvPr id="9" name="Chart 8"/>
+          <p:cNvGraphicFramePr/>
+          <p:nvPr/>
+        </p:nvGraphicFramePr>
+        <p:xfrm>
+          <a:off x="1524000" y="1397000"/>
+          <a:ext cx="6096000" cy="4064000"/>
+        </p:xfrm>
+        <a:graphic>
+          <a:graphicData uri="http://schemas.openxmlformats.org/drawingml/2006/chart">
+            <c:chart xmlns:c="http://schemas.openxmlformats.org/drawingml/2006/chart" xmlns:r="http://schemas.openxmlformats.org/officeDocument/2006/relationships" r:id="rId2"/>
+          </a:graphicData>
+        </a:graphic>
+      </p:graphicFrame>
+      <p:sp>
+        <p:nvSpPr>
+          <p:cNvPr id="6" name="Date Placeholder 5"/>
+          <p:cNvSpPr>
+            <a:spLocks noGrp="1"/>
+          </p:cNvSpPr>
+          <p:nvPr>
+            <p:ph type="dt" sz="half" idx="10"/>
+          </p:nvPr>
+        </p:nvSpPr>
+        <p:spPr/>
         <p:txBody>
           <a:bodyPr/>
           <a:lstStyle/>
           <a:p>
-            <a:pPr>
-              <a:lnSpc>
-                <a:spcPct val="100000"/>
-              </a:lnSpc>
-              <a:spcAft>
-                <a:spcPts val="600"/>
-              </a:spcAft>
-              <a:buClr>
-                <a:schemeClr val="tx2"/>
-              </a:buClr>
-              <a:buFont typeface="Arial"/>
-              <a:buChar char="•"/>
-            </a:pPr>
-            <a:r>
-              <a:rPr lang="en-US" sz="1700" dirty="0" smtClean="0">
-                <a:solidFill>
-                  <a:srgbClr val="FFFFFF"/>
-                </a:solidFill>
-                <a:latin typeface="Arial Narrow"/>
-              </a:rPr>
-              <a:t> This </a:t>
-            </a:r>
-            <a:r>
-              <a:rPr lang="en-US" sz="1700" dirty="0">
-                <a:solidFill>
-                  <a:srgbClr val="FFFFFF"/>
-                </a:solidFill>
-                <a:latin typeface="Arial Narrow"/>
-              </a:rPr>
-              <a:t>best way to maximize savings for retirement is to maximize contributions into a 401K account as early as possible</a:t>
-            </a:r>
-            <a:r>
-              <a:rPr lang="en-US" sz="1700" dirty="0" smtClean="0">
-                <a:solidFill>
-                  <a:srgbClr val="FFFFFF"/>
-                </a:solidFill>
-                <a:latin typeface="Arial Narrow"/>
-              </a:rPr>
-              <a:t> on </a:t>
-            </a:r>
-            <a:r>
-              <a:rPr lang="en-US" sz="1700" dirty="0">
-                <a:solidFill>
-                  <a:srgbClr val="FFFFFF"/>
-                </a:solidFill>
-                <a:latin typeface="Arial Narrow"/>
-              </a:rPr>
-              <a:t>the planning </a:t>
-            </a:r>
-            <a:r>
-              <a:rPr lang="en-US" sz="1700" dirty="0" smtClean="0">
-                <a:solidFill>
-                  <a:srgbClr val="FFFFFF"/>
-                </a:solidFill>
-                <a:latin typeface="Arial Narrow"/>
-              </a:rPr>
-              <a:t>horizon and to contribute as long as possibl</a:t>
-            </a:r>
-            <a:r>
-              <a:rPr lang="en-US" sz="1700" dirty="0" smtClean="0">
-                <a:solidFill>
-                  <a:srgbClr val="FFFFFF"/>
-                </a:solidFill>
-                <a:latin typeface="Arial Narrow"/>
-              </a:rPr>
-              <a:t>e.</a:t>
-            </a:r>
-            <a:endParaRPr lang="en-US" sz="1700" dirty="0" smtClean="0">
-              <a:solidFill>
-                <a:srgbClr val="FFFFFF"/>
-              </a:solidFill>
-              <a:latin typeface="Arial Narrow"/>
-            </a:endParaRPr>
-          </a:p>
-          <a:p>
-            <a:pPr>
-              <a:lnSpc>
-                <a:spcPct val="100000"/>
-              </a:lnSpc>
-              <a:spcAft>
-                <a:spcPts val="600"/>
-              </a:spcAft>
-              <a:buClr>
-                <a:schemeClr val="tx2"/>
-              </a:buClr>
-              <a:buFont typeface="Arial"/>
-              <a:buChar char="•"/>
-            </a:pPr>
-            <a:r>
-              <a:rPr lang="en-US" sz="1700" dirty="0" smtClean="0">
-                <a:solidFill>
-                  <a:srgbClr val="FFFFFF"/>
-                </a:solidFill>
-                <a:latin typeface="Arial Narrow"/>
-              </a:rPr>
-              <a:t> Make use of the 401K account earlier, at the start or before retirement.</a:t>
-            </a:r>
-          </a:p>
-          <a:p>
-            <a:pPr>
-              <a:lnSpc>
-                <a:spcPct val="100000"/>
-              </a:lnSpc>
-              <a:spcAft>
-                <a:spcPts val="600"/>
-              </a:spcAft>
-              <a:buClr>
-                <a:schemeClr val="tx2"/>
-              </a:buClr>
-              <a:buFont typeface="Arial"/>
-              <a:buChar char="•"/>
-            </a:pPr>
-            <a:r>
-              <a:rPr lang="en-US" sz="1700" dirty="0" smtClean="0">
-                <a:solidFill>
-                  <a:srgbClr val="FFFFFF"/>
-                </a:solidFill>
-                <a:latin typeface="Arial Narrow"/>
-              </a:rPr>
-              <a:t> </a:t>
-            </a:r>
-            <a:r>
-              <a:rPr lang="en-US" sz="1700" dirty="0" smtClean="0">
-                <a:solidFill>
-                  <a:srgbClr val="FFFFFF"/>
-                </a:solidFill>
-                <a:latin typeface="Arial Narrow"/>
-              </a:rPr>
-              <a:t>Delay the start of SSA benefit payouts as long as possible (up to age 70) to maximize the payout amount throughout retirement.</a:t>
-            </a:r>
-            <a:endParaRPr dirty="0" smtClean="0"/>
-          </a:p>
-          <a:p>
-            <a:pPr>
-              <a:lnSpc>
-                <a:spcPct val="100000"/>
-              </a:lnSpc>
-              <a:spcAft>
-                <a:spcPts val="600"/>
-              </a:spcAft>
-            </a:pPr>
-            <a:endParaRPr dirty="0"/>
-          </a:p>
-          <a:p>
-            <a:pPr>
-              <a:lnSpc>
-                <a:spcPct val="100000"/>
-              </a:lnSpc>
-              <a:spcAft>
-                <a:spcPts val="600"/>
-              </a:spcAft>
-            </a:pPr>
-            <a:r>
-              <a:rPr lang="en-US" sz="1700" dirty="0" smtClean="0">
-                <a:solidFill>
-                  <a:srgbClr val="FFFFFF"/>
-                </a:solidFill>
-                <a:latin typeface="Arial Narrow"/>
-              </a:rPr>
-              <a:t>The contribution and returns </a:t>
-            </a:r>
-            <a:r>
-              <a:rPr lang="en-US" sz="1700" dirty="0">
-                <a:solidFill>
-                  <a:srgbClr val="FFFFFF"/>
-                </a:solidFill>
-                <a:latin typeface="Arial Narrow"/>
-              </a:rPr>
-              <a:t>on Social </a:t>
-            </a:r>
-            <a:r>
-              <a:rPr lang="en-US" sz="1700" dirty="0" smtClean="0">
-                <a:solidFill>
-                  <a:srgbClr val="FFFFFF"/>
-                </a:solidFill>
-                <a:latin typeface="Arial Narrow"/>
-              </a:rPr>
-              <a:t>Security</a:t>
-            </a:r>
-            <a:r>
-              <a:rPr lang="en-US" sz="1700" dirty="0" smtClean="0">
-                <a:solidFill>
-                  <a:srgbClr val="FFFFFF"/>
-                </a:solidFill>
-                <a:latin typeface="Arial Narrow"/>
-              </a:rPr>
-              <a:t>, </a:t>
-            </a:r>
-            <a:r>
-              <a:rPr lang="en-US" sz="1700" dirty="0" smtClean="0">
-                <a:solidFill>
-                  <a:srgbClr val="FFFFFF"/>
-                </a:solidFill>
-                <a:latin typeface="Arial Narrow"/>
-              </a:rPr>
-              <a:t>401K, and any other retirement account needs to be considered in </a:t>
-            </a:r>
-            <a:r>
-              <a:rPr lang="en-US" sz="1700" dirty="0" smtClean="0">
-                <a:solidFill>
-                  <a:srgbClr val="FFFFFF"/>
-                </a:solidFill>
-                <a:latin typeface="Arial Narrow"/>
-              </a:rPr>
-              <a:t>combination </a:t>
-            </a:r>
-            <a:r>
-              <a:rPr lang="en-US" sz="1700" dirty="0" smtClean="0">
-                <a:solidFill>
-                  <a:srgbClr val="FFFFFF"/>
-                </a:solidFill>
-                <a:latin typeface="Arial Narrow"/>
-              </a:rPr>
-              <a:t>to better plan for retirement.</a:t>
-            </a:r>
-            <a:endParaRPr dirty="0"/>
-          </a:p>
-          <a:p>
-            <a:pPr>
-              <a:lnSpc>
-                <a:spcPct val="100000"/>
-              </a:lnSpc>
-            </a:pPr>
-            <a:endParaRPr dirty="0"/>
+            <a:fld id="{F527CCB5-69BF-4369-8220-BAF1370854B4}" type="datetime1">
+              <a:rPr lang="en-US" smtClean="0"/>
+              <a:t>12/10/2014</a:t>
+            </a:fld>
+            <a:endParaRPr lang="en-US"/>
+          </a:p>
+        </p:txBody>
+      </p:sp>
+      <p:sp>
+        <p:nvSpPr>
+          <p:cNvPr id="7" name="Slide Number Placeholder 6"/>
+          <p:cNvSpPr>
+            <a:spLocks noGrp="1"/>
+          </p:cNvSpPr>
+          <p:nvPr>
+            <p:ph type="sldNum" sz="quarter" idx="12"/>
+          </p:nvPr>
+        </p:nvSpPr>
+        <p:spPr/>
+        <p:txBody>
+          <a:bodyPr/>
+          <a:lstStyle/>
+          <a:p>
+            <a:fld id="{61A8A087-BDC4-42FE-8768-63148BB52561}" type="slidenum">
+              <a:rPr lang="en-US" smtClean="0"/>
+              <a:pPr/>
+              <a:t>24</a:t>
+            </a:fld>
+            <a:endParaRPr lang="en-US"/>
+          </a:p>
+        </p:txBody>
+      </p:sp>
+      <p:sp>
+        <p:nvSpPr>
+          <p:cNvPr id="8" name="Footer Placeholder 7"/>
+          <p:cNvSpPr>
+            <a:spLocks noGrp="1"/>
+          </p:cNvSpPr>
+          <p:nvPr>
+            <p:ph type="ftr" sz="quarter" idx="11"/>
+          </p:nvPr>
+        </p:nvSpPr>
+        <p:spPr/>
+        <p:txBody>
+          <a:bodyPr/>
+          <a:lstStyle/>
+          <a:p>
+            <a:r>
+              <a:rPr lang="en-US" smtClean="0"/>
+              <a:t>IS609 MSDA CUNY</a:t>
+            </a:r>
+            <a:endParaRPr lang="en-US"/>
           </a:p>
         </p:txBody>
       </p:sp>
@@ -9599,7 +10919,7 @@
 </file>
 
 <file path=ppt/slides/slide25.xml><?xml version="1.0" encoding="utf-8"?>
-<p:sld xmlns:a="http://schemas.openxmlformats.org/drawingml/2006/main" xmlns:r="http://schemas.openxmlformats.org/officeDocument/2006/relationships" xmlns:mc="http://schemas.openxmlformats.org/markup-compatibility/2006" xmlns:mv="urn:schemas-microsoft-com:mac:vml" xmlns:p="http://schemas.openxmlformats.org/presentationml/2006/main" mc:Ignorable="mv" mc:PreserveAttributes="mv:*">
+<p:sld xmlns:a="http://schemas.openxmlformats.org/drawingml/2006/main" xmlns:r="http://schemas.openxmlformats.org/officeDocument/2006/relationships" xmlns:p="http://schemas.openxmlformats.org/presentationml/2006/main">
   <p:cSld>
     <p:spTree>
       <p:nvGrpSpPr>
@@ -9617,6 +10937,351 @@
       </p:grpSpPr>
       <p:sp>
         <p:nvSpPr>
+          <p:cNvPr id="208" name="TextShape 1"/>
+          <p:cNvSpPr txBox="1"/>
+          <p:nvPr/>
+        </p:nvSpPr>
+        <p:spPr>
+          <a:xfrm>
+            <a:off x="609480" y="274680"/>
+            <a:ext cx="7924320" cy="715680"/>
+          </a:xfrm>
+          <a:prstGeom prst="rect">
+            <a:avLst/>
+          </a:prstGeom>
+        </p:spPr>
+        <p:txBody>
+          <a:bodyPr anchor="b"/>
+          <a:lstStyle/>
+          <a:p>
+            <a:pPr>
+              <a:lnSpc>
+                <a:spcPct val="100000"/>
+              </a:lnSpc>
+            </a:pPr>
+            <a:r>
+              <a:rPr lang="en-US" sz="3000" dirty="0" smtClean="0">
+                <a:solidFill>
+                  <a:srgbClr val="FFFFFF"/>
+                </a:solidFill>
+                <a:latin typeface="Arial Narrow"/>
+              </a:rPr>
+              <a:t>Conclusion</a:t>
+            </a:r>
+            <a:endParaRPr dirty="0"/>
+          </a:p>
+        </p:txBody>
+      </p:sp>
+      <p:sp>
+        <p:nvSpPr>
+          <p:cNvPr id="209" name="TextShape 2"/>
+          <p:cNvSpPr txBox="1"/>
+          <p:nvPr/>
+        </p:nvSpPr>
+        <p:spPr>
+          <a:xfrm>
+            <a:off x="609480" y="1143000"/>
+            <a:ext cx="7924320" cy="4571640"/>
+          </a:xfrm>
+          <a:prstGeom prst="rect">
+            <a:avLst/>
+          </a:prstGeom>
+        </p:spPr>
+        <p:txBody>
+          <a:bodyPr/>
+          <a:lstStyle/>
+          <a:p>
+            <a:pPr>
+              <a:lnSpc>
+                <a:spcPct val="100000"/>
+              </a:lnSpc>
+              <a:spcAft>
+                <a:spcPts val="600"/>
+              </a:spcAft>
+              <a:buClr>
+                <a:schemeClr val="tx2"/>
+              </a:buClr>
+              <a:buFont typeface="Arial"/>
+              <a:buChar char="•"/>
+            </a:pPr>
+            <a:r>
+              <a:rPr lang="en-US" sz="1700" dirty="0" smtClean="0">
+                <a:solidFill>
+                  <a:srgbClr val="FFFFFF"/>
+                </a:solidFill>
+                <a:latin typeface="Arial Narrow"/>
+              </a:rPr>
+              <a:t> This </a:t>
+            </a:r>
+            <a:r>
+              <a:rPr lang="en-US" sz="1700" dirty="0">
+                <a:solidFill>
+                  <a:srgbClr val="FFFFFF"/>
+                </a:solidFill>
+                <a:latin typeface="Arial Narrow"/>
+              </a:rPr>
+              <a:t>best way to maximize savings for retirement is to maximize contributions into a 401K account as early as possible</a:t>
+            </a:r>
+            <a:r>
+              <a:rPr lang="en-US" sz="1700" dirty="0" smtClean="0">
+                <a:solidFill>
+                  <a:srgbClr val="FFFFFF"/>
+                </a:solidFill>
+                <a:latin typeface="Arial Narrow"/>
+              </a:rPr>
+              <a:t> on </a:t>
+            </a:r>
+            <a:r>
+              <a:rPr lang="en-US" sz="1700" dirty="0">
+                <a:solidFill>
+                  <a:srgbClr val="FFFFFF"/>
+                </a:solidFill>
+                <a:latin typeface="Arial Narrow"/>
+              </a:rPr>
+              <a:t>the planning </a:t>
+            </a:r>
+            <a:r>
+              <a:rPr lang="en-US" sz="1700" dirty="0" smtClean="0">
+                <a:solidFill>
+                  <a:srgbClr val="FFFFFF"/>
+                </a:solidFill>
+                <a:latin typeface="Arial Narrow"/>
+              </a:rPr>
+              <a:t>horizon and to contribute as long as possible.</a:t>
+            </a:r>
+          </a:p>
+          <a:p>
+            <a:pPr>
+              <a:lnSpc>
+                <a:spcPct val="100000"/>
+              </a:lnSpc>
+              <a:spcAft>
+                <a:spcPts val="600"/>
+              </a:spcAft>
+              <a:buClr>
+                <a:schemeClr val="tx2"/>
+              </a:buClr>
+              <a:buFont typeface="Arial"/>
+              <a:buChar char="•"/>
+            </a:pPr>
+            <a:r>
+              <a:rPr lang="en-US" sz="1700" dirty="0" smtClean="0">
+                <a:solidFill>
+                  <a:srgbClr val="FFFFFF"/>
+                </a:solidFill>
+                <a:latin typeface="Arial Narrow"/>
+              </a:rPr>
+              <a:t> Make use of the 401K account earlier, at the start or before retirement.</a:t>
+            </a:r>
+          </a:p>
+          <a:p>
+            <a:pPr>
+              <a:lnSpc>
+                <a:spcPct val="100000"/>
+              </a:lnSpc>
+              <a:spcAft>
+                <a:spcPts val="600"/>
+              </a:spcAft>
+              <a:buClr>
+                <a:schemeClr val="tx2"/>
+              </a:buClr>
+              <a:buFont typeface="Arial"/>
+              <a:buChar char="•"/>
+            </a:pPr>
+            <a:r>
+              <a:rPr lang="en-US" sz="1700" dirty="0" smtClean="0">
+                <a:solidFill>
+                  <a:srgbClr val="FFFFFF"/>
+                </a:solidFill>
+                <a:latin typeface="Arial Narrow"/>
+              </a:rPr>
+              <a:t> Delay the start of SSA benefit payouts as long as possible (up to age 70) to maximize the payout amount throughout retirement.</a:t>
+            </a:r>
+            <a:endParaRPr dirty="0" smtClean="0"/>
+          </a:p>
+          <a:p>
+            <a:pPr>
+              <a:lnSpc>
+                <a:spcPct val="100000"/>
+              </a:lnSpc>
+              <a:spcAft>
+                <a:spcPts val="600"/>
+              </a:spcAft>
+            </a:pPr>
+            <a:endParaRPr dirty="0"/>
+          </a:p>
+          <a:p>
+            <a:pPr>
+              <a:lnSpc>
+                <a:spcPct val="100000"/>
+              </a:lnSpc>
+              <a:spcAft>
+                <a:spcPts val="600"/>
+              </a:spcAft>
+            </a:pPr>
+            <a:r>
+              <a:rPr lang="en-US" sz="1700" dirty="0" smtClean="0">
+                <a:solidFill>
+                  <a:srgbClr val="FFFFFF"/>
+                </a:solidFill>
+                <a:latin typeface="Arial Narrow"/>
+              </a:rPr>
+              <a:t>The contribution and returns </a:t>
+            </a:r>
+            <a:r>
+              <a:rPr lang="en-US" sz="1700" dirty="0">
+                <a:solidFill>
+                  <a:srgbClr val="FFFFFF"/>
+                </a:solidFill>
+                <a:latin typeface="Arial Narrow"/>
+              </a:rPr>
+              <a:t>on Social </a:t>
+            </a:r>
+            <a:r>
+              <a:rPr lang="en-US" sz="1700" dirty="0" smtClean="0">
+                <a:solidFill>
+                  <a:srgbClr val="FFFFFF"/>
+                </a:solidFill>
+                <a:latin typeface="Arial Narrow"/>
+              </a:rPr>
+              <a:t>Security, 401K, and any other retirement account needs to be considered in combination to better plan for retirement.</a:t>
+            </a:r>
+            <a:endParaRPr dirty="0"/>
+          </a:p>
+          <a:p>
+            <a:pPr>
+              <a:lnSpc>
+                <a:spcPct val="100000"/>
+              </a:lnSpc>
+            </a:pPr>
+            <a:endParaRPr dirty="0"/>
+          </a:p>
+        </p:txBody>
+      </p:sp>
+      <p:sp>
+        <p:nvSpPr>
+          <p:cNvPr id="4" name="Date Placeholder 3"/>
+          <p:cNvSpPr>
+            <a:spLocks noGrp="1"/>
+          </p:cNvSpPr>
+          <p:nvPr>
+            <p:ph type="dt" sz="half" idx="10"/>
+          </p:nvPr>
+        </p:nvSpPr>
+        <p:spPr/>
+        <p:txBody>
+          <a:bodyPr/>
+          <a:lstStyle/>
+          <a:p>
+            <a:fld id="{F7FBC4E5-08E5-4797-AC88-1CEA23DEE528}" type="datetime1">
+              <a:rPr lang="en-US" smtClean="0"/>
+              <a:t>12/10/2014</a:t>
+            </a:fld>
+            <a:endParaRPr lang="en-US"/>
+          </a:p>
+        </p:txBody>
+      </p:sp>
+      <p:sp>
+        <p:nvSpPr>
+          <p:cNvPr id="5" name="Slide Number Placeholder 4"/>
+          <p:cNvSpPr>
+            <a:spLocks noGrp="1"/>
+          </p:cNvSpPr>
+          <p:nvPr>
+            <p:ph type="sldNum" sz="quarter" idx="12"/>
+          </p:nvPr>
+        </p:nvSpPr>
+        <p:spPr/>
+        <p:txBody>
+          <a:bodyPr/>
+          <a:lstStyle/>
+          <a:p>
+            <a:fld id="{61A8A087-BDC4-42FE-8768-63148BB52561}" type="slidenum">
+              <a:rPr lang="en-US" smtClean="0"/>
+              <a:pPr/>
+              <a:t>25</a:t>
+            </a:fld>
+            <a:endParaRPr lang="en-US"/>
+          </a:p>
+        </p:txBody>
+      </p:sp>
+      <p:sp>
+        <p:nvSpPr>
+          <p:cNvPr id="6" name="Footer Placeholder 5"/>
+          <p:cNvSpPr>
+            <a:spLocks noGrp="1"/>
+          </p:cNvSpPr>
+          <p:nvPr>
+            <p:ph type="ftr" sz="quarter" idx="11"/>
+          </p:nvPr>
+        </p:nvSpPr>
+        <p:spPr/>
+        <p:txBody>
+          <a:bodyPr/>
+          <a:lstStyle/>
+          <a:p>
+            <a:r>
+              <a:rPr lang="en-US" smtClean="0"/>
+              <a:t>IS609 MSDA CUNY</a:t>
+            </a:r>
+            <a:endParaRPr lang="en-US"/>
+          </a:p>
+        </p:txBody>
+      </p:sp>
+    </p:spTree>
+  </p:cSld>
+  <p:clrMapOvr>
+    <a:masterClrMapping/>
+  </p:clrMapOvr>
+  <p:timing>
+    <p:tnLst>
+      <p:par>
+        <p:cTn id="1" dur="indefinite" restart="never" nodeType="tmRoot">
+          <p:childTnLst>
+            <p:seq>
+              <p:cTn id="2" nodeType="mainSeq"/>
+              <p:prevCondLst>
+                <p:cond evt="onPrev" delay="0">
+                  <p:tgtEl>
+                    <p:sldTgt/>
+                  </p:tgtEl>
+                </p:cond>
+              </p:prevCondLst>
+              <p:nextCondLst>
+                <p:cond evt="onNext" delay="0">
+                  <p:tgtEl>
+                    <p:sldTgt/>
+                  </p:tgtEl>
+                </p:cond>
+              </p:nextCondLst>
+            </p:seq>
+          </p:childTnLst>
+        </p:cTn>
+      </p:par>
+    </p:tnLst>
+  </p:timing>
+</p:sld>
+</file>
+
+<file path=ppt/slides/slide26.xml><?xml version="1.0" encoding="utf-8"?>
+<p:sld xmlns:a="http://schemas.openxmlformats.org/drawingml/2006/main" xmlns:r="http://schemas.openxmlformats.org/officeDocument/2006/relationships" xmlns:p="http://schemas.openxmlformats.org/presentationml/2006/main">
+  <p:cSld>
+    <p:spTree>
+      <p:nvGrpSpPr>
+        <p:cNvPr id="1" name=""/>
+        <p:cNvGrpSpPr/>
+        <p:nvPr/>
+      </p:nvGrpSpPr>
+      <p:grpSpPr>
+        <a:xfrm>
+          <a:off x="0" y="0"/>
+          <a:ext cx="0" cy="0"/>
+          <a:chOff x="0" y="0"/>
+          <a:chExt cx="0" cy="0"/>
+        </a:xfrm>
+      </p:grpSpPr>
+      <p:sp>
+        <p:nvSpPr>
           <p:cNvPr id="2" name="Title 1"/>
           <p:cNvSpPr>
             <a:spLocks noGrp="1"/>
@@ -9661,6 +11326,76 @@
           </a:xfrm>
         </p:spPr>
       </p:pic>
+      <p:sp>
+        <p:nvSpPr>
+          <p:cNvPr id="4" name="Date Placeholder 3"/>
+          <p:cNvSpPr>
+            <a:spLocks noGrp="1"/>
+          </p:cNvSpPr>
+          <p:nvPr>
+            <p:ph type="dt" sz="half" idx="10"/>
+          </p:nvPr>
+        </p:nvSpPr>
+        <p:spPr/>
+        <p:txBody>
+          <a:bodyPr/>
+          <a:lstStyle/>
+          <a:p>
+            <a:fld id="{63BDBC6C-3FD3-4356-A52C-735E61521F3E}" type="datetime1">
+              <a:rPr lang="en-US" smtClean="0"/>
+              <a:t>12/10/2014</a:t>
+            </a:fld>
+            <a:endParaRPr lang="en-US"/>
+          </a:p>
+        </p:txBody>
+      </p:sp>
+      <p:sp>
+        <p:nvSpPr>
+          <p:cNvPr id="5" name="Slide Number Placeholder 4"/>
+          <p:cNvSpPr>
+            <a:spLocks noGrp="1"/>
+          </p:cNvSpPr>
+          <p:nvPr>
+            <p:ph type="sldNum" sz="quarter" idx="12"/>
+          </p:nvPr>
+        </p:nvSpPr>
+        <p:spPr/>
+        <p:txBody>
+          <a:bodyPr/>
+          <a:lstStyle/>
+          <a:p>
+            <a:fld id="{61A8A087-BDC4-42FE-8768-63148BB52561}" type="slidenum">
+              <a:rPr lang="en-US" smtClean="0"/>
+              <a:pPr/>
+              <a:t>26</a:t>
+            </a:fld>
+            <a:endParaRPr lang="en-US"/>
+          </a:p>
+        </p:txBody>
+      </p:sp>
+      <p:sp>
+        <p:nvSpPr>
+          <p:cNvPr id="6" name="Footer Placeholder 5"/>
+          <p:cNvSpPr>
+            <a:spLocks noGrp="1"/>
+          </p:cNvSpPr>
+          <p:nvPr>
+            <p:ph type="ftr" sz="quarter" idx="11"/>
+          </p:nvPr>
+        </p:nvSpPr>
+        <p:spPr/>
+        <p:txBody>
+          <a:bodyPr/>
+          <a:lstStyle/>
+          <a:p>
+            <a:r>
+              <a:rPr lang="en-US" smtClean="0"/>
+              <a:t>IS609 MSDA CUNY</a:t>
+            </a:r>
+            <a:endParaRPr lang="en-US"/>
+          </a:p>
+        </p:txBody>
+      </p:sp>
     </p:spTree>
   </p:cSld>
   <p:clrMapOvr>
@@ -9676,8 +11411,8 @@
 </p:sld>
 </file>
 
-<file path=ppt/slides/slide26.xml><?xml version="1.0" encoding="utf-8"?>
-<p:sld xmlns:a="http://schemas.openxmlformats.org/drawingml/2006/main" xmlns:r="http://schemas.openxmlformats.org/officeDocument/2006/relationships" xmlns:mc="http://schemas.openxmlformats.org/markup-compatibility/2006" xmlns:mv="urn:schemas-microsoft-com:mac:vml" xmlns:p="http://schemas.openxmlformats.org/presentationml/2006/main" mc:Ignorable="mv" mc:PreserveAttributes="mv:*">
+<file path=ppt/slides/slide27.xml><?xml version="1.0" encoding="utf-8"?>
+<p:sld xmlns:a="http://schemas.openxmlformats.org/drawingml/2006/main" xmlns:r="http://schemas.openxmlformats.org/officeDocument/2006/relationships" xmlns:p="http://schemas.openxmlformats.org/presentationml/2006/main">
   <p:cSld>
     <p:spTree>
       <p:nvGrpSpPr>
@@ -9722,10 +11457,87 @@
           </a:p>
         </p:txBody>
       </p:sp>
+      <p:sp>
+        <p:nvSpPr>
+          <p:cNvPr id="3" name="Date Placeholder 2"/>
+          <p:cNvSpPr>
+            <a:spLocks noGrp="1"/>
+          </p:cNvSpPr>
+          <p:nvPr>
+            <p:ph type="dt" sz="half" idx="10"/>
+          </p:nvPr>
+        </p:nvSpPr>
+        <p:spPr>
+          <a:xfrm>
+            <a:off x="4038600" y="6324600"/>
+            <a:ext cx="1524000" cy="365125"/>
+          </a:xfrm>
+        </p:spPr>
+        <p:txBody>
+          <a:bodyPr/>
+          <a:lstStyle/>
+          <a:p>
+            <a:pPr algn="ctr"/>
+            <a:fld id="{EE993CEE-F74B-4EDF-ACEF-BB9024B36CBD}" type="datetime1">
+              <a:rPr lang="en-US" smtClean="0"/>
+              <a:pPr algn="ctr"/>
+              <a:t>12/10/2014</a:t>
+            </a:fld>
+            <a:endParaRPr lang="en-US" dirty="0"/>
+          </a:p>
+        </p:txBody>
+      </p:sp>
+      <p:sp>
+        <p:nvSpPr>
+          <p:cNvPr id="5" name="Slide Number Placeholder 4"/>
+          <p:cNvSpPr>
+            <a:spLocks noGrp="1"/>
+          </p:cNvSpPr>
+          <p:nvPr>
+            <p:ph type="sldNum" sz="quarter" idx="12"/>
+          </p:nvPr>
+        </p:nvSpPr>
+        <p:spPr/>
+        <p:txBody>
+          <a:bodyPr/>
+          <a:lstStyle/>
+          <a:p>
+            <a:fld id="{61A8A087-BDC4-42FE-8768-63148BB52561}" type="slidenum">
+              <a:rPr lang="en-US" smtClean="0"/>
+              <a:pPr/>
+              <a:t>27</a:t>
+            </a:fld>
+            <a:endParaRPr lang="en-US"/>
+          </a:p>
+        </p:txBody>
+      </p:sp>
+      <p:sp>
+        <p:nvSpPr>
+          <p:cNvPr id="6" name="Footer Placeholder 5"/>
+          <p:cNvSpPr>
+            <a:spLocks noGrp="1"/>
+          </p:cNvSpPr>
+          <p:nvPr>
+            <p:ph type="ftr" sz="quarter" idx="11"/>
+          </p:nvPr>
+        </p:nvSpPr>
+        <p:spPr/>
+        <p:txBody>
+          <a:bodyPr/>
+          <a:lstStyle/>
+          <a:p>
+            <a:r>
+              <a:rPr lang="en-US" smtClean="0"/>
+              <a:t>IS609 MSDA CUNY</a:t>
+            </a:r>
+            <a:endParaRPr lang="en-US"/>
+          </a:p>
+        </p:txBody>
+      </p:sp>
     </p:spTree>
     <p:extLst>
       <p:ext uri="{BB962C8B-B14F-4D97-AF65-F5344CB8AC3E}">
-        <p14:creationId xmlns="" xmlns:p14="http://schemas.microsoft.com/office/powerpoint/2010/main" xmlns:p="http://schemas.openxmlformats.org/presentationml/2006/main" xmlns:r="http://schemas.openxmlformats.org/officeDocument/2006/relationships" xmlns:a="http://schemas.openxmlformats.org/drawingml/2006/main" val="2131923647"/>
+        <p14:creationId xmlns:p14="http://schemas.microsoft.com/office/powerpoint/2010/main" xmlns="" xmlns:mv="urn:schemas-microsoft-com:mac:vml" xmlns:mc="http://schemas.openxmlformats.org/markup-compatibility/2006" val="2131923647"/>
       </p:ext>
     </p:extLst>
   </p:cSld>
@@ -9743,7 +11555,7 @@
 </file>
 
 <file path=ppt/slides/slide3.xml><?xml version="1.0" encoding="utf-8"?>
-<p:sld xmlns:a="http://schemas.openxmlformats.org/drawingml/2006/main" xmlns:r="http://schemas.openxmlformats.org/officeDocument/2006/relationships" xmlns:mc="http://schemas.openxmlformats.org/markup-compatibility/2006" xmlns:mv="urn:schemas-microsoft-com:mac:vml" xmlns:p="http://schemas.openxmlformats.org/presentationml/2006/main" mc:Ignorable="mv" mc:PreserveAttributes="mv:*">
+<p:sld xmlns:a="http://schemas.openxmlformats.org/drawingml/2006/main" xmlns:r="http://schemas.openxmlformats.org/officeDocument/2006/relationships" xmlns:p="http://schemas.openxmlformats.org/presentationml/2006/main">
   <p:cSld>
     <p:spTree>
       <p:nvGrpSpPr>
@@ -9909,6 +11721,76 @@
           </a:prstGeom>
         </p:spPr>
       </p:pic>
+      <p:sp>
+        <p:nvSpPr>
+          <p:cNvPr id="5" name="Date Placeholder 4"/>
+          <p:cNvSpPr>
+            <a:spLocks noGrp="1"/>
+          </p:cNvSpPr>
+          <p:nvPr>
+            <p:ph type="dt" sz="half" idx="10"/>
+          </p:nvPr>
+        </p:nvSpPr>
+        <p:spPr/>
+        <p:txBody>
+          <a:bodyPr/>
+          <a:lstStyle/>
+          <a:p>
+            <a:fld id="{2FE01535-7915-467D-AF1E-F7C097D07EB4}" type="datetime1">
+              <a:rPr lang="en-US" smtClean="0"/>
+              <a:t>12/10/2014</a:t>
+            </a:fld>
+            <a:endParaRPr lang="en-US" dirty="0"/>
+          </a:p>
+        </p:txBody>
+      </p:sp>
+      <p:sp>
+        <p:nvSpPr>
+          <p:cNvPr id="6" name="Slide Number Placeholder 5"/>
+          <p:cNvSpPr>
+            <a:spLocks noGrp="1"/>
+          </p:cNvSpPr>
+          <p:nvPr>
+            <p:ph type="sldNum" sz="quarter" idx="12"/>
+          </p:nvPr>
+        </p:nvSpPr>
+        <p:spPr/>
+        <p:txBody>
+          <a:bodyPr/>
+          <a:lstStyle/>
+          <a:p>
+            <a:fld id="{61A8A087-BDC4-42FE-8768-63148BB52561}" type="slidenum">
+              <a:rPr lang="en-US" smtClean="0"/>
+              <a:pPr/>
+              <a:t>3</a:t>
+            </a:fld>
+            <a:endParaRPr lang="en-US"/>
+          </a:p>
+        </p:txBody>
+      </p:sp>
+      <p:sp>
+        <p:nvSpPr>
+          <p:cNvPr id="7" name="Footer Placeholder 6"/>
+          <p:cNvSpPr>
+            <a:spLocks noGrp="1"/>
+          </p:cNvSpPr>
+          <p:nvPr>
+            <p:ph type="ftr" sz="quarter" idx="11"/>
+          </p:nvPr>
+        </p:nvSpPr>
+        <p:spPr/>
+        <p:txBody>
+          <a:bodyPr/>
+          <a:lstStyle/>
+          <a:p>
+            <a:r>
+              <a:rPr lang="en-US" smtClean="0"/>
+              <a:t>IS609 MSDA CUNY</a:t>
+            </a:r>
+            <a:endParaRPr lang="en-US"/>
+          </a:p>
+        </p:txBody>
+      </p:sp>
     </p:spTree>
   </p:cSld>
   <p:clrMapOvr>
@@ -9925,7 +11807,7 @@
 </file>
 
 <file path=ppt/slides/slide4.xml><?xml version="1.0" encoding="utf-8"?>
-<p:sld xmlns:a="http://schemas.openxmlformats.org/drawingml/2006/main" xmlns:r="http://schemas.openxmlformats.org/officeDocument/2006/relationships" xmlns:mc="http://schemas.openxmlformats.org/markup-compatibility/2006" xmlns:mv="urn:schemas-microsoft-com:mac:vml" xmlns:p="http://schemas.openxmlformats.org/presentationml/2006/main" mc:Ignorable="mv" mc:PreserveAttributes="mv:*">
+<p:sld xmlns:a="http://schemas.openxmlformats.org/drawingml/2006/main" xmlns:r="http://schemas.openxmlformats.org/officeDocument/2006/relationships" xmlns:p="http://schemas.openxmlformats.org/presentationml/2006/main">
   <p:cSld>
     <p:spTree>
       <p:nvGrpSpPr>
@@ -10027,6 +11909,76 @@
               <a:rPr lang="en-US" dirty="0" smtClean="0"/>
               <a:t>	Write an algorithm and code it in the computer language of your choice. Run the simulation to estimate the probability of winning a pass bet and the probability of winning a don't pass bet. Which is the better bet? As the number of trials increases, to what do the probabilities converge?</a:t>
             </a:r>
+          </a:p>
+        </p:txBody>
+      </p:sp>
+      <p:sp>
+        <p:nvSpPr>
+          <p:cNvPr id="4" name="Date Placeholder 3"/>
+          <p:cNvSpPr>
+            <a:spLocks noGrp="1"/>
+          </p:cNvSpPr>
+          <p:nvPr>
+            <p:ph type="dt" sz="half" idx="10"/>
+          </p:nvPr>
+        </p:nvSpPr>
+        <p:spPr/>
+        <p:txBody>
+          <a:bodyPr/>
+          <a:lstStyle/>
+          <a:p>
+            <a:fld id="{AECECB05-75EC-4E39-BB69-C8B15BA2B6D7}" type="datetime1">
+              <a:rPr lang="en-US" smtClean="0"/>
+              <a:t>12/10/2014</a:t>
+            </a:fld>
+            <a:endParaRPr lang="en-US"/>
+          </a:p>
+        </p:txBody>
+      </p:sp>
+      <p:sp>
+        <p:nvSpPr>
+          <p:cNvPr id="5" name="Slide Number Placeholder 4"/>
+          <p:cNvSpPr>
+            <a:spLocks noGrp="1"/>
+          </p:cNvSpPr>
+          <p:nvPr>
+            <p:ph type="sldNum" sz="quarter" idx="12"/>
+          </p:nvPr>
+        </p:nvSpPr>
+        <p:spPr/>
+        <p:txBody>
+          <a:bodyPr/>
+          <a:lstStyle/>
+          <a:p>
+            <a:fld id="{61A8A087-BDC4-42FE-8768-63148BB52561}" type="slidenum">
+              <a:rPr lang="en-US" smtClean="0"/>
+              <a:pPr/>
+              <a:t>4</a:t>
+            </a:fld>
+            <a:endParaRPr lang="en-US"/>
+          </a:p>
+        </p:txBody>
+      </p:sp>
+      <p:sp>
+        <p:nvSpPr>
+          <p:cNvPr id="6" name="Footer Placeholder 5"/>
+          <p:cNvSpPr>
+            <a:spLocks noGrp="1"/>
+          </p:cNvSpPr>
+          <p:nvPr>
+            <p:ph type="ftr" sz="quarter" idx="11"/>
+          </p:nvPr>
+        </p:nvSpPr>
+        <p:spPr/>
+        <p:txBody>
+          <a:bodyPr/>
+          <a:lstStyle/>
+          <a:p>
+            <a:r>
+              <a:rPr lang="en-US" smtClean="0"/>
+              <a:t>IS609 MSDA CUNY</a:t>
+            </a:r>
+            <a:endParaRPr lang="en-US"/>
           </a:p>
         </p:txBody>
       </p:sp>
@@ -10046,7 +11998,7 @@
 </file>
 
 <file path=ppt/slides/slide5.xml><?xml version="1.0" encoding="utf-8"?>
-<p:sld xmlns:a="http://schemas.openxmlformats.org/drawingml/2006/main" xmlns:r="http://schemas.openxmlformats.org/officeDocument/2006/relationships" xmlns:mc="http://schemas.openxmlformats.org/markup-compatibility/2006" xmlns:mv="urn:schemas-microsoft-com:mac:vml" xmlns:p="http://schemas.openxmlformats.org/presentationml/2006/main" mc:Ignorable="mv" mc:PreserveAttributes="mv:*">
+<p:sld xmlns:a="http://schemas.openxmlformats.org/drawingml/2006/main" xmlns:r="http://schemas.openxmlformats.org/officeDocument/2006/relationships" xmlns:p="http://schemas.openxmlformats.org/presentationml/2006/main">
   <p:cSld>
     <p:spTree>
       <p:nvGrpSpPr>
@@ -10935,6 +12887,76 @@
           </a:graphicData>
         </a:graphic>
       </p:graphicFrame>
+      <p:sp>
+        <p:nvSpPr>
+          <p:cNvPr id="5" name="Date Placeholder 4"/>
+          <p:cNvSpPr>
+            <a:spLocks noGrp="1"/>
+          </p:cNvSpPr>
+          <p:nvPr>
+            <p:ph type="dt" sz="half" idx="10"/>
+          </p:nvPr>
+        </p:nvSpPr>
+        <p:spPr/>
+        <p:txBody>
+          <a:bodyPr/>
+          <a:lstStyle/>
+          <a:p>
+            <a:fld id="{0B5F690A-5988-4CCB-94ED-9037FBE49B9B}" type="datetime1">
+              <a:rPr lang="en-US" smtClean="0"/>
+              <a:t>12/10/2014</a:t>
+            </a:fld>
+            <a:endParaRPr lang="en-US"/>
+          </a:p>
+        </p:txBody>
+      </p:sp>
+      <p:sp>
+        <p:nvSpPr>
+          <p:cNvPr id="6" name="Slide Number Placeholder 5"/>
+          <p:cNvSpPr>
+            <a:spLocks noGrp="1"/>
+          </p:cNvSpPr>
+          <p:nvPr>
+            <p:ph type="sldNum" sz="quarter" idx="12"/>
+          </p:nvPr>
+        </p:nvSpPr>
+        <p:spPr/>
+        <p:txBody>
+          <a:bodyPr/>
+          <a:lstStyle/>
+          <a:p>
+            <a:fld id="{61A8A087-BDC4-42FE-8768-63148BB52561}" type="slidenum">
+              <a:rPr lang="en-US" smtClean="0"/>
+              <a:pPr/>
+              <a:t>5</a:t>
+            </a:fld>
+            <a:endParaRPr lang="en-US"/>
+          </a:p>
+        </p:txBody>
+      </p:sp>
+      <p:sp>
+        <p:nvSpPr>
+          <p:cNvPr id="7" name="Footer Placeholder 6"/>
+          <p:cNvSpPr>
+            <a:spLocks noGrp="1"/>
+          </p:cNvSpPr>
+          <p:nvPr>
+            <p:ph type="ftr" sz="quarter" idx="11"/>
+          </p:nvPr>
+        </p:nvSpPr>
+        <p:spPr/>
+        <p:txBody>
+          <a:bodyPr/>
+          <a:lstStyle/>
+          <a:p>
+            <a:r>
+              <a:rPr lang="en-US" smtClean="0"/>
+              <a:t>IS609 MSDA CUNY</a:t>
+            </a:r>
+            <a:endParaRPr lang="en-US"/>
+          </a:p>
+        </p:txBody>
+      </p:sp>
     </p:spTree>
   </p:cSld>
   <p:clrMapOvr>
@@ -10951,7 +12973,7 @@
 </file>
 
 <file path=ppt/slides/slide6.xml><?xml version="1.0" encoding="utf-8"?>
-<p:sld xmlns:a="http://schemas.openxmlformats.org/drawingml/2006/main" xmlns:r="http://schemas.openxmlformats.org/officeDocument/2006/relationships" xmlns:mc="http://schemas.openxmlformats.org/markup-compatibility/2006" xmlns:mv="urn:schemas-microsoft-com:mac:vml" xmlns:p="http://schemas.openxmlformats.org/presentationml/2006/main" mc:Ignorable="mv" mc:PreserveAttributes="mv:*">
+<p:sld xmlns:a="http://schemas.openxmlformats.org/drawingml/2006/main" xmlns:r="http://schemas.openxmlformats.org/officeDocument/2006/relationships" xmlns:p="http://schemas.openxmlformats.org/presentationml/2006/main">
   <p:cSld>
     <p:spTree>
       <p:nvGrpSpPr>
@@ -11156,6 +13178,76 @@
           </a:p>
         </p:txBody>
       </p:sp>
+      <p:sp>
+        <p:nvSpPr>
+          <p:cNvPr id="6" name="Date Placeholder 5"/>
+          <p:cNvSpPr>
+            <a:spLocks noGrp="1"/>
+          </p:cNvSpPr>
+          <p:nvPr>
+            <p:ph type="dt" sz="half" idx="10"/>
+          </p:nvPr>
+        </p:nvSpPr>
+        <p:spPr/>
+        <p:txBody>
+          <a:bodyPr/>
+          <a:lstStyle/>
+          <a:p>
+            <a:fld id="{68A022FE-BE6D-40C9-AF27-928A12A641EC}" type="datetime1">
+              <a:rPr lang="en-US" smtClean="0"/>
+              <a:t>12/10/2014</a:t>
+            </a:fld>
+            <a:endParaRPr lang="en-US"/>
+          </a:p>
+        </p:txBody>
+      </p:sp>
+      <p:sp>
+        <p:nvSpPr>
+          <p:cNvPr id="7" name="Slide Number Placeholder 6"/>
+          <p:cNvSpPr>
+            <a:spLocks noGrp="1"/>
+          </p:cNvSpPr>
+          <p:nvPr>
+            <p:ph type="sldNum" sz="quarter" idx="12"/>
+          </p:nvPr>
+        </p:nvSpPr>
+        <p:spPr/>
+        <p:txBody>
+          <a:bodyPr/>
+          <a:lstStyle/>
+          <a:p>
+            <a:fld id="{61A8A087-BDC4-42FE-8768-63148BB52561}" type="slidenum">
+              <a:rPr lang="en-US" smtClean="0"/>
+              <a:pPr/>
+              <a:t>6</a:t>
+            </a:fld>
+            <a:endParaRPr lang="en-US"/>
+          </a:p>
+        </p:txBody>
+      </p:sp>
+      <p:sp>
+        <p:nvSpPr>
+          <p:cNvPr id="8" name="Footer Placeholder 7"/>
+          <p:cNvSpPr>
+            <a:spLocks noGrp="1"/>
+          </p:cNvSpPr>
+          <p:nvPr>
+            <p:ph type="ftr" sz="quarter" idx="11"/>
+          </p:nvPr>
+        </p:nvSpPr>
+        <p:spPr/>
+        <p:txBody>
+          <a:bodyPr/>
+          <a:lstStyle/>
+          <a:p>
+            <a:r>
+              <a:rPr lang="en-US" smtClean="0"/>
+              <a:t>IS609 MSDA CUNY</a:t>
+            </a:r>
+            <a:endParaRPr lang="en-US"/>
+          </a:p>
+        </p:txBody>
+      </p:sp>
     </p:spTree>
   </p:cSld>
   <p:clrMapOvr>
@@ -11172,7 +13264,7 @@
 </file>
 
 <file path=ppt/slides/slide7.xml><?xml version="1.0" encoding="utf-8"?>
-<p:sld xmlns:a="http://schemas.openxmlformats.org/drawingml/2006/main" xmlns:r="http://schemas.openxmlformats.org/officeDocument/2006/relationships" xmlns:mc="http://schemas.openxmlformats.org/markup-compatibility/2006" xmlns:mv="urn:schemas-microsoft-com:mac:vml" xmlns:p="http://schemas.openxmlformats.org/presentationml/2006/main" mc:Ignorable="mv" mc:PreserveAttributes="mv:*">
+<p:sld xmlns:a="http://schemas.openxmlformats.org/drawingml/2006/main" xmlns:r="http://schemas.openxmlformats.org/officeDocument/2006/relationships" xmlns:p="http://schemas.openxmlformats.org/presentationml/2006/main">
   <p:cSld>
     <p:spTree>
       <p:nvGrpSpPr>
@@ -12020,6 +14112,76 @@
           </a:graphicData>
         </a:graphic>
       </p:graphicFrame>
+      <p:sp>
+        <p:nvSpPr>
+          <p:cNvPr id="7" name="Date Placeholder 6"/>
+          <p:cNvSpPr>
+            <a:spLocks noGrp="1"/>
+          </p:cNvSpPr>
+          <p:nvPr>
+            <p:ph type="dt" sz="half" idx="10"/>
+          </p:nvPr>
+        </p:nvSpPr>
+        <p:spPr/>
+        <p:txBody>
+          <a:bodyPr/>
+          <a:lstStyle/>
+          <a:p>
+            <a:fld id="{71E46190-1B6C-45B7-9A92-55517EEFDCAB}" type="datetime1">
+              <a:rPr lang="en-US" smtClean="0"/>
+              <a:t>12/10/2014</a:t>
+            </a:fld>
+            <a:endParaRPr lang="en-US"/>
+          </a:p>
+        </p:txBody>
+      </p:sp>
+      <p:sp>
+        <p:nvSpPr>
+          <p:cNvPr id="8" name="Slide Number Placeholder 7"/>
+          <p:cNvSpPr>
+            <a:spLocks noGrp="1"/>
+          </p:cNvSpPr>
+          <p:nvPr>
+            <p:ph type="sldNum" sz="quarter" idx="12"/>
+          </p:nvPr>
+        </p:nvSpPr>
+        <p:spPr/>
+        <p:txBody>
+          <a:bodyPr/>
+          <a:lstStyle/>
+          <a:p>
+            <a:fld id="{61A8A087-BDC4-42FE-8768-63148BB52561}" type="slidenum">
+              <a:rPr lang="en-US" smtClean="0"/>
+              <a:pPr/>
+              <a:t>7</a:t>
+            </a:fld>
+            <a:endParaRPr lang="en-US"/>
+          </a:p>
+        </p:txBody>
+      </p:sp>
+      <p:sp>
+        <p:nvSpPr>
+          <p:cNvPr id="10" name="Footer Placeholder 9"/>
+          <p:cNvSpPr>
+            <a:spLocks noGrp="1"/>
+          </p:cNvSpPr>
+          <p:nvPr>
+            <p:ph type="ftr" sz="quarter" idx="11"/>
+          </p:nvPr>
+        </p:nvSpPr>
+        <p:spPr/>
+        <p:txBody>
+          <a:bodyPr/>
+          <a:lstStyle/>
+          <a:p>
+            <a:r>
+              <a:rPr lang="en-US" smtClean="0"/>
+              <a:t>IS609 MSDA CUNY</a:t>
+            </a:r>
+            <a:endParaRPr lang="en-US"/>
+          </a:p>
+        </p:txBody>
+      </p:sp>
     </p:spTree>
   </p:cSld>
   <p:clrMapOvr>
@@ -12036,7 +14198,7 @@
 </file>
 
 <file path=ppt/slides/slide8.xml><?xml version="1.0" encoding="utf-8"?>
-<p:sld xmlns:a="http://schemas.openxmlformats.org/drawingml/2006/main" xmlns:r="http://schemas.openxmlformats.org/officeDocument/2006/relationships" xmlns:mc="http://schemas.openxmlformats.org/markup-compatibility/2006" xmlns:mv="urn:schemas-microsoft-com:mac:vml" xmlns:p="http://schemas.openxmlformats.org/presentationml/2006/main" mc:Ignorable="mv" mc:PreserveAttributes="mv:*">
+<p:sld xmlns:a="http://schemas.openxmlformats.org/drawingml/2006/main" xmlns:r="http://schemas.openxmlformats.org/officeDocument/2006/relationships" xmlns:p="http://schemas.openxmlformats.org/presentationml/2006/main">
   <p:cSld>
     <p:spTree>
       <p:nvGrpSpPr>
@@ -12256,6 +14418,76 @@
           </a:p>
         </p:txBody>
       </p:sp>
+      <p:sp>
+        <p:nvSpPr>
+          <p:cNvPr id="6" name="Date Placeholder 5"/>
+          <p:cNvSpPr>
+            <a:spLocks noGrp="1"/>
+          </p:cNvSpPr>
+          <p:nvPr>
+            <p:ph type="dt" sz="half" idx="10"/>
+          </p:nvPr>
+        </p:nvSpPr>
+        <p:spPr/>
+        <p:txBody>
+          <a:bodyPr/>
+          <a:lstStyle/>
+          <a:p>
+            <a:fld id="{0BF46924-1C55-4B9D-B948-0F9299E49FFD}" type="datetime1">
+              <a:rPr lang="en-US" smtClean="0"/>
+              <a:t>12/10/2014</a:t>
+            </a:fld>
+            <a:endParaRPr lang="en-US"/>
+          </a:p>
+        </p:txBody>
+      </p:sp>
+      <p:sp>
+        <p:nvSpPr>
+          <p:cNvPr id="7" name="Slide Number Placeholder 6"/>
+          <p:cNvSpPr>
+            <a:spLocks noGrp="1"/>
+          </p:cNvSpPr>
+          <p:nvPr>
+            <p:ph type="sldNum" sz="quarter" idx="12"/>
+          </p:nvPr>
+        </p:nvSpPr>
+        <p:spPr/>
+        <p:txBody>
+          <a:bodyPr/>
+          <a:lstStyle/>
+          <a:p>
+            <a:fld id="{61A8A087-BDC4-42FE-8768-63148BB52561}" type="slidenum">
+              <a:rPr lang="en-US" smtClean="0"/>
+              <a:pPr/>
+              <a:t>8</a:t>
+            </a:fld>
+            <a:endParaRPr lang="en-US"/>
+          </a:p>
+        </p:txBody>
+      </p:sp>
+      <p:sp>
+        <p:nvSpPr>
+          <p:cNvPr id="8" name="Footer Placeholder 7"/>
+          <p:cNvSpPr>
+            <a:spLocks noGrp="1"/>
+          </p:cNvSpPr>
+          <p:nvPr>
+            <p:ph type="ftr" sz="quarter" idx="11"/>
+          </p:nvPr>
+        </p:nvSpPr>
+        <p:spPr/>
+        <p:txBody>
+          <a:bodyPr/>
+          <a:lstStyle/>
+          <a:p>
+            <a:r>
+              <a:rPr lang="en-US" smtClean="0"/>
+              <a:t>IS609 MSDA CUNY</a:t>
+            </a:r>
+            <a:endParaRPr lang="en-US"/>
+          </a:p>
+        </p:txBody>
+      </p:sp>
     </p:spTree>
   </p:cSld>
   <p:clrMapOvr>
@@ -12272,7 +14504,7 @@
 </file>
 
 <file path=ppt/slides/slide9.xml><?xml version="1.0" encoding="utf-8"?>
-<p:sld xmlns:a="http://schemas.openxmlformats.org/drawingml/2006/main" xmlns:r="http://schemas.openxmlformats.org/officeDocument/2006/relationships" xmlns:mc="http://schemas.openxmlformats.org/markup-compatibility/2006" xmlns:mv="urn:schemas-microsoft-com:mac:vml" xmlns:p="http://schemas.openxmlformats.org/presentationml/2006/main" mc:Ignorable="mv" mc:PreserveAttributes="mv:*">
+<p:sld xmlns:a="http://schemas.openxmlformats.org/drawingml/2006/main" xmlns:r="http://schemas.openxmlformats.org/officeDocument/2006/relationships" xmlns:p="http://schemas.openxmlformats.org/presentationml/2006/main">
   <p:cSld>
     <p:spTree>
       <p:nvGrpSpPr>
@@ -13235,6 +15467,76 @@
           </a:graphicData>
         </a:graphic>
       </p:graphicFrame>
+      <p:sp>
+        <p:nvSpPr>
+          <p:cNvPr id="17" name="Date Placeholder 16"/>
+          <p:cNvSpPr>
+            <a:spLocks noGrp="1"/>
+          </p:cNvSpPr>
+          <p:nvPr>
+            <p:ph type="dt" sz="half" idx="10"/>
+          </p:nvPr>
+        </p:nvSpPr>
+        <p:spPr/>
+        <p:txBody>
+          <a:bodyPr/>
+          <a:lstStyle/>
+          <a:p>
+            <a:fld id="{43189A6D-3599-4222-9DB3-B7A784513976}" type="datetime1">
+              <a:rPr lang="en-US" smtClean="0"/>
+              <a:t>12/10/2014</a:t>
+            </a:fld>
+            <a:endParaRPr lang="en-US"/>
+          </a:p>
+        </p:txBody>
+      </p:sp>
+      <p:sp>
+        <p:nvSpPr>
+          <p:cNvPr id="22" name="Slide Number Placeholder 21"/>
+          <p:cNvSpPr>
+            <a:spLocks noGrp="1"/>
+          </p:cNvSpPr>
+          <p:nvPr>
+            <p:ph type="sldNum" sz="quarter" idx="12"/>
+          </p:nvPr>
+        </p:nvSpPr>
+        <p:spPr/>
+        <p:txBody>
+          <a:bodyPr/>
+          <a:lstStyle/>
+          <a:p>
+            <a:fld id="{61A8A087-BDC4-42FE-8768-63148BB52561}" type="slidenum">
+              <a:rPr lang="en-US" smtClean="0"/>
+              <a:pPr/>
+              <a:t>9</a:t>
+            </a:fld>
+            <a:endParaRPr lang="en-US"/>
+          </a:p>
+        </p:txBody>
+      </p:sp>
+      <p:sp>
+        <p:nvSpPr>
+          <p:cNvPr id="23" name="Footer Placeholder 22"/>
+          <p:cNvSpPr>
+            <a:spLocks noGrp="1"/>
+          </p:cNvSpPr>
+          <p:nvPr>
+            <p:ph type="ftr" sz="quarter" idx="11"/>
+          </p:nvPr>
+        </p:nvSpPr>
+        <p:spPr/>
+        <p:txBody>
+          <a:bodyPr/>
+          <a:lstStyle/>
+          <a:p>
+            <a:r>
+              <a:rPr lang="en-US" smtClean="0"/>
+              <a:t>IS609 MSDA CUNY</a:t>
+            </a:r>
+            <a:endParaRPr lang="en-US"/>
+          </a:p>
+        </p:txBody>
+      </p:sp>
     </p:spTree>
   </p:cSld>
   <p:clrMapOvr>
